--- a/workshop_pre.pptx
+++ b/workshop_pre.pptx
@@ -5,59 +5,62 @@
     <p:sldMasterId id="2147483648" r:id="rId1"/>
   </p:sldMasterIdLst>
   <p:notesMasterIdLst>
-    <p:notesMasterId r:id="rId17"/>
+    <p:notesMasterId r:id="rId19"/>
   </p:notesMasterIdLst>
   <p:handoutMasterIdLst>
-    <p:handoutMasterId r:id="rId18"/>
+    <p:handoutMasterId r:id="rId20"/>
   </p:handoutMasterIdLst>
   <p:sldIdLst>
-    <p:sldId id="256" r:id="rId2"/>
-    <p:sldId id="258" r:id="rId3"/>
-    <p:sldId id="259" r:id="rId4"/>
-    <p:sldId id="257" r:id="rId5"/>
-    <p:sldId id="284" r:id="rId6"/>
-    <p:sldId id="260" r:id="rId7"/>
-    <p:sldId id="268" r:id="rId8"/>
-    <p:sldId id="286" r:id="rId9"/>
-    <p:sldId id="285" r:id="rId10"/>
-    <p:sldId id="266" r:id="rId11"/>
-    <p:sldId id="261" r:id="rId12"/>
-    <p:sldId id="265" r:id="rId13"/>
-    <p:sldId id="290" r:id="rId14"/>
-    <p:sldId id="291" r:id="rId15"/>
-    <p:sldId id="271" r:id="rId16"/>
+    <p:sldId id="256" r:id="rId3"/>
+    <p:sldId id="258" r:id="rId4"/>
+    <p:sldId id="259" r:id="rId5"/>
+    <p:sldId id="257" r:id="rId6"/>
+    <p:sldId id="284" r:id="rId7"/>
+    <p:sldId id="260" r:id="rId8"/>
+    <p:sldId id="268" r:id="rId9"/>
+    <p:sldId id="286" r:id="rId10"/>
+    <p:sldId id="285" r:id="rId11"/>
+    <p:sldId id="266" r:id="rId12"/>
+    <p:sldId id="261" r:id="rId13"/>
+    <p:sldId id="265" r:id="rId14"/>
+    <p:sldId id="290" r:id="rId15"/>
+    <p:sldId id="291" r:id="rId16"/>
+    <p:sldId id="296" r:id="rId17"/>
+    <p:sldId id="271" r:id="rId18"/>
   </p:sldIdLst>
   <p:sldSz cx="12192000" cy="6858000"/>
   <p:notesSz cx="6858000" cy="9144000"/>
   <p:embeddedFontLst>
     <p:embeddedFont>
-      <p:font typeface="宋体" panose="02010600030101010101" pitchFamily="2" charset="-122"/>
-      <p:regular r:id="rId19"/>
-    </p:embeddedFont>
-    <p:embeddedFont>
-      <p:font typeface="等线" panose="02010600030101010101" pitchFamily="2" charset="-122"/>
-      <p:regular r:id="rId20"/>
-      <p:bold r:id="rId21"/>
-    </p:embeddedFont>
-    <p:embeddedFont>
-      <p:font typeface="等线 Light" panose="02010600030101010101" pitchFamily="2" charset="-122"/>
-      <p:regular r:id="rId22"/>
-    </p:embeddedFont>
-    <p:embeddedFont>
-      <p:font typeface="仿宋" panose="02010609060101010101" pitchFamily="49" charset="-122"/>
-      <p:regular r:id="rId23"/>
-    </p:embeddedFont>
-    <p:embeddedFont>
-      <p:font typeface="华文细黑" panose="02010600040101010101" pitchFamily="2" charset="-122"/>
+      <p:font typeface="楷体" panose="02010609060101010101" charset="-122"/>
       <p:regular r:id="rId24"/>
     </p:embeddedFont>
     <p:embeddedFont>
-      <p:font typeface="楷体" panose="02010609060101010101" pitchFamily="49" charset="-122"/>
+      <p:font typeface="汉仪颜楷简" panose="00020600040101010101" charset="-122"/>
       <p:regular r:id="rId25"/>
+    </p:embeddedFont>
+    <p:embeddedFont>
+      <p:font typeface="仿宋" panose="02010609060101010101" charset="-122"/>
+      <p:regular r:id="rId26"/>
+    </p:embeddedFont>
+    <p:embeddedFont>
+      <p:font typeface="等线" panose="02010600030101010101" charset="-122"/>
+      <p:regular r:id="rId27"/>
+    </p:embeddedFont>
+    <p:embeddedFont>
+      <p:font typeface="等线 Light" panose="02010600030101010101" charset="-122"/>
+      <p:regular r:id="rId28"/>
+    </p:embeddedFont>
+    <p:embeddedFont>
+      <p:font typeface="Calibri" panose="020F0502020204030204" charset="0"/>
+      <p:regular r:id="rId29"/>
+      <p:bold r:id="rId30"/>
+      <p:italic r:id="rId31"/>
+      <p:boldItalic r:id="rId32"/>
     </p:embeddedFont>
   </p:embeddedFontLst>
   <p:custDataLst>
-    <p:tags r:id="rId26"/>
+    <p:tags r:id="rId33"/>
   </p:custDataLst>
   <p:defaultTextStyle>
     <a:defPPr>
@@ -255,7 +258,6 @@
           <a:p>
             <a:fld id="{0F9B84EA-7D68-4D60-9CB1-D50884785D1C}" type="datetimeFigureOut">
               <a:rPr lang="zh-CN" altLang="en-US" smtClean="0"/>
-              <a:t>2024/4/21</a:t>
             </a:fld>
             <a:endParaRPr lang="zh-CN" altLang="en-US"/>
           </a:p>
@@ -321,18 +323,12 @@
           <a:p>
             <a:fld id="{8D4E0FC9-F1F8-4FAE-9988-3BA365CFD46F}" type="slidenum">
               <a:rPr lang="zh-CN" altLang="en-US" smtClean="0"/>
-              <a:t>‹#›</a:t>
             </a:fld>
             <a:endParaRPr lang="zh-CN" altLang="en-US"/>
           </a:p>
         </p:txBody>
       </p:sp>
     </p:spTree>
-    <p:extLst>
-      <p:ext uri="{BB962C8B-B14F-4D97-AF65-F5344CB8AC3E}">
-        <p14:creationId xmlns:p14="http://schemas.microsoft.com/office/powerpoint/2010/main" val="1"/>
-      </p:ext>
-    </p:extLst>
   </p:cSld>
   <p:clrMap bg1="lt1" tx1="dk1" bg2="lt2" tx2="dk2" accent1="accent1" accent2="accent2" accent3="accent3" accent4="accent4" accent5="accent5" accent6="accent6" hlink="hlink" folHlink="folHlink"/>
 </p:handoutMaster>
@@ -420,7 +416,6 @@
           <a:p>
             <a:fld id="{D2A48B96-639E-45A3-A0BA-2464DFDB1FAA}" type="datetimeFigureOut">
               <a:rPr lang="zh-CN" altLang="en-US" smtClean="0"/>
-              <a:t>2024/4/21</a:t>
             </a:fld>
             <a:endParaRPr lang="zh-CN" altLang="en-US"/>
           </a:p>
@@ -487,6 +482,7 @@
               <a:rPr lang="zh-CN" altLang="en-US"/>
               <a:t>单击此处编辑母版文本样式</a:t>
             </a:r>
+            <a:endParaRPr lang="zh-CN" altLang="en-US"/>
           </a:p>
           <a:p>
             <a:pPr lvl="1"/>
@@ -494,6 +490,7 @@
               <a:rPr lang="zh-CN" altLang="en-US"/>
               <a:t>第二级</a:t>
             </a:r>
+            <a:endParaRPr lang="zh-CN" altLang="en-US"/>
           </a:p>
           <a:p>
             <a:pPr lvl="2"/>
@@ -501,6 +498,7 @@
               <a:rPr lang="zh-CN" altLang="en-US"/>
               <a:t>第三级</a:t>
             </a:r>
+            <a:endParaRPr lang="zh-CN" altLang="en-US"/>
           </a:p>
           <a:p>
             <a:pPr lvl="3"/>
@@ -508,6 +506,7 @@
               <a:rPr lang="zh-CN" altLang="en-US"/>
               <a:t>第四级</a:t>
             </a:r>
+            <a:endParaRPr lang="zh-CN" altLang="en-US"/>
           </a:p>
           <a:p>
             <a:pPr lvl="4"/>
@@ -515,6 +514,7 @@
               <a:rPr lang="zh-CN" altLang="en-US"/>
               <a:t>第五级</a:t>
             </a:r>
+            <a:endParaRPr lang="zh-CN" altLang="en-US"/>
           </a:p>
         </p:txBody>
       </p:sp>
@@ -578,7 +578,6 @@
           <a:p>
             <a:fld id="{A6837353-30EB-4A48-80EB-173D804AEFBD}" type="slidenum">
               <a:rPr lang="zh-CN" altLang="en-US" smtClean="0"/>
-              <a:t>‹#›</a:t>
             </a:fld>
             <a:endParaRPr lang="zh-CN" altLang="en-US"/>
           </a:p>
@@ -727,6 +726,7 @@
               <a:rPr lang="zh-CN" altLang="en-US"/>
               <a:t>单击此处编辑母版标题样式</a:t>
             </a:r>
+            <a:endParaRPr lang="zh-CN" altLang="en-US"/>
           </a:p>
         </p:txBody>
       </p:sp>
@@ -791,6 +791,7 @@
               <a:rPr lang="zh-CN" altLang="en-US"/>
               <a:t>单击此处编辑母版副标题样式</a:t>
             </a:r>
+            <a:endParaRPr lang="zh-CN" altLang="en-US"/>
           </a:p>
         </p:txBody>
       </p:sp>
@@ -811,7 +812,6 @@
           <a:p>
             <a:fld id="{391A5E81-22CF-43D7-8A0E-84FB8D719EEA}" type="datetimeFigureOut">
               <a:rPr lang="zh-CN" altLang="en-US" smtClean="0"/>
-              <a:t>2024/4/21</a:t>
             </a:fld>
             <a:endParaRPr lang="zh-CN" altLang="en-US"/>
           </a:p>
@@ -853,7 +853,6 @@
           <a:p>
             <a:fld id="{EA9C6CE3-6663-4C82-ADF5-21000C2CFB99}" type="slidenum">
               <a:rPr lang="zh-CN" altLang="en-US" smtClean="0"/>
-              <a:t>‹#›</a:t>
             </a:fld>
             <a:endParaRPr lang="zh-CN" altLang="en-US"/>
           </a:p>
@@ -864,18 +863,9 @@
   <p:clrMapOvr>
     <a:masterClrMapping/>
   </p:clrMapOvr>
-  <mc:AlternateContent xmlns:mc="http://schemas.openxmlformats.org/markup-compatibility/2006" xmlns:p14="http://schemas.microsoft.com/office/powerpoint/2010/main">
-    <mc:Choice Requires="p14">
-      <p:transition>
-        <p:push dir="u"/>
-      </p:transition>
-    </mc:Choice>
-    <mc:Fallback xmlns="">
-      <p:transition>
-        <p:push dir="u"/>
-      </p:transition>
-    </mc:Fallback>
-  </mc:AlternateContent>
+  <p:transition>
+    <p:push dir="u"/>
+  </p:transition>
 </p:sldLayout>
 </file>
 
@@ -915,6 +905,7 @@
               <a:rPr lang="zh-CN" altLang="en-US"/>
               <a:t>单击此处编辑母版标题样式</a:t>
             </a:r>
+            <a:endParaRPr lang="zh-CN" altLang="en-US"/>
           </a:p>
         </p:txBody>
       </p:sp>
@@ -938,6 +929,7 @@
               <a:rPr lang="zh-CN" altLang="en-US"/>
               <a:t>单击此处编辑母版文本样式</a:t>
             </a:r>
+            <a:endParaRPr lang="zh-CN" altLang="en-US"/>
           </a:p>
           <a:p>
             <a:pPr lvl="1"/>
@@ -945,6 +937,7 @@
               <a:rPr lang="zh-CN" altLang="en-US"/>
               <a:t>二级</a:t>
             </a:r>
+            <a:endParaRPr lang="zh-CN" altLang="en-US"/>
           </a:p>
           <a:p>
             <a:pPr lvl="2"/>
@@ -952,6 +945,7 @@
               <a:rPr lang="zh-CN" altLang="en-US"/>
               <a:t>三级</a:t>
             </a:r>
+            <a:endParaRPr lang="zh-CN" altLang="en-US"/>
           </a:p>
           <a:p>
             <a:pPr lvl="3"/>
@@ -959,6 +953,7 @@
               <a:rPr lang="zh-CN" altLang="en-US"/>
               <a:t>四级</a:t>
             </a:r>
+            <a:endParaRPr lang="zh-CN" altLang="en-US"/>
           </a:p>
           <a:p>
             <a:pPr lvl="4"/>
@@ -966,6 +961,7 @@
               <a:rPr lang="zh-CN" altLang="en-US"/>
               <a:t>五级</a:t>
             </a:r>
+            <a:endParaRPr lang="zh-CN" altLang="en-US"/>
           </a:p>
         </p:txBody>
       </p:sp>
@@ -986,7 +982,6 @@
           <a:p>
             <a:fld id="{391A5E81-22CF-43D7-8A0E-84FB8D719EEA}" type="datetimeFigureOut">
               <a:rPr lang="zh-CN" altLang="en-US" smtClean="0"/>
-              <a:t>2024/4/21</a:t>
             </a:fld>
             <a:endParaRPr lang="zh-CN" altLang="en-US"/>
           </a:p>
@@ -1028,7 +1023,6 @@
           <a:p>
             <a:fld id="{EA9C6CE3-6663-4C82-ADF5-21000C2CFB99}" type="slidenum">
               <a:rPr lang="zh-CN" altLang="en-US" smtClean="0"/>
-              <a:t>‹#›</a:t>
             </a:fld>
             <a:endParaRPr lang="zh-CN" altLang="en-US"/>
           </a:p>
@@ -1039,18 +1033,9 @@
   <p:clrMapOvr>
     <a:masterClrMapping/>
   </p:clrMapOvr>
-  <mc:AlternateContent xmlns:mc="http://schemas.openxmlformats.org/markup-compatibility/2006" xmlns:p14="http://schemas.microsoft.com/office/powerpoint/2010/main">
-    <mc:Choice Requires="p14">
-      <p:transition>
-        <p:push dir="u"/>
-      </p:transition>
-    </mc:Choice>
-    <mc:Fallback xmlns="">
-      <p:transition>
-        <p:push dir="u"/>
-      </p:transition>
-    </mc:Fallback>
-  </mc:AlternateContent>
+  <p:transition>
+    <p:push dir="u"/>
+  </p:transition>
 </p:sldLayout>
 </file>
 
@@ -1095,6 +1080,7 @@
               <a:rPr lang="zh-CN" altLang="en-US"/>
               <a:t>单击此处编辑母版标题样式</a:t>
             </a:r>
+            <a:endParaRPr lang="zh-CN" altLang="en-US"/>
           </a:p>
         </p:txBody>
       </p:sp>
@@ -1123,6 +1109,7 @@
               <a:rPr lang="zh-CN" altLang="en-US"/>
               <a:t>单击此处编辑母版文本样式</a:t>
             </a:r>
+            <a:endParaRPr lang="zh-CN" altLang="en-US"/>
           </a:p>
           <a:p>
             <a:pPr lvl="1"/>
@@ -1130,6 +1117,7 @@
               <a:rPr lang="zh-CN" altLang="en-US"/>
               <a:t>二级</a:t>
             </a:r>
+            <a:endParaRPr lang="zh-CN" altLang="en-US"/>
           </a:p>
           <a:p>
             <a:pPr lvl="2"/>
@@ -1137,6 +1125,7 @@
               <a:rPr lang="zh-CN" altLang="en-US"/>
               <a:t>三级</a:t>
             </a:r>
+            <a:endParaRPr lang="zh-CN" altLang="en-US"/>
           </a:p>
           <a:p>
             <a:pPr lvl="3"/>
@@ -1144,6 +1133,7 @@
               <a:rPr lang="zh-CN" altLang="en-US"/>
               <a:t>四级</a:t>
             </a:r>
+            <a:endParaRPr lang="zh-CN" altLang="en-US"/>
           </a:p>
           <a:p>
             <a:pPr lvl="4"/>
@@ -1151,6 +1141,7 @@
               <a:rPr lang="zh-CN" altLang="en-US"/>
               <a:t>五级</a:t>
             </a:r>
+            <a:endParaRPr lang="zh-CN" altLang="en-US"/>
           </a:p>
         </p:txBody>
       </p:sp>
@@ -1171,7 +1162,6 @@
           <a:p>
             <a:fld id="{391A5E81-22CF-43D7-8A0E-84FB8D719EEA}" type="datetimeFigureOut">
               <a:rPr lang="zh-CN" altLang="en-US" smtClean="0"/>
-              <a:t>2024/4/21</a:t>
             </a:fld>
             <a:endParaRPr lang="zh-CN" altLang="en-US"/>
           </a:p>
@@ -1213,7 +1203,6 @@
           <a:p>
             <a:fld id="{EA9C6CE3-6663-4C82-ADF5-21000C2CFB99}" type="slidenum">
               <a:rPr lang="zh-CN" altLang="en-US" smtClean="0"/>
-              <a:t>‹#›</a:t>
             </a:fld>
             <a:endParaRPr lang="zh-CN" altLang="en-US"/>
           </a:p>
@@ -1224,18 +1213,9 @@
   <p:clrMapOvr>
     <a:masterClrMapping/>
   </p:clrMapOvr>
-  <mc:AlternateContent xmlns:mc="http://schemas.openxmlformats.org/markup-compatibility/2006" xmlns:p14="http://schemas.microsoft.com/office/powerpoint/2010/main">
-    <mc:Choice Requires="p14">
-      <p:transition>
-        <p:push dir="u"/>
-      </p:transition>
-    </mc:Choice>
-    <mc:Fallback xmlns="">
-      <p:transition>
-        <p:push dir="u"/>
-      </p:transition>
-    </mc:Fallback>
-  </mc:AlternateContent>
+  <p:transition>
+    <p:push dir="u"/>
+  </p:transition>
 </p:sldLayout>
 </file>
 
@@ -1275,6 +1255,7 @@
               <a:rPr lang="zh-CN" altLang="en-US"/>
               <a:t>单击此处编辑母版标题样式</a:t>
             </a:r>
+            <a:endParaRPr lang="zh-CN" altLang="en-US"/>
           </a:p>
         </p:txBody>
       </p:sp>
@@ -1298,6 +1279,7 @@
               <a:rPr lang="zh-CN" altLang="en-US"/>
               <a:t>单击此处编辑母版文本样式</a:t>
             </a:r>
+            <a:endParaRPr lang="zh-CN" altLang="en-US"/>
           </a:p>
           <a:p>
             <a:pPr lvl="1"/>
@@ -1305,6 +1287,7 @@
               <a:rPr lang="zh-CN" altLang="en-US"/>
               <a:t>二级</a:t>
             </a:r>
+            <a:endParaRPr lang="zh-CN" altLang="en-US"/>
           </a:p>
           <a:p>
             <a:pPr lvl="2"/>
@@ -1312,6 +1295,7 @@
               <a:rPr lang="zh-CN" altLang="en-US"/>
               <a:t>三级</a:t>
             </a:r>
+            <a:endParaRPr lang="zh-CN" altLang="en-US"/>
           </a:p>
           <a:p>
             <a:pPr lvl="3"/>
@@ -1319,6 +1303,7 @@
               <a:rPr lang="zh-CN" altLang="en-US"/>
               <a:t>四级</a:t>
             </a:r>
+            <a:endParaRPr lang="zh-CN" altLang="en-US"/>
           </a:p>
           <a:p>
             <a:pPr lvl="4"/>
@@ -1326,6 +1311,7 @@
               <a:rPr lang="zh-CN" altLang="en-US"/>
               <a:t>五级</a:t>
             </a:r>
+            <a:endParaRPr lang="zh-CN" altLang="en-US"/>
           </a:p>
         </p:txBody>
       </p:sp>
@@ -1346,7 +1332,6 @@
           <a:p>
             <a:fld id="{391A5E81-22CF-43D7-8A0E-84FB8D719EEA}" type="datetimeFigureOut">
               <a:rPr lang="zh-CN" altLang="en-US" smtClean="0"/>
-              <a:t>2024/4/21</a:t>
             </a:fld>
             <a:endParaRPr lang="zh-CN" altLang="en-US"/>
           </a:p>
@@ -1388,7 +1373,6 @@
           <a:p>
             <a:fld id="{EA9C6CE3-6663-4C82-ADF5-21000C2CFB99}" type="slidenum">
               <a:rPr lang="zh-CN" altLang="en-US" smtClean="0"/>
-              <a:t>‹#›</a:t>
             </a:fld>
             <a:endParaRPr lang="zh-CN" altLang="en-US"/>
           </a:p>
@@ -1399,18 +1383,9 @@
   <p:clrMapOvr>
     <a:masterClrMapping/>
   </p:clrMapOvr>
-  <mc:AlternateContent xmlns:mc="http://schemas.openxmlformats.org/markup-compatibility/2006" xmlns:p14="http://schemas.microsoft.com/office/powerpoint/2010/main">
-    <mc:Choice Requires="p14">
-      <p:transition>
-        <p:push dir="u"/>
-      </p:transition>
-    </mc:Choice>
-    <mc:Fallback xmlns="">
-      <p:transition>
-        <p:push dir="u"/>
-      </p:transition>
-    </mc:Fallback>
-  </mc:AlternateContent>
+  <p:transition>
+    <p:push dir="u"/>
+  </p:transition>
 </p:sldLayout>
 </file>
 
@@ -1459,6 +1434,7 @@
               <a:rPr lang="zh-CN" altLang="en-US"/>
               <a:t>单击此处编辑母版标题样式</a:t>
             </a:r>
+            <a:endParaRPr lang="zh-CN" altLang="en-US"/>
           </a:p>
         </p:txBody>
       </p:sp>
@@ -1578,6 +1554,7 @@
               <a:rPr lang="zh-CN" altLang="en-US"/>
               <a:t>单击此处编辑母版文本样式</a:t>
             </a:r>
+            <a:endParaRPr lang="zh-CN" altLang="en-US"/>
           </a:p>
         </p:txBody>
       </p:sp>
@@ -1598,7 +1575,6 @@
           <a:p>
             <a:fld id="{391A5E81-22CF-43D7-8A0E-84FB8D719EEA}" type="datetimeFigureOut">
               <a:rPr lang="zh-CN" altLang="en-US" smtClean="0"/>
-              <a:t>2024/4/21</a:t>
             </a:fld>
             <a:endParaRPr lang="zh-CN" altLang="en-US"/>
           </a:p>
@@ -1640,7 +1616,6 @@
           <a:p>
             <a:fld id="{EA9C6CE3-6663-4C82-ADF5-21000C2CFB99}" type="slidenum">
               <a:rPr lang="zh-CN" altLang="en-US" smtClean="0"/>
-              <a:t>‹#›</a:t>
             </a:fld>
             <a:endParaRPr lang="zh-CN" altLang="en-US"/>
           </a:p>
@@ -1651,18 +1626,9 @@
   <p:clrMapOvr>
     <a:masterClrMapping/>
   </p:clrMapOvr>
-  <mc:AlternateContent xmlns:mc="http://schemas.openxmlformats.org/markup-compatibility/2006" xmlns:p14="http://schemas.microsoft.com/office/powerpoint/2010/main">
-    <mc:Choice Requires="p14">
-      <p:transition>
-        <p:push dir="u"/>
-      </p:transition>
-    </mc:Choice>
-    <mc:Fallback xmlns="">
-      <p:transition>
-        <p:push dir="u"/>
-      </p:transition>
-    </mc:Fallback>
-  </mc:AlternateContent>
+  <p:transition>
+    <p:push dir="u"/>
+  </p:transition>
 </p:sldLayout>
 </file>
 
@@ -1702,6 +1668,7 @@
               <a:rPr lang="zh-CN" altLang="en-US"/>
               <a:t>单击此处编辑母版标题样式</a:t>
             </a:r>
+            <a:endParaRPr lang="zh-CN" altLang="en-US"/>
           </a:p>
         </p:txBody>
       </p:sp>
@@ -1730,6 +1697,7 @@
               <a:rPr lang="zh-CN" altLang="en-US"/>
               <a:t>单击此处编辑母版文本样式</a:t>
             </a:r>
+            <a:endParaRPr lang="zh-CN" altLang="en-US"/>
           </a:p>
           <a:p>
             <a:pPr lvl="1"/>
@@ -1737,6 +1705,7 @@
               <a:rPr lang="zh-CN" altLang="en-US"/>
               <a:t>二级</a:t>
             </a:r>
+            <a:endParaRPr lang="zh-CN" altLang="en-US"/>
           </a:p>
           <a:p>
             <a:pPr lvl="2"/>
@@ -1744,6 +1713,7 @@
               <a:rPr lang="zh-CN" altLang="en-US"/>
               <a:t>三级</a:t>
             </a:r>
+            <a:endParaRPr lang="zh-CN" altLang="en-US"/>
           </a:p>
           <a:p>
             <a:pPr lvl="3"/>
@@ -1751,6 +1721,7 @@
               <a:rPr lang="zh-CN" altLang="en-US"/>
               <a:t>四级</a:t>
             </a:r>
+            <a:endParaRPr lang="zh-CN" altLang="en-US"/>
           </a:p>
           <a:p>
             <a:pPr lvl="4"/>
@@ -1758,6 +1729,7 @@
               <a:rPr lang="zh-CN" altLang="en-US"/>
               <a:t>五级</a:t>
             </a:r>
+            <a:endParaRPr lang="zh-CN" altLang="en-US"/>
           </a:p>
         </p:txBody>
       </p:sp>
@@ -1786,6 +1758,7 @@
               <a:rPr lang="zh-CN" altLang="en-US"/>
               <a:t>单击此处编辑母版文本样式</a:t>
             </a:r>
+            <a:endParaRPr lang="zh-CN" altLang="en-US"/>
           </a:p>
           <a:p>
             <a:pPr lvl="1"/>
@@ -1793,6 +1766,7 @@
               <a:rPr lang="zh-CN" altLang="en-US"/>
               <a:t>二级</a:t>
             </a:r>
+            <a:endParaRPr lang="zh-CN" altLang="en-US"/>
           </a:p>
           <a:p>
             <a:pPr lvl="2"/>
@@ -1800,6 +1774,7 @@
               <a:rPr lang="zh-CN" altLang="en-US"/>
               <a:t>三级</a:t>
             </a:r>
+            <a:endParaRPr lang="zh-CN" altLang="en-US"/>
           </a:p>
           <a:p>
             <a:pPr lvl="3"/>
@@ -1807,6 +1782,7 @@
               <a:rPr lang="zh-CN" altLang="en-US"/>
               <a:t>四级</a:t>
             </a:r>
+            <a:endParaRPr lang="zh-CN" altLang="en-US"/>
           </a:p>
           <a:p>
             <a:pPr lvl="4"/>
@@ -1814,6 +1790,7 @@
               <a:rPr lang="zh-CN" altLang="en-US"/>
               <a:t>五级</a:t>
             </a:r>
+            <a:endParaRPr lang="zh-CN" altLang="en-US"/>
           </a:p>
         </p:txBody>
       </p:sp>
@@ -1834,7 +1811,6 @@
           <a:p>
             <a:fld id="{391A5E81-22CF-43D7-8A0E-84FB8D719EEA}" type="datetimeFigureOut">
               <a:rPr lang="zh-CN" altLang="en-US" smtClean="0"/>
-              <a:t>2024/4/21</a:t>
             </a:fld>
             <a:endParaRPr lang="zh-CN" altLang="en-US"/>
           </a:p>
@@ -1876,7 +1852,6 @@
           <a:p>
             <a:fld id="{EA9C6CE3-6663-4C82-ADF5-21000C2CFB99}" type="slidenum">
               <a:rPr lang="zh-CN" altLang="en-US" smtClean="0"/>
-              <a:t>‹#›</a:t>
             </a:fld>
             <a:endParaRPr lang="zh-CN" altLang="en-US"/>
           </a:p>
@@ -1887,18 +1862,9 @@
   <p:clrMapOvr>
     <a:masterClrMapping/>
   </p:clrMapOvr>
-  <mc:AlternateContent xmlns:mc="http://schemas.openxmlformats.org/markup-compatibility/2006" xmlns:p14="http://schemas.microsoft.com/office/powerpoint/2010/main">
-    <mc:Choice Requires="p14">
-      <p:transition>
-        <p:push dir="u"/>
-      </p:transition>
-    </mc:Choice>
-    <mc:Fallback xmlns="">
-      <p:transition>
-        <p:push dir="u"/>
-      </p:transition>
-    </mc:Fallback>
-  </mc:AlternateContent>
+  <p:transition>
+    <p:push dir="u"/>
+  </p:transition>
 </p:sldLayout>
 </file>
 
@@ -1943,6 +1909,7 @@
               <a:rPr lang="zh-CN" altLang="en-US"/>
               <a:t>单击此处编辑母版标题样式</a:t>
             </a:r>
+            <a:endParaRPr lang="zh-CN" altLang="en-US"/>
           </a:p>
         </p:txBody>
       </p:sp>
@@ -2008,6 +1975,7 @@
               <a:rPr lang="zh-CN" altLang="en-US"/>
               <a:t>单击此处编辑母版文本样式</a:t>
             </a:r>
+            <a:endParaRPr lang="zh-CN" altLang="en-US"/>
           </a:p>
         </p:txBody>
       </p:sp>
@@ -2036,6 +2004,7 @@
               <a:rPr lang="zh-CN" altLang="en-US"/>
               <a:t>单击此处编辑母版文本样式</a:t>
             </a:r>
+            <a:endParaRPr lang="zh-CN" altLang="en-US"/>
           </a:p>
           <a:p>
             <a:pPr lvl="1"/>
@@ -2043,6 +2012,7 @@
               <a:rPr lang="zh-CN" altLang="en-US"/>
               <a:t>二级</a:t>
             </a:r>
+            <a:endParaRPr lang="zh-CN" altLang="en-US"/>
           </a:p>
           <a:p>
             <a:pPr lvl="2"/>
@@ -2050,6 +2020,7 @@
               <a:rPr lang="zh-CN" altLang="en-US"/>
               <a:t>三级</a:t>
             </a:r>
+            <a:endParaRPr lang="zh-CN" altLang="en-US"/>
           </a:p>
           <a:p>
             <a:pPr lvl="3"/>
@@ -2057,6 +2028,7 @@
               <a:rPr lang="zh-CN" altLang="en-US"/>
               <a:t>四级</a:t>
             </a:r>
+            <a:endParaRPr lang="zh-CN" altLang="en-US"/>
           </a:p>
           <a:p>
             <a:pPr lvl="4"/>
@@ -2064,6 +2036,7 @@
               <a:rPr lang="zh-CN" altLang="en-US"/>
               <a:t>五级</a:t>
             </a:r>
+            <a:endParaRPr lang="zh-CN" altLang="en-US"/>
           </a:p>
         </p:txBody>
       </p:sp>
@@ -2129,6 +2102,7 @@
               <a:rPr lang="zh-CN" altLang="en-US"/>
               <a:t>单击此处编辑母版文本样式</a:t>
             </a:r>
+            <a:endParaRPr lang="zh-CN" altLang="en-US"/>
           </a:p>
         </p:txBody>
       </p:sp>
@@ -2157,6 +2131,7 @@
               <a:rPr lang="zh-CN" altLang="en-US"/>
               <a:t>单击此处编辑母版文本样式</a:t>
             </a:r>
+            <a:endParaRPr lang="zh-CN" altLang="en-US"/>
           </a:p>
           <a:p>
             <a:pPr lvl="1"/>
@@ -2164,6 +2139,7 @@
               <a:rPr lang="zh-CN" altLang="en-US"/>
               <a:t>二级</a:t>
             </a:r>
+            <a:endParaRPr lang="zh-CN" altLang="en-US"/>
           </a:p>
           <a:p>
             <a:pPr lvl="2"/>
@@ -2171,6 +2147,7 @@
               <a:rPr lang="zh-CN" altLang="en-US"/>
               <a:t>三级</a:t>
             </a:r>
+            <a:endParaRPr lang="zh-CN" altLang="en-US"/>
           </a:p>
           <a:p>
             <a:pPr lvl="3"/>
@@ -2178,6 +2155,7 @@
               <a:rPr lang="zh-CN" altLang="en-US"/>
               <a:t>四级</a:t>
             </a:r>
+            <a:endParaRPr lang="zh-CN" altLang="en-US"/>
           </a:p>
           <a:p>
             <a:pPr lvl="4"/>
@@ -2185,6 +2163,7 @@
               <a:rPr lang="zh-CN" altLang="en-US"/>
               <a:t>五级</a:t>
             </a:r>
+            <a:endParaRPr lang="zh-CN" altLang="en-US"/>
           </a:p>
         </p:txBody>
       </p:sp>
@@ -2205,7 +2184,6 @@
           <a:p>
             <a:fld id="{391A5E81-22CF-43D7-8A0E-84FB8D719EEA}" type="datetimeFigureOut">
               <a:rPr lang="zh-CN" altLang="en-US" smtClean="0"/>
-              <a:t>2024/4/21</a:t>
             </a:fld>
             <a:endParaRPr lang="zh-CN" altLang="en-US"/>
           </a:p>
@@ -2247,7 +2225,6 @@
           <a:p>
             <a:fld id="{EA9C6CE3-6663-4C82-ADF5-21000C2CFB99}" type="slidenum">
               <a:rPr lang="zh-CN" altLang="en-US" smtClean="0"/>
-              <a:t>‹#›</a:t>
             </a:fld>
             <a:endParaRPr lang="zh-CN" altLang="en-US"/>
           </a:p>
@@ -2258,18 +2235,9 @@
   <p:clrMapOvr>
     <a:masterClrMapping/>
   </p:clrMapOvr>
-  <mc:AlternateContent xmlns:mc="http://schemas.openxmlformats.org/markup-compatibility/2006" xmlns:p14="http://schemas.microsoft.com/office/powerpoint/2010/main">
-    <mc:Choice Requires="p14">
-      <p:transition>
-        <p:push dir="u"/>
-      </p:transition>
-    </mc:Choice>
-    <mc:Fallback xmlns="">
-      <p:transition>
-        <p:push dir="u"/>
-      </p:transition>
-    </mc:Fallback>
-  </mc:AlternateContent>
+  <p:transition>
+    <p:push dir="u"/>
+  </p:transition>
 </p:sldLayout>
 </file>
 
@@ -2309,6 +2277,7 @@
               <a:rPr lang="zh-CN" altLang="en-US"/>
               <a:t>单击此处编辑母版标题样式</a:t>
             </a:r>
+            <a:endParaRPr lang="zh-CN" altLang="en-US"/>
           </a:p>
         </p:txBody>
       </p:sp>
@@ -2329,7 +2298,6 @@
           <a:p>
             <a:fld id="{391A5E81-22CF-43D7-8A0E-84FB8D719EEA}" type="datetimeFigureOut">
               <a:rPr lang="zh-CN" altLang="en-US" smtClean="0"/>
-              <a:t>2024/4/21</a:t>
             </a:fld>
             <a:endParaRPr lang="zh-CN" altLang="en-US"/>
           </a:p>
@@ -2371,7 +2339,6 @@
           <a:p>
             <a:fld id="{EA9C6CE3-6663-4C82-ADF5-21000C2CFB99}" type="slidenum">
               <a:rPr lang="zh-CN" altLang="en-US" smtClean="0"/>
-              <a:t>‹#›</a:t>
             </a:fld>
             <a:endParaRPr lang="zh-CN" altLang="en-US"/>
           </a:p>
@@ -2382,18 +2349,9 @@
   <p:clrMapOvr>
     <a:masterClrMapping/>
   </p:clrMapOvr>
-  <mc:AlternateContent xmlns:mc="http://schemas.openxmlformats.org/markup-compatibility/2006" xmlns:p14="http://schemas.microsoft.com/office/powerpoint/2010/main">
-    <mc:Choice Requires="p14">
-      <p:transition>
-        <p:push dir="u"/>
-      </p:transition>
-    </mc:Choice>
-    <mc:Fallback xmlns="">
-      <p:transition>
-        <p:push dir="u"/>
-      </p:transition>
-    </mc:Fallback>
-  </mc:AlternateContent>
+  <p:transition>
+    <p:push dir="u"/>
+  </p:transition>
 </p:sldLayout>
 </file>
 
@@ -2431,7 +2389,6 @@
           <a:p>
             <a:fld id="{391A5E81-22CF-43D7-8A0E-84FB8D719EEA}" type="datetimeFigureOut">
               <a:rPr lang="zh-CN" altLang="en-US" smtClean="0"/>
-              <a:t>2024/4/21</a:t>
             </a:fld>
             <a:endParaRPr lang="zh-CN" altLang="en-US"/>
           </a:p>
@@ -2473,7 +2430,6 @@
           <a:p>
             <a:fld id="{EA9C6CE3-6663-4C82-ADF5-21000C2CFB99}" type="slidenum">
               <a:rPr lang="zh-CN" altLang="en-US" smtClean="0"/>
-              <a:t>‹#›</a:t>
             </a:fld>
             <a:endParaRPr lang="zh-CN" altLang="en-US"/>
           </a:p>
@@ -2484,18 +2440,9 @@
   <p:clrMapOvr>
     <a:masterClrMapping/>
   </p:clrMapOvr>
-  <mc:AlternateContent xmlns:mc="http://schemas.openxmlformats.org/markup-compatibility/2006" xmlns:p14="http://schemas.microsoft.com/office/powerpoint/2010/main">
-    <mc:Choice Requires="p14">
-      <p:transition>
-        <p:push dir="u"/>
-      </p:transition>
-    </mc:Choice>
-    <mc:Fallback xmlns="">
-      <p:transition>
-        <p:push dir="u"/>
-      </p:transition>
-    </mc:Fallback>
-  </mc:AlternateContent>
+  <p:transition>
+    <p:push dir="u"/>
+  </p:transition>
 </p:sldLayout>
 </file>
 
@@ -2544,6 +2491,7 @@
               <a:rPr lang="zh-CN" altLang="en-US"/>
               <a:t>单击此处编辑母版标题样式</a:t>
             </a:r>
+            <a:endParaRPr lang="zh-CN" altLang="en-US"/>
           </a:p>
         </p:txBody>
       </p:sp>
@@ -2600,6 +2548,7 @@
               <a:rPr lang="zh-CN" altLang="en-US"/>
               <a:t>单击此处编辑母版文本样式</a:t>
             </a:r>
+            <a:endParaRPr lang="zh-CN" altLang="en-US"/>
           </a:p>
           <a:p>
             <a:pPr lvl="1"/>
@@ -2607,6 +2556,7 @@
               <a:rPr lang="zh-CN" altLang="en-US"/>
               <a:t>二级</a:t>
             </a:r>
+            <a:endParaRPr lang="zh-CN" altLang="en-US"/>
           </a:p>
           <a:p>
             <a:pPr lvl="2"/>
@@ -2614,6 +2564,7 @@
               <a:rPr lang="zh-CN" altLang="en-US"/>
               <a:t>三级</a:t>
             </a:r>
+            <a:endParaRPr lang="zh-CN" altLang="en-US"/>
           </a:p>
           <a:p>
             <a:pPr lvl="3"/>
@@ -2621,6 +2572,7 @@
               <a:rPr lang="zh-CN" altLang="en-US"/>
               <a:t>四级</a:t>
             </a:r>
+            <a:endParaRPr lang="zh-CN" altLang="en-US"/>
           </a:p>
           <a:p>
             <a:pPr lvl="4"/>
@@ -2628,6 +2580,7 @@
               <a:rPr lang="zh-CN" altLang="en-US"/>
               <a:t>五级</a:t>
             </a:r>
+            <a:endParaRPr lang="zh-CN" altLang="en-US"/>
           </a:p>
         </p:txBody>
       </p:sp>
@@ -2693,6 +2646,7 @@
               <a:rPr lang="zh-CN" altLang="en-US"/>
               <a:t>单击此处编辑母版文本样式</a:t>
             </a:r>
+            <a:endParaRPr lang="zh-CN" altLang="en-US"/>
           </a:p>
         </p:txBody>
       </p:sp>
@@ -2713,7 +2667,6 @@
           <a:p>
             <a:fld id="{391A5E81-22CF-43D7-8A0E-84FB8D719EEA}" type="datetimeFigureOut">
               <a:rPr lang="zh-CN" altLang="en-US" smtClean="0"/>
-              <a:t>2024/4/21</a:t>
             </a:fld>
             <a:endParaRPr lang="zh-CN" altLang="en-US"/>
           </a:p>
@@ -2755,7 +2708,6 @@
           <a:p>
             <a:fld id="{EA9C6CE3-6663-4C82-ADF5-21000C2CFB99}" type="slidenum">
               <a:rPr lang="zh-CN" altLang="en-US" smtClean="0"/>
-              <a:t>‹#›</a:t>
             </a:fld>
             <a:endParaRPr lang="zh-CN" altLang="en-US"/>
           </a:p>
@@ -2766,18 +2718,9 @@
   <p:clrMapOvr>
     <a:masterClrMapping/>
   </p:clrMapOvr>
-  <mc:AlternateContent xmlns:mc="http://schemas.openxmlformats.org/markup-compatibility/2006" xmlns:p14="http://schemas.microsoft.com/office/powerpoint/2010/main">
-    <mc:Choice Requires="p14">
-      <p:transition>
-        <p:push dir="u"/>
-      </p:transition>
-    </mc:Choice>
-    <mc:Fallback xmlns="">
-      <p:transition>
-        <p:push dir="u"/>
-      </p:transition>
-    </mc:Fallback>
-  </mc:AlternateContent>
+  <p:transition>
+    <p:push dir="u"/>
+  </p:transition>
 </p:sldLayout>
 </file>
 
@@ -2826,6 +2769,7 @@
               <a:rPr lang="zh-CN" altLang="en-US"/>
               <a:t>单击此处编辑母版标题样式</a:t>
             </a:r>
+            <a:endParaRPr lang="zh-CN" altLang="en-US"/>
           </a:p>
         </p:txBody>
       </p:sp>
@@ -2952,6 +2896,7 @@
               <a:rPr lang="zh-CN" altLang="en-US"/>
               <a:t>单击此处编辑母版文本样式</a:t>
             </a:r>
+            <a:endParaRPr lang="zh-CN" altLang="en-US"/>
           </a:p>
         </p:txBody>
       </p:sp>
@@ -2972,7 +2917,6 @@
           <a:p>
             <a:fld id="{391A5E81-22CF-43D7-8A0E-84FB8D719EEA}" type="datetimeFigureOut">
               <a:rPr lang="zh-CN" altLang="en-US" smtClean="0"/>
-              <a:t>2024/4/21</a:t>
             </a:fld>
             <a:endParaRPr lang="zh-CN" altLang="en-US"/>
           </a:p>
@@ -3014,7 +2958,6 @@
           <a:p>
             <a:fld id="{EA9C6CE3-6663-4C82-ADF5-21000C2CFB99}" type="slidenum">
               <a:rPr lang="zh-CN" altLang="en-US" smtClean="0"/>
-              <a:t>‹#›</a:t>
             </a:fld>
             <a:endParaRPr lang="zh-CN" altLang="en-US"/>
           </a:p>
@@ -3025,18 +2968,9 @@
   <p:clrMapOvr>
     <a:masterClrMapping/>
   </p:clrMapOvr>
-  <mc:AlternateContent xmlns:mc="http://schemas.openxmlformats.org/markup-compatibility/2006" xmlns:p14="http://schemas.microsoft.com/office/powerpoint/2010/main">
-    <mc:Choice Requires="p14">
-      <p:transition>
-        <p:push dir="u"/>
-      </p:transition>
-    </mc:Choice>
-    <mc:Fallback xmlns="">
-      <p:transition>
-        <p:push dir="u"/>
-      </p:transition>
-    </mc:Fallback>
-  </mc:AlternateContent>
+  <p:transition>
+    <p:push dir="u"/>
+  </p:transition>
 </p:sldLayout>
 </file>
 
@@ -3091,6 +3025,7 @@
               <a:rPr lang="zh-CN" altLang="en-US"/>
               <a:t>单击此处编辑母版标题样式</a:t>
             </a:r>
+            <a:endParaRPr lang="zh-CN" altLang="en-US"/>
           </a:p>
         </p:txBody>
       </p:sp>
@@ -3124,6 +3059,7 @@
               <a:rPr lang="zh-CN" altLang="en-US"/>
               <a:t>单击此处编辑母版文本样式</a:t>
             </a:r>
+            <a:endParaRPr lang="zh-CN" altLang="en-US"/>
           </a:p>
           <a:p>
             <a:pPr lvl="1"/>
@@ -3131,6 +3067,7 @@
               <a:rPr lang="zh-CN" altLang="en-US"/>
               <a:t>二级</a:t>
             </a:r>
+            <a:endParaRPr lang="zh-CN" altLang="en-US"/>
           </a:p>
           <a:p>
             <a:pPr lvl="2"/>
@@ -3138,6 +3075,7 @@
               <a:rPr lang="zh-CN" altLang="en-US"/>
               <a:t>三级</a:t>
             </a:r>
+            <a:endParaRPr lang="zh-CN" altLang="en-US"/>
           </a:p>
           <a:p>
             <a:pPr lvl="3"/>
@@ -3145,6 +3083,7 @@
               <a:rPr lang="zh-CN" altLang="en-US"/>
               <a:t>四级</a:t>
             </a:r>
+            <a:endParaRPr lang="zh-CN" altLang="en-US"/>
           </a:p>
           <a:p>
             <a:pPr lvl="4"/>
@@ -3152,6 +3091,7 @@
               <a:rPr lang="zh-CN" altLang="en-US"/>
               <a:t>五级</a:t>
             </a:r>
+            <a:endParaRPr lang="zh-CN" altLang="en-US"/>
           </a:p>
         </p:txBody>
       </p:sp>
@@ -3190,7 +3130,6 @@
           <a:p>
             <a:fld id="{391A5E81-22CF-43D7-8A0E-84FB8D719EEA}" type="datetimeFigureOut">
               <a:rPr lang="zh-CN" altLang="en-US" smtClean="0"/>
-              <a:t>2024/4/21</a:t>
             </a:fld>
             <a:endParaRPr lang="zh-CN" altLang="en-US"/>
           </a:p>
@@ -3268,7 +3207,6 @@
           <a:p>
             <a:fld id="{EA9C6CE3-6663-4C82-ADF5-21000C2CFB99}" type="slidenum">
               <a:rPr lang="zh-CN" altLang="en-US" smtClean="0"/>
-              <a:t>‹#›</a:t>
             </a:fld>
             <a:endParaRPr lang="zh-CN" altLang="en-US"/>
           </a:p>
@@ -3290,18 +3228,9 @@
     <p:sldLayoutId id="2147483658" r:id="rId10"/>
     <p:sldLayoutId id="2147483659" r:id="rId11"/>
   </p:sldLayoutIdLst>
-  <mc:AlternateContent xmlns:mc="http://schemas.openxmlformats.org/markup-compatibility/2006" xmlns:p14="http://schemas.microsoft.com/office/powerpoint/2010/main">
-    <mc:Choice Requires="p14">
-      <p:transition>
-        <p:push dir="u"/>
-      </p:transition>
-    </mc:Choice>
-    <mc:Fallback xmlns="">
-      <p:transition>
-        <p:push dir="u"/>
-      </p:transition>
-    </mc:Fallback>
-  </mc:AlternateContent>
+  <p:transition>
+    <p:push dir="u"/>
+  </p:transition>
   <p:txStyles>
     <p:titleStyle>
       <a:lvl1pPr algn="l" defTabSz="914400" rtl="0" eaLnBrk="1" latinLnBrk="0" hangingPunct="1">
@@ -3611,10 +3540,10 @@
           <p:nvPr/>
         </p:nvPicPr>
         <p:blipFill>
-          <a:blip r:embed="rId4">
+          <a:blip r:embed="rId1">
             <a:extLst>
               <a:ext uri="{96DAC541-7B7A-43D3-8B79-37D633B846F1}">
-                <asvg:svgBlip xmlns:asvg="http://schemas.microsoft.com/office/drawing/2016/SVG/main" r:embed="rId5"/>
+                <asvg:svgBlip xmlns:asvg="http://schemas.microsoft.com/office/drawing/2016/SVG/main" r:embed="rId2"/>
               </a:ext>
             </a:extLst>
           </a:blip>
@@ -3641,10 +3570,10 @@
           <p:nvPr/>
         </p:nvPicPr>
         <p:blipFill>
-          <a:blip r:embed="rId6">
+          <a:blip r:embed="rId3">
             <a:extLst>
               <a:ext uri="{96DAC541-7B7A-43D3-8B79-37D633B846F1}">
-                <asvg:svgBlip xmlns:asvg="http://schemas.microsoft.com/office/drawing/2016/SVG/main" r:embed="rId7"/>
+                <asvg:svgBlip xmlns:asvg="http://schemas.microsoft.com/office/drawing/2016/SVG/main" r:embed="rId4"/>
               </a:ext>
             </a:extLst>
           </a:blip>
@@ -3671,10 +3600,10 @@
           <p:nvPr/>
         </p:nvPicPr>
         <p:blipFill>
-          <a:blip r:embed="rId8">
+          <a:blip r:embed="rId5">
             <a:extLst>
               <a:ext uri="{96DAC541-7B7A-43D3-8B79-37D633B846F1}">
-                <asvg:svgBlip xmlns:asvg="http://schemas.microsoft.com/office/drawing/2016/SVG/main" r:embed="rId9"/>
+                <asvg:svgBlip xmlns:asvg="http://schemas.microsoft.com/office/drawing/2016/SVG/main" r:embed="rId6"/>
               </a:ext>
             </a:extLst>
           </a:blip>
@@ -3701,10 +3630,10 @@
           <p:nvPr/>
         </p:nvPicPr>
         <p:blipFill>
-          <a:blip r:embed="rId10">
+          <a:blip r:embed="rId7">
             <a:extLst>
               <a:ext uri="{96DAC541-7B7A-43D3-8B79-37D633B846F1}">
-                <asvg:svgBlip xmlns:asvg="http://schemas.microsoft.com/office/drawing/2016/SVG/main" r:embed="rId11"/>
+                <asvg:svgBlip xmlns:asvg="http://schemas.microsoft.com/office/drawing/2016/SVG/main" r:embed="rId8"/>
               </a:ext>
             </a:extLst>
           </a:blip>
@@ -3757,6 +3686,15 @@
               </a:rPr>
               <a:t>基于HanLP的新闻文本自动化知识图谱构建</a:t>
             </a:r>
+            <a:endParaRPr lang="zh-CN" altLang="en-US" sz="4800" dirty="0">
+              <a:solidFill>
+                <a:srgbClr val="003F76"/>
+              </a:solidFill>
+              <a:latin typeface="楷体" panose="02010609060101010101" charset="-122"/>
+              <a:ea typeface="楷体" panose="02010609060101010101" charset="-122"/>
+              <a:cs typeface="楷体" panose="02010609060101010101" charset="-122"/>
+              <a:sym typeface="汉仪颜楷简" panose="00020600040101010101" charset="-122"/>
+            </a:endParaRPr>
           </a:p>
         </p:txBody>
       </p:sp>
@@ -3791,6 +3729,11 @@
               </a:rPr>
               <a:t>Automated Knowledge Graph Construction for News Text Based on HanLP</a:t>
             </a:r>
+            <a:endParaRPr lang="zh-CN" altLang="en-US" dirty="0">
+              <a:latin typeface="Times New Roman" panose="02020603050405020304" charset="0"/>
+              <a:ea typeface="Kozuka Gothic Pr6N R" panose="020B0400000000000000" pitchFamily="34" charset="-128"/>
+              <a:cs typeface="Times New Roman" panose="02020603050405020304" charset="0"/>
+            </a:endParaRPr>
           </a:p>
         </p:txBody>
       </p:sp>
@@ -3944,12 +3887,12 @@
           </p:cNvPicPr>
           <p:nvPr>
             <p:custDataLst>
-              <p:tags r:id="rId1"/>
+              <p:tags r:id="rId9"/>
             </p:custDataLst>
           </p:nvPr>
         </p:nvPicPr>
         <p:blipFill>
-          <a:blip r:embed="rId12" cstate="print">
+          <a:blip r:embed="rId10" cstate="print">
             <a:extLst>
               <a:ext uri="{28A0092B-C50C-407E-A947-70E740481C1C}">
                 <a14:useLocalDpi xmlns:a14="http://schemas.microsoft.com/office/drawing/2010/main" val="0"/>
@@ -3976,7 +3919,7 @@
           <p:cNvGraphicFramePr/>
           <p:nvPr>
             <p:custDataLst>
-              <p:tags r:id="rId2"/>
+              <p:tags r:id="rId11"/>
             </p:custDataLst>
           </p:nvPr>
         </p:nvGraphicFramePr>
@@ -3991,27 +3934,9 @@
                 <a:tableStyleId>{2D5ABB26-0587-4C30-8999-92F81FD0307C}</a:tableStyleId>
               </a:tblPr>
               <a:tblGrid>
-                <a:gridCol w="1555750">
-                  <a:extLst>
-                    <a:ext uri="{9D8B030D-6E8A-4147-A177-3AD203B41FA5}">
-                      <a16:colId xmlns:a16="http://schemas.microsoft.com/office/drawing/2014/main" val="20000"/>
-                    </a:ext>
-                  </a:extLst>
-                </a:gridCol>
-                <a:gridCol w="1797685">
-                  <a:extLst>
-                    <a:ext uri="{9D8B030D-6E8A-4147-A177-3AD203B41FA5}">
-                      <a16:colId xmlns:a16="http://schemas.microsoft.com/office/drawing/2014/main" val="20001"/>
-                    </a:ext>
-                  </a:extLst>
-                </a:gridCol>
-                <a:gridCol w="2313940">
-                  <a:extLst>
-                    <a:ext uri="{9D8B030D-6E8A-4147-A177-3AD203B41FA5}">
-                      <a16:colId xmlns:a16="http://schemas.microsoft.com/office/drawing/2014/main" val="20002"/>
-                    </a:ext>
-                  </a:extLst>
-                </a:gridCol>
+                <a:gridCol w="1555750"/>
+                <a:gridCol w="1797685"/>
+                <a:gridCol w="2313940"/>
               </a:tblGrid>
               <a:tr h="381000">
                 <a:tc>
@@ -4029,6 +3954,10 @@
                         </a:rPr>
                         <a:t>团队成员：</a:t>
                       </a:r>
+                      <a:endParaRPr lang="zh-CN" altLang="en-US">
+                        <a:latin typeface="楷体" panose="02010609060101010101" charset="-122"/>
+                        <a:ea typeface="楷体" panose="02010609060101010101" charset="-122"/>
+                      </a:endParaRPr>
                     </a:p>
                   </a:txBody>
                   <a:tcPr/>
@@ -4092,15 +4021,16 @@
                         </a:rPr>
                         <a:t>2152057 杨瑞华</a:t>
                       </a:r>
+                      <a:endParaRPr lang="en-US" altLang="zh-CN" sz="1800">
+                        <a:latin typeface="楷体" panose="02010609060101010101" charset="-122"/>
+                        <a:ea typeface="楷体" panose="02010609060101010101" charset="-122"/>
+                        <a:cs typeface="楷体" panose="02010609060101010101" charset="-122"/>
+                        <a:sym typeface="+mn-ea"/>
+                      </a:endParaRPr>
                     </a:p>
                   </a:txBody>
                   <a:tcPr/>
                 </a:tc>
-                <a:extLst>
-                  <a:ext uri="{0D108BD9-81ED-4DB2-BD59-A6C34878D82A}">
-                    <a16:rowId xmlns:a16="http://schemas.microsoft.com/office/drawing/2014/main" val="10000"/>
-                  </a:ext>
-                </a:extLst>
               </a:tr>
               <a:tr h="381000">
                 <a:tc>
@@ -4196,11 +4126,6 @@
                   </a:txBody>
                   <a:tcPr/>
                 </a:tc>
-                <a:extLst>
-                  <a:ext uri="{0D108BD9-81ED-4DB2-BD59-A6C34878D82A}">
-                    <a16:rowId xmlns:a16="http://schemas.microsoft.com/office/drawing/2014/main" val="10001"/>
-                  </a:ext>
-                </a:extLst>
               </a:tr>
             </a:tbl>
           </a:graphicData>
@@ -4211,18 +4136,9 @@
   <p:clrMapOvr>
     <a:masterClrMapping/>
   </p:clrMapOvr>
-  <mc:AlternateContent xmlns:mc="http://schemas.openxmlformats.org/markup-compatibility/2006" xmlns:p14="http://schemas.microsoft.com/office/powerpoint/2010/main">
-    <mc:Choice Requires="p14">
-      <p:transition>
-        <p:push dir="u"/>
-      </p:transition>
-    </mc:Choice>
-    <mc:Fallback xmlns="">
-      <p:transition>
-        <p:push dir="u"/>
-      </p:transition>
-    </mc:Fallback>
-  </mc:AlternateContent>
+  <p:transition>
+    <p:push dir="u"/>
+  </p:transition>
 </p:sld>
 </file>
 
@@ -4252,10 +4168,10 @@
           <p:nvPr/>
         </p:nvPicPr>
         <p:blipFill>
-          <a:blip r:embed="rId2">
+          <a:blip r:embed="rId1">
             <a:extLst>
               <a:ext uri="{96DAC541-7B7A-43D3-8B79-37D633B846F1}">
-                <asvg:svgBlip xmlns:asvg="http://schemas.microsoft.com/office/drawing/2016/SVG/main" r:embed="rId3"/>
+                <asvg:svgBlip xmlns:asvg="http://schemas.microsoft.com/office/drawing/2016/SVG/main" r:embed="rId2"/>
               </a:ext>
             </a:extLst>
           </a:blip>
@@ -4282,10 +4198,10 @@
           <p:nvPr/>
         </p:nvPicPr>
         <p:blipFill>
-          <a:blip r:embed="rId4">
+          <a:blip r:embed="rId3">
             <a:extLst>
               <a:ext uri="{96DAC541-7B7A-43D3-8B79-37D633B846F1}">
-                <asvg:svgBlip xmlns:asvg="http://schemas.microsoft.com/office/drawing/2016/SVG/main" r:embed="rId5"/>
+                <asvg:svgBlip xmlns:asvg="http://schemas.microsoft.com/office/drawing/2016/SVG/main" r:embed="rId4"/>
               </a:ext>
             </a:extLst>
           </a:blip>
@@ -4610,6 +4526,13 @@
                   </a:rPr>
                   <a:t>数据收集处理</a:t>
                 </a:r>
+                <a:endParaRPr lang="zh-CN" altLang="en-US" dirty="0">
+                  <a:solidFill>
+                    <a:schemeClr val="bg1"/>
+                  </a:solidFill>
+                  <a:latin typeface="Noto Sans S Chinese Medium" panose="020B0600000000000000" pitchFamily="34" charset="-122"/>
+                  <a:ea typeface="Noto Sans S Chinese Medium" panose="020B0600000000000000" pitchFamily="34" charset="-122"/>
+                </a:endParaRPr>
               </a:p>
             </p:txBody>
           </p:sp>
@@ -4866,6 +4789,13 @@
                   </a:rPr>
                   <a:t>语义校验</a:t>
                 </a:r>
+                <a:endParaRPr lang="zh-CN" altLang="en-US" dirty="0">
+                  <a:solidFill>
+                    <a:schemeClr val="bg1"/>
+                  </a:solidFill>
+                  <a:latin typeface="Noto Sans S Chinese Medium" panose="020B0600000000000000" pitchFamily="34" charset="-122"/>
+                  <a:ea typeface="Noto Sans S Chinese Medium" panose="020B0600000000000000" pitchFamily="34" charset="-122"/>
+                </a:endParaRPr>
               </a:p>
             </p:txBody>
           </p:sp>
@@ -5236,6 +5166,13 @@
                   </a:rPr>
                   <a:t>文本分析</a:t>
                 </a:r>
+                <a:endParaRPr lang="zh-CN" altLang="en-US" dirty="0">
+                  <a:solidFill>
+                    <a:schemeClr val="bg1"/>
+                  </a:solidFill>
+                  <a:latin typeface="Noto Sans S Chinese Medium" panose="020B0600000000000000" pitchFamily="34" charset="-122"/>
+                  <a:ea typeface="Noto Sans S Chinese Medium" panose="020B0600000000000000" pitchFamily="34" charset="-122"/>
+                </a:endParaRPr>
               </a:p>
             </p:txBody>
           </p:sp>
@@ -5303,10 +5240,21 @@
                 <a:latin typeface="仿宋" panose="02010609060101010101" charset="-122"/>
                 <a:ea typeface="仿宋" panose="02010609060101010101" charset="-122"/>
                 <a:cs typeface="仿宋" panose="02010609060101010101" charset="-122"/>
-                <a:hlinkClick r:id="rId6"/>
+                <a:hlinkClick r:id="rId5"/>
               </a:rPr>
               <a:t>http://www.news.cn</a:t>
             </a:r>
+            <a:endParaRPr lang="zh-CN" altLang="en-US" sz="1200" dirty="0">
+              <a:solidFill>
+                <a:schemeClr val="tx1">
+                  <a:lumMod val="85000"/>
+                  <a:lumOff val="15000"/>
+                </a:schemeClr>
+              </a:solidFill>
+              <a:latin typeface="仿宋" panose="02010609060101010101" charset="-122"/>
+              <a:ea typeface="仿宋" panose="02010609060101010101" charset="-122"/>
+              <a:cs typeface="仿宋" panose="02010609060101010101" charset="-122"/>
+            </a:endParaRPr>
           </a:p>
           <a:p>
             <a:pPr algn="l">
@@ -5356,6 +5304,17 @@
               </a:rPr>
               <a:t>进行新闻主体事件的摘要提取，使得既要紧扣要点，又要避免赘语，方便后续处理</a:t>
             </a:r>
+            <a:endParaRPr lang="zh-CN" altLang="en-US" sz="1200" dirty="0">
+              <a:solidFill>
+                <a:schemeClr val="tx1">
+                  <a:lumMod val="85000"/>
+                  <a:lumOff val="15000"/>
+                </a:schemeClr>
+              </a:solidFill>
+              <a:latin typeface="仿宋" panose="02010609060101010101" charset="-122"/>
+              <a:ea typeface="仿宋" panose="02010609060101010101" charset="-122"/>
+              <a:cs typeface="仿宋" panose="02010609060101010101" charset="-122"/>
+            </a:endParaRPr>
           </a:p>
         </p:txBody>
       </p:sp>
@@ -5410,6 +5369,11 @@
               </a:rPr>
               <a:t>利用OpenAI的大语言模型对提取的三元组进行语义上的校验，验证语义角色是否正确提取</a:t>
             </a:r>
+            <a:endParaRPr lang="zh-CN" altLang="en-US" dirty="0">
+              <a:latin typeface="仿宋" panose="02010609060101010101" charset="-122"/>
+              <a:ea typeface="仿宋" panose="02010609060101010101" charset="-122"/>
+              <a:cs typeface="仿宋" panose="02010609060101010101" charset="-122"/>
+            </a:endParaRPr>
           </a:p>
         </p:txBody>
       </p:sp>
@@ -5576,6 +5540,17 @@
               </a:rPr>
               <a:t>的三元组</a:t>
             </a:r>
+            <a:endParaRPr lang="zh-CN" altLang="en-US" sz="1200" dirty="0">
+              <a:solidFill>
+                <a:schemeClr val="tx1">
+                  <a:lumMod val="85000"/>
+                  <a:lumOff val="15000"/>
+                </a:schemeClr>
+              </a:solidFill>
+              <a:latin typeface="仿宋" panose="02010609060101010101" charset="-122"/>
+              <a:ea typeface="仿宋" panose="02010609060101010101" charset="-122"/>
+              <a:cs typeface="仿宋" panose="02010609060101010101" charset="-122"/>
+            </a:endParaRPr>
           </a:p>
         </p:txBody>
       </p:sp>
@@ -5659,6 +5634,17 @@
               </a:rPr>
               <a:t>这些三元组被存储和管理在Neo4j图数据库中，构建成一个知识图谱。</a:t>
             </a:r>
+            <a:endParaRPr lang="zh-CN" altLang="en-US" sz="1600" dirty="0">
+              <a:solidFill>
+                <a:schemeClr val="tx1">
+                  <a:lumMod val="85000"/>
+                  <a:lumOff val="15000"/>
+                </a:schemeClr>
+              </a:solidFill>
+              <a:latin typeface="宋体" panose="02010600030101010101" pitchFamily="2" charset="-122"/>
+              <a:ea typeface="宋体" panose="02010600030101010101" pitchFamily="2" charset="-122"/>
+              <a:cs typeface="宋体" panose="02010600030101010101" pitchFamily="2" charset="-122"/>
+            </a:endParaRPr>
           </a:p>
         </p:txBody>
       </p:sp>
@@ -5705,6 +5691,13 @@
               </a:rPr>
               <a:t>技术路线</a:t>
             </a:r>
+            <a:endParaRPr lang="zh-CN" altLang="en-US" sz="4800" dirty="0">
+              <a:solidFill>
+                <a:srgbClr val="003462"/>
+              </a:solidFill>
+              <a:latin typeface="楷体" panose="02010609060101010101" charset="-122"/>
+              <a:ea typeface="楷体" panose="02010609060101010101" charset="-122"/>
+            </a:endParaRPr>
           </a:p>
         </p:txBody>
       </p:sp>
@@ -5833,6 +5826,13 @@
               </a:rPr>
               <a:t>构建图数据库</a:t>
             </a:r>
+            <a:endParaRPr lang="zh-CN" altLang="en-US" dirty="0">
+              <a:solidFill>
+                <a:schemeClr val="bg1"/>
+              </a:solidFill>
+              <a:latin typeface="Noto Sans S Chinese Medium" panose="020B0600000000000000" pitchFamily="34" charset="-122"/>
+              <a:ea typeface="Noto Sans S Chinese Medium" panose="020B0600000000000000" pitchFamily="34" charset="-122"/>
+            </a:endParaRPr>
           </a:p>
         </p:txBody>
       </p:sp>
@@ -5887,6 +5887,17 @@
               </a:rPr>
               <a:t>使用Neo4j图数据库存储这些三元组，利用其强大的图处理能力来管理和查询数据。对提取的实体关系进行过滤和校验，确保数据的正确性和完整性。</a:t>
             </a:r>
+            <a:endParaRPr sz="1200" dirty="0">
+              <a:solidFill>
+                <a:schemeClr val="tx1">
+                  <a:lumMod val="85000"/>
+                  <a:lumOff val="15000"/>
+                </a:schemeClr>
+              </a:solidFill>
+              <a:latin typeface="仿宋" panose="02010609060101010101" charset="-122"/>
+              <a:ea typeface="仿宋" panose="02010609060101010101" charset="-122"/>
+              <a:cs typeface="仿宋" panose="02010609060101010101" charset="-122"/>
+            </a:endParaRPr>
           </a:p>
         </p:txBody>
       </p:sp>
@@ -5895,18 +5906,9 @@
   <p:clrMapOvr>
     <a:masterClrMapping/>
   </p:clrMapOvr>
-  <mc:AlternateContent xmlns:mc="http://schemas.openxmlformats.org/markup-compatibility/2006" xmlns:p14="http://schemas.microsoft.com/office/powerpoint/2010/main">
-    <mc:Choice Requires="p14">
-      <p:transition>
-        <p:push dir="u"/>
-      </p:transition>
-    </mc:Choice>
-    <mc:Fallback xmlns="">
-      <p:transition>
-        <p:push dir="u"/>
-      </p:transition>
-    </mc:Fallback>
-  </mc:AlternateContent>
+  <p:transition>
+    <p:push dir="u"/>
+  </p:transition>
 </p:sld>
 </file>
 
@@ -5936,10 +5938,10 @@
           <p:nvPr/>
         </p:nvPicPr>
         <p:blipFill>
-          <a:blip r:embed="rId2">
+          <a:blip r:embed="rId1">
             <a:extLst>
               <a:ext uri="{96DAC541-7B7A-43D3-8B79-37D633B846F1}">
-                <asvg:svgBlip xmlns:asvg="http://schemas.microsoft.com/office/drawing/2016/SVG/main" r:embed="rId3"/>
+                <asvg:svgBlip xmlns:asvg="http://schemas.microsoft.com/office/drawing/2016/SVG/main" r:embed="rId2"/>
               </a:ext>
             </a:extLst>
           </a:blip>
@@ -5966,10 +5968,10 @@
           <p:nvPr/>
         </p:nvPicPr>
         <p:blipFill>
-          <a:blip r:embed="rId4">
+          <a:blip r:embed="rId3">
             <a:extLst>
               <a:ext uri="{96DAC541-7B7A-43D3-8B79-37D633B846F1}">
-                <asvg:svgBlip xmlns:asvg="http://schemas.microsoft.com/office/drawing/2016/SVG/main" r:embed="rId5"/>
+                <asvg:svgBlip xmlns:asvg="http://schemas.microsoft.com/office/drawing/2016/SVG/main" r:embed="rId4"/>
               </a:ext>
             </a:extLst>
           </a:blip>
@@ -5996,10 +5998,10 @@
           <p:nvPr/>
         </p:nvPicPr>
         <p:blipFill>
-          <a:blip r:embed="rId6">
+          <a:blip r:embed="rId5">
             <a:extLst>
               <a:ext uri="{96DAC541-7B7A-43D3-8B79-37D633B846F1}">
-                <asvg:svgBlip xmlns:asvg="http://schemas.microsoft.com/office/drawing/2016/SVG/main" r:embed="rId7"/>
+                <asvg:svgBlip xmlns:asvg="http://schemas.microsoft.com/office/drawing/2016/SVG/main" r:embed="rId6"/>
               </a:ext>
             </a:extLst>
           </a:blip>
@@ -6026,10 +6028,10 @@
           <p:nvPr/>
         </p:nvPicPr>
         <p:blipFill>
-          <a:blip r:embed="rId8">
+          <a:blip r:embed="rId7">
             <a:extLst>
               <a:ext uri="{96DAC541-7B7A-43D3-8B79-37D633B846F1}">
-                <asvg:svgBlip xmlns:asvg="http://schemas.microsoft.com/office/drawing/2016/SVG/main" r:embed="rId9"/>
+                <asvg:svgBlip xmlns:asvg="http://schemas.microsoft.com/office/drawing/2016/SVG/main" r:embed="rId8"/>
               </a:ext>
             </a:extLst>
           </a:blip>
@@ -7422,6 +7424,10 @@
               </a:rPr>
               <a:t>结果展示</a:t>
             </a:r>
+            <a:endParaRPr lang="zh-CN" altLang="en-US" sz="5400" b="1" dirty="0">
+              <a:latin typeface="楷体" panose="02010609060101010101" charset="-122"/>
+              <a:ea typeface="楷体" panose="02010609060101010101" charset="-122"/>
+            </a:endParaRPr>
           </a:p>
         </p:txBody>
       </p:sp>
@@ -7465,6 +7471,10 @@
               </a:rPr>
               <a:t>Result display</a:t>
             </a:r>
+            <a:endParaRPr lang="en-US" altLang="zh-CN" sz="1800" b="1" dirty="0">
+              <a:latin typeface="Times New Roman" panose="02020603050405020304" charset="0"/>
+              <a:cs typeface="Times New Roman" panose="02020603050405020304" charset="0"/>
+            </a:endParaRPr>
           </a:p>
         </p:txBody>
       </p:sp>
@@ -7508,18 +7518,9 @@
   <p:clrMapOvr>
     <a:masterClrMapping/>
   </p:clrMapOvr>
-  <mc:AlternateContent xmlns:mc="http://schemas.openxmlformats.org/markup-compatibility/2006" xmlns:p14="http://schemas.microsoft.com/office/powerpoint/2010/main">
-    <mc:Choice Requires="p14">
-      <p:transition>
-        <p:push dir="u"/>
-      </p:transition>
-    </mc:Choice>
-    <mc:Fallback xmlns="">
-      <p:transition>
-        <p:push dir="u"/>
-      </p:transition>
-    </mc:Fallback>
-  </mc:AlternateContent>
+  <p:transition>
+    <p:push dir="u"/>
+  </p:transition>
 </p:sld>
 </file>
 
@@ -7549,10 +7550,10 @@
           <p:nvPr/>
         </p:nvPicPr>
         <p:blipFill>
-          <a:blip r:embed="rId3">
+          <a:blip r:embed="rId1">
             <a:extLst>
               <a:ext uri="{96DAC541-7B7A-43D3-8B79-37D633B846F1}">
-                <asvg:svgBlip xmlns:asvg="http://schemas.microsoft.com/office/drawing/2016/SVG/main" r:embed="rId4"/>
+                <asvg:svgBlip xmlns:asvg="http://schemas.microsoft.com/office/drawing/2016/SVG/main" r:embed="rId2"/>
               </a:ext>
             </a:extLst>
           </a:blip>
@@ -7579,10 +7580,10 @@
           <p:nvPr/>
         </p:nvPicPr>
         <p:blipFill>
-          <a:blip r:embed="rId5">
+          <a:blip r:embed="rId3">
             <a:extLst>
               <a:ext uri="{96DAC541-7B7A-43D3-8B79-37D633B846F1}">
-                <asvg:svgBlip xmlns:asvg="http://schemas.microsoft.com/office/drawing/2016/SVG/main" r:embed="rId6"/>
+                <asvg:svgBlip xmlns:asvg="http://schemas.microsoft.com/office/drawing/2016/SVG/main" r:embed="rId4"/>
               </a:ext>
             </a:extLst>
           </a:blip>
@@ -7643,6 +7644,13 @@
               </a:rPr>
               <a:t>数据收集处理</a:t>
             </a:r>
+            <a:endParaRPr lang="zh-CN" altLang="en-US" sz="4800" dirty="0">
+              <a:solidFill>
+                <a:srgbClr val="003462"/>
+              </a:solidFill>
+              <a:latin typeface="楷体" panose="02010609060101010101" charset="-122"/>
+              <a:ea typeface="楷体" panose="02010609060101010101" charset="-122"/>
+            </a:endParaRPr>
           </a:p>
         </p:txBody>
       </p:sp>
@@ -7655,7 +7663,7 @@
           <p:nvPr/>
         </p:nvPicPr>
         <p:blipFill>
-          <a:blip r:embed="rId7"/>
+          <a:blip r:embed="rId5"/>
           <a:stretch>
             <a:fillRect/>
           </a:stretch>
@@ -7700,6 +7708,7 @@
               <a:rPr lang="zh-CN" altLang="en-US"/>
               <a:t>条新闻数据</a:t>
             </a:r>
+            <a:endParaRPr lang="zh-CN" altLang="en-US"/>
           </a:p>
         </p:txBody>
       </p:sp>
@@ -7709,7 +7718,7 @@
           <p:cNvSpPr/>
           <p:nvPr>
             <p:custDataLst>
-              <p:tags r:id="rId1"/>
+              <p:tags r:id="rId6"/>
             </p:custDataLst>
           </p:nvPr>
         </p:nvSpPr>
@@ -7820,6 +7829,16 @@
               </a:rPr>
               <a:t>摘要提取</a:t>
             </a:r>
+            <a:endParaRPr lang="zh-CN" altLang="en-US" sz="1600" b="1">
+              <a:solidFill>
+                <a:srgbClr val="FFFFFF"/>
+              </a:solidFill>
+              <a:effectLst/>
+              <a:uFillTx/>
+              <a:latin typeface="+mn-ea"/>
+              <a:cs typeface="+mn-ea"/>
+              <a:sym typeface="+mn-ea"/>
+            </a:endParaRPr>
           </a:p>
           <a:p>
             <a:pPr lvl="0" algn="ctr">
@@ -7846,6 +7865,16 @@
               </a:rPr>
               <a:t>合并文本</a:t>
             </a:r>
+            <a:endParaRPr lang="zh-CN" altLang="en-US" sz="1600" b="1">
+              <a:solidFill>
+                <a:srgbClr val="FFFFFF"/>
+              </a:solidFill>
+              <a:effectLst/>
+              <a:uFillTx/>
+              <a:latin typeface="+mn-ea"/>
+              <a:cs typeface="+mn-ea"/>
+              <a:sym typeface="+mn-ea"/>
+            </a:endParaRPr>
           </a:p>
         </p:txBody>
       </p:sp>
@@ -7858,7 +7887,7 @@
           <p:nvPr/>
         </p:nvPicPr>
         <p:blipFill>
-          <a:blip r:embed="rId8"/>
+          <a:blip r:embed="rId7"/>
           <a:stretch>
             <a:fillRect/>
           </a:stretch>
@@ -7878,18 +7907,9 @@
   <p:clrMapOvr>
     <a:masterClrMapping/>
   </p:clrMapOvr>
-  <mc:AlternateContent xmlns:mc="http://schemas.openxmlformats.org/markup-compatibility/2006" xmlns:p14="http://schemas.microsoft.com/office/powerpoint/2010/main">
-    <mc:Choice Requires="p14">
-      <p:transition>
-        <p:push dir="u"/>
-      </p:transition>
-    </mc:Choice>
-    <mc:Fallback xmlns="">
-      <p:transition>
-        <p:push dir="u"/>
-      </p:transition>
-    </mc:Fallback>
-  </mc:AlternateContent>
+  <p:transition>
+    <p:push dir="u"/>
+  </p:transition>
 </p:sld>
 </file>
 
@@ -7919,10 +7939,10 @@
           <p:nvPr/>
         </p:nvPicPr>
         <p:blipFill>
-          <a:blip r:embed="rId3">
+          <a:blip r:embed="rId1">
             <a:extLst>
               <a:ext uri="{96DAC541-7B7A-43D3-8B79-37D633B846F1}">
-                <asvg:svgBlip xmlns:asvg="http://schemas.microsoft.com/office/drawing/2016/SVG/main" r:embed="rId4"/>
+                <asvg:svgBlip xmlns:asvg="http://schemas.microsoft.com/office/drawing/2016/SVG/main" r:embed="rId2"/>
               </a:ext>
             </a:extLst>
           </a:blip>
@@ -7949,10 +7969,10 @@
           <p:nvPr/>
         </p:nvPicPr>
         <p:blipFill>
-          <a:blip r:embed="rId5">
+          <a:blip r:embed="rId3">
             <a:extLst>
               <a:ext uri="{96DAC541-7B7A-43D3-8B79-37D633B846F1}">
-                <asvg:svgBlip xmlns:asvg="http://schemas.microsoft.com/office/drawing/2016/SVG/main" r:embed="rId6"/>
+                <asvg:svgBlip xmlns:asvg="http://schemas.microsoft.com/office/drawing/2016/SVG/main" r:embed="rId4"/>
               </a:ext>
             </a:extLst>
           </a:blip>
@@ -8013,25 +8033,26 @@
               </a:rPr>
               <a:t>关系提取并存入数据库</a:t>
             </a:r>
+            <a:endParaRPr lang="zh-CN" altLang="en-US" sz="4800" dirty="0">
+              <a:solidFill>
+                <a:srgbClr val="003462"/>
+              </a:solidFill>
+              <a:latin typeface="楷体" panose="02010609060101010101" charset="-122"/>
+              <a:ea typeface="楷体" panose="02010609060101010101" charset="-122"/>
+            </a:endParaRPr>
           </a:p>
         </p:txBody>
       </p:sp>
       <p:pic>
         <p:nvPicPr>
-          <p:cNvPr id="4" name="图片 3">
-            <a:extLst>
-              <a:ext uri="{FF2B5EF4-FFF2-40B4-BE49-F238E27FC236}">
-                <a16:creationId xmlns:a16="http://schemas.microsoft.com/office/drawing/2014/main" id="{8CE9AB17-82DB-DA8B-F119-F53482F65A19}"/>
-              </a:ext>
-            </a:extLst>
-          </p:cNvPr>
+          <p:cNvPr id="4" name="图片 3"/>
           <p:cNvPicPr>
             <a:picLocks noChangeAspect="1"/>
           </p:cNvPicPr>
           <p:nvPr/>
         </p:nvPicPr>
         <p:blipFill>
-          <a:blip r:embed="rId7">
+          <a:blip r:embed="rId5">
             <a:extLst>
               <a:ext uri="{28A0092B-C50C-407E-A947-70E740481C1C}">
                 <a14:useLocalDpi xmlns:a14="http://schemas.microsoft.com/office/drawing/2010/main" val="0"/>
@@ -8058,7 +8079,7 @@
           <p:cNvSpPr/>
           <p:nvPr>
             <p:custDataLst>
-              <p:tags r:id="rId1"/>
+              <p:tags r:id="rId6"/>
             </p:custDataLst>
           </p:nvPr>
         </p:nvSpPr>
@@ -8169,6 +8190,16 @@
               </a:rPr>
               <a:t>关系提取</a:t>
             </a:r>
+            <a:endParaRPr lang="zh-CN" altLang="en-US" sz="1600" b="1">
+              <a:solidFill>
+                <a:srgbClr val="FFFFFF"/>
+              </a:solidFill>
+              <a:effectLst/>
+              <a:uFillTx/>
+              <a:latin typeface="+mn-ea"/>
+              <a:cs typeface="+mn-ea"/>
+              <a:sym typeface="+mn-ea"/>
+            </a:endParaRPr>
           </a:p>
           <a:p>
             <a:pPr lvl="0" algn="ctr">
@@ -8195,6 +8226,16 @@
               </a:rPr>
               <a:t>存入数据库</a:t>
             </a:r>
+            <a:endParaRPr lang="zh-CN" altLang="en-US" sz="1600" b="1">
+              <a:solidFill>
+                <a:srgbClr val="FFFFFF"/>
+              </a:solidFill>
+              <a:effectLst/>
+              <a:uFillTx/>
+              <a:latin typeface="+mn-ea"/>
+              <a:cs typeface="+mn-ea"/>
+              <a:sym typeface="+mn-ea"/>
+            </a:endParaRPr>
           </a:p>
         </p:txBody>
       </p:sp>
@@ -8207,7 +8248,7 @@
           <p:nvPr/>
         </p:nvPicPr>
         <p:blipFill>
-          <a:blip r:embed="rId8"/>
+          <a:blip r:embed="rId7"/>
           <a:srcRect l="9175" r="8300"/>
           <a:stretch>
             <a:fillRect/>
@@ -8270,6 +8311,11 @@
               </a:rPr>
               <a:t>个实体</a:t>
             </a:r>
+            <a:endParaRPr lang="zh-CN" altLang="en-US" sz="1200">
+              <a:solidFill>
+                <a:srgbClr val="FF0000"/>
+              </a:solidFill>
+            </a:endParaRPr>
           </a:p>
         </p:txBody>
       </p:sp>
@@ -8278,18 +8324,9 @@
   <p:clrMapOvr>
     <a:masterClrMapping/>
   </p:clrMapOvr>
-  <mc:AlternateContent xmlns:mc="http://schemas.openxmlformats.org/markup-compatibility/2006" xmlns:p14="http://schemas.microsoft.com/office/powerpoint/2010/main">
-    <mc:Choice Requires="p14">
-      <p:transition>
-        <p:push dir="u"/>
-      </p:transition>
-    </mc:Choice>
-    <mc:Fallback xmlns="">
-      <p:transition>
-        <p:push dir="u"/>
-      </p:transition>
-    </mc:Fallback>
-  </mc:AlternateContent>
+  <p:transition>
+    <p:push dir="u"/>
+  </p:transition>
 </p:sld>
 </file>
 
@@ -8319,10 +8356,10 @@
           <p:nvPr/>
         </p:nvPicPr>
         <p:blipFill>
-          <a:blip r:embed="rId3">
+          <a:blip r:embed="rId1">
             <a:extLst>
               <a:ext uri="{96DAC541-7B7A-43D3-8B79-37D633B846F1}">
-                <asvg:svgBlip xmlns:asvg="http://schemas.microsoft.com/office/drawing/2016/SVG/main" r:embed="rId4"/>
+                <asvg:svgBlip xmlns:asvg="http://schemas.microsoft.com/office/drawing/2016/SVG/main" r:embed="rId2"/>
               </a:ext>
             </a:extLst>
           </a:blip>
@@ -8349,10 +8386,10 @@
           <p:nvPr/>
         </p:nvPicPr>
         <p:blipFill>
-          <a:blip r:embed="rId5">
+          <a:blip r:embed="rId3">
             <a:extLst>
               <a:ext uri="{96DAC541-7B7A-43D3-8B79-37D633B846F1}">
-                <asvg:svgBlip xmlns:asvg="http://schemas.microsoft.com/office/drawing/2016/SVG/main" r:embed="rId6"/>
+                <asvg:svgBlip xmlns:asvg="http://schemas.microsoft.com/office/drawing/2016/SVG/main" r:embed="rId4"/>
               </a:ext>
             </a:extLst>
           </a:blip>
@@ -8453,6 +8490,13 @@
               </a:rPr>
               <a:t>实体</a:t>
             </a:r>
+            <a:endParaRPr lang="zh-CN" altLang="en-US" sz="4800" dirty="0">
+              <a:solidFill>
+                <a:srgbClr val="003462"/>
+              </a:solidFill>
+              <a:latin typeface="楷体" panose="02010609060101010101" charset="-122"/>
+              <a:ea typeface="楷体" panose="02010609060101010101" charset="-122"/>
+            </a:endParaRPr>
           </a:p>
         </p:txBody>
       </p:sp>
@@ -8465,7 +8509,7 @@
           <p:nvPr/>
         </p:nvPicPr>
         <p:blipFill>
-          <a:blip r:embed="rId7"/>
+          <a:blip r:embed="rId5"/>
           <a:srcRect l="9175" r="8300"/>
           <a:stretch>
             <a:fillRect/>
@@ -8528,6 +8572,11 @@
               </a:rPr>
               <a:t>个实体</a:t>
             </a:r>
+            <a:endParaRPr lang="zh-CN" altLang="en-US" sz="1200">
+              <a:solidFill>
+                <a:srgbClr val="FF0000"/>
+              </a:solidFill>
+            </a:endParaRPr>
           </a:p>
         </p:txBody>
       </p:sp>
@@ -8584,7 +8633,7 @@
           <p:cNvSpPr/>
           <p:nvPr>
             <p:custDataLst>
-              <p:tags r:id="rId1"/>
+              <p:tags r:id="rId6"/>
             </p:custDataLst>
           </p:nvPr>
         </p:nvSpPr>
@@ -8712,7 +8761,7 @@
           <p:nvPr/>
         </p:nvPicPr>
         <p:blipFill>
-          <a:blip r:embed="rId8"/>
+          <a:blip r:embed="rId7"/>
           <a:stretch>
             <a:fillRect/>
           </a:stretch>
@@ -8732,18 +8781,9 @@
   <p:clrMapOvr>
     <a:masterClrMapping/>
   </p:clrMapOvr>
-  <mc:AlternateContent xmlns:mc="http://schemas.openxmlformats.org/markup-compatibility/2006" xmlns:p14="http://schemas.microsoft.com/office/powerpoint/2010/main">
-    <mc:Choice Requires="p14">
-      <p:transition>
-        <p:push dir="u"/>
-      </p:transition>
-    </mc:Choice>
-    <mc:Fallback xmlns="">
-      <p:transition>
-        <p:push dir="u"/>
-      </p:transition>
-    </mc:Fallback>
-  </mc:AlternateContent>
+  <p:transition>
+    <p:push dir="u"/>
+  </p:transition>
 </p:sld>
 </file>
 
@@ -8773,7 +8813,13 @@
           <p:nvPr/>
         </p:nvPicPr>
         <p:blipFill>
-          <a:blip r:embed="rId3"/>
+          <a:blip r:embed="rId1">
+            <a:extLst>
+              <a:ext uri="{96DAC541-7B7A-43D3-8B79-37D633B846F1}">
+                <asvg:svgBlip xmlns:asvg="http://schemas.microsoft.com/office/drawing/2016/SVG/main" r:embed="rId2"/>
+              </a:ext>
+            </a:extLst>
+          </a:blip>
           <a:stretch>
             <a:fillRect/>
           </a:stretch>
@@ -8797,7 +8843,526 @@
           <p:nvPr/>
         </p:nvPicPr>
         <p:blipFill>
-          <a:blip r:embed="rId4"/>
+          <a:blip r:embed="rId3">
+            <a:extLst>
+              <a:ext uri="{96DAC541-7B7A-43D3-8B79-37D633B846F1}">
+                <asvg:svgBlip xmlns:asvg="http://schemas.microsoft.com/office/drawing/2016/SVG/main" r:embed="rId4"/>
+              </a:ext>
+            </a:extLst>
+          </a:blip>
+          <a:stretch>
+            <a:fillRect/>
+          </a:stretch>
+        </p:blipFill>
+        <p:spPr>
+          <a:xfrm>
+            <a:off x="342900" y="330200"/>
+            <a:ext cx="11518900" cy="6197600"/>
+          </a:xfrm>
+          <a:prstGeom prst="rect">
+            <a:avLst/>
+          </a:prstGeom>
+        </p:spPr>
+      </p:pic>
+      <p:sp>
+        <p:nvSpPr>
+          <p:cNvPr id="28" name="文本框 27"/>
+          <p:cNvSpPr txBox="1"/>
+          <p:nvPr/>
+        </p:nvSpPr>
+        <p:spPr>
+          <a:xfrm>
+            <a:off x="2289175" y="569595"/>
+            <a:ext cx="7473315" cy="829945"/>
+          </a:xfrm>
+          <a:prstGeom prst="rect">
+            <a:avLst/>
+          </a:prstGeom>
+          <a:noFill/>
+        </p:spPr>
+        <p:txBody>
+          <a:bodyPr wrap="square" rtlCol="0">
+            <a:spAutoFit/>
+          </a:bodyPr>
+          <a:lstStyle>
+            <a:defPPr>
+              <a:defRPr lang="zh-CN"/>
+            </a:defPPr>
+            <a:lvl1pPr algn="ctr">
+              <a:defRPr sz="5400">
+                <a:latin typeface="汉仪大宋简" panose="02010609000101010101" pitchFamily="49" charset="-122"/>
+                <a:ea typeface="汉仪大宋简" panose="02010609000101010101" pitchFamily="49" charset="-122"/>
+              </a:defRPr>
+            </a:lvl1pPr>
+          </a:lstStyle>
+          <a:p>
+            <a:pPr algn="ctr"/>
+            <a:r>
+              <a:rPr lang="zh-CN" altLang="en-US" sz="4800" dirty="0">
+                <a:solidFill>
+                  <a:srgbClr val="003462"/>
+                </a:solidFill>
+                <a:latin typeface="楷体" panose="02010609060101010101" charset="-122"/>
+                <a:ea typeface="楷体" panose="02010609060101010101" charset="-122"/>
+              </a:rPr>
+              <a:t>实体</a:t>
+            </a:r>
+            <a:r>
+              <a:rPr lang="en-US" altLang="zh-CN" sz="4800" dirty="0">
+                <a:solidFill>
+                  <a:srgbClr val="003462"/>
+                </a:solidFill>
+                <a:latin typeface="楷体" panose="02010609060101010101" charset="-122"/>
+                <a:ea typeface="楷体" panose="02010609060101010101" charset="-122"/>
+              </a:rPr>
+              <a:t>+</a:t>
+            </a:r>
+            <a:r>
+              <a:rPr lang="zh-CN" altLang="en-US" sz="4800" dirty="0">
+                <a:solidFill>
+                  <a:srgbClr val="003462"/>
+                </a:solidFill>
+                <a:latin typeface="楷体" panose="02010609060101010101" charset="-122"/>
+                <a:ea typeface="楷体" panose="02010609060101010101" charset="-122"/>
+              </a:rPr>
+              <a:t>关系</a:t>
+            </a:r>
+            <a:r>
+              <a:rPr lang="en-US" altLang="zh-CN" sz="4800" dirty="0">
+                <a:solidFill>
+                  <a:srgbClr val="003462"/>
+                </a:solidFill>
+                <a:latin typeface="楷体" panose="02010609060101010101" charset="-122"/>
+                <a:ea typeface="楷体" panose="02010609060101010101" charset="-122"/>
+              </a:rPr>
+              <a:t>+</a:t>
+            </a:r>
+            <a:r>
+              <a:rPr lang="zh-CN" altLang="en-US" sz="4800" dirty="0">
+                <a:solidFill>
+                  <a:srgbClr val="003462"/>
+                </a:solidFill>
+                <a:latin typeface="楷体" panose="02010609060101010101" charset="-122"/>
+                <a:ea typeface="楷体" panose="02010609060101010101" charset="-122"/>
+              </a:rPr>
+              <a:t>实体</a:t>
+            </a:r>
+            <a:endParaRPr lang="zh-CN" altLang="en-US" sz="4800" dirty="0">
+              <a:solidFill>
+                <a:srgbClr val="003462"/>
+              </a:solidFill>
+              <a:latin typeface="楷体" panose="02010609060101010101" charset="-122"/>
+              <a:ea typeface="楷体" panose="02010609060101010101" charset="-122"/>
+            </a:endParaRPr>
+          </a:p>
+        </p:txBody>
+      </p:sp>
+      <p:pic>
+        <p:nvPicPr>
+          <p:cNvPr id="5" name="图片 4"/>
+          <p:cNvPicPr>
+            <a:picLocks noChangeAspect="1"/>
+          </p:cNvPicPr>
+          <p:nvPr/>
+        </p:nvPicPr>
+        <p:blipFill>
+          <a:blip r:embed="rId5"/>
+          <a:srcRect l="9175" r="8300"/>
+          <a:stretch>
+            <a:fillRect/>
+          </a:stretch>
+        </p:blipFill>
+        <p:spPr>
+          <a:xfrm>
+            <a:off x="7104380" y="1696720"/>
+            <a:ext cx="4192270" cy="4184015"/>
+          </a:xfrm>
+          <a:prstGeom prst="rect">
+            <a:avLst/>
+          </a:prstGeom>
+        </p:spPr>
+      </p:pic>
+      <p:sp>
+        <p:nvSpPr>
+          <p:cNvPr id="6" name="文本框 5"/>
+          <p:cNvSpPr txBox="1"/>
+          <p:nvPr/>
+        </p:nvSpPr>
+        <p:spPr>
+          <a:xfrm>
+            <a:off x="6501765" y="5923915"/>
+            <a:ext cx="4897755" cy="275590"/>
+          </a:xfrm>
+          <a:prstGeom prst="rect">
+            <a:avLst/>
+          </a:prstGeom>
+          <a:noFill/>
+        </p:spPr>
+        <p:txBody>
+          <a:bodyPr wrap="square" rtlCol="0">
+            <a:spAutoFit/>
+          </a:bodyPr>
+          <a:lstStyle/>
+          <a:p>
+            <a:pPr algn="r"/>
+            <a:r>
+              <a:rPr lang="zh-CN" altLang="en-US" sz="1200">
+                <a:solidFill>
+                  <a:srgbClr val="FF0000"/>
+                </a:solidFill>
+              </a:rPr>
+              <a:t>篇幅限制，仅展示</a:t>
+            </a:r>
+            <a:r>
+              <a:rPr lang="en-US" altLang="zh-CN" sz="1200">
+                <a:solidFill>
+                  <a:srgbClr val="FF0000"/>
+                </a:solidFill>
+              </a:rPr>
+              <a:t>200</a:t>
+            </a:r>
+            <a:r>
+              <a:rPr lang="zh-CN" altLang="en-US" sz="1200">
+                <a:solidFill>
+                  <a:srgbClr val="FF0000"/>
+                </a:solidFill>
+              </a:rPr>
+              <a:t>个实体</a:t>
+            </a:r>
+            <a:endParaRPr lang="zh-CN" altLang="en-US" sz="1200">
+              <a:solidFill>
+                <a:srgbClr val="FF0000"/>
+              </a:solidFill>
+            </a:endParaRPr>
+          </a:p>
+        </p:txBody>
+      </p:sp>
+      <p:sp>
+        <p:nvSpPr>
+          <p:cNvPr id="3" name="矩形 2"/>
+          <p:cNvSpPr/>
+          <p:nvPr/>
+        </p:nvSpPr>
+        <p:spPr>
+          <a:xfrm>
+            <a:off x="6975475" y="3722370"/>
+            <a:ext cx="853440" cy="658495"/>
+          </a:xfrm>
+          <a:prstGeom prst="rect">
+            <a:avLst/>
+          </a:prstGeom>
+          <a:noFill/>
+          <a:ln w="28575" cmpd="sng">
+            <a:solidFill>
+              <a:srgbClr val="FF0000"/>
+            </a:solidFill>
+            <a:prstDash val="solid"/>
+          </a:ln>
+        </p:spPr>
+        <p:style>
+          <a:lnRef idx="2">
+            <a:schemeClr val="accent1">
+              <a:lumMod val="75000"/>
+            </a:schemeClr>
+          </a:lnRef>
+          <a:fillRef idx="1">
+            <a:schemeClr val="accent1"/>
+          </a:fillRef>
+          <a:effectRef idx="0">
+            <a:srgbClr val="FFFFFF"/>
+          </a:effectRef>
+          <a:fontRef idx="minor">
+            <a:schemeClr val="lt1"/>
+          </a:fontRef>
+        </p:style>
+        <p:txBody>
+          <a:bodyPr rtlCol="0" anchor="ctr"/>
+          <a:lstStyle/>
+          <a:p>
+            <a:pPr algn="ctr"/>
+            <a:endParaRPr lang="zh-CN" altLang="en-US"/>
+          </a:p>
+        </p:txBody>
+      </p:sp>
+      <p:sp>
+        <p:nvSpPr>
+          <p:cNvPr id="7" name="任意多边形 6"/>
+          <p:cNvSpPr/>
+          <p:nvPr>
+            <p:custDataLst>
+              <p:tags r:id="rId6"/>
+            </p:custDataLst>
+          </p:nvPr>
+        </p:nvSpPr>
+        <p:spPr>
+          <a:xfrm rot="10800000">
+            <a:off x="4838700" y="3019425"/>
+            <a:ext cx="2373630" cy="594995"/>
+          </a:xfrm>
+          <a:custGeom>
+            <a:avLst/>
+            <a:gdLst>
+              <a:gd name="connsiteX0" fmla="*/ 16538 w 16538"/>
+              <a:gd name="connsiteY0" fmla="*/ 0 h 2858"/>
+              <a:gd name="connsiteX1" fmla="*/ 16500 w 16538"/>
+              <a:gd name="connsiteY1" fmla="*/ 33 h 2858"/>
+              <a:gd name="connsiteX2" fmla="*/ 8269 w 16538"/>
+              <a:gd name="connsiteY2" fmla="*/ 2858 h 2858"/>
+              <a:gd name="connsiteX3" fmla="*/ 39 w 16538"/>
+              <a:gd name="connsiteY3" fmla="*/ 33 h 2858"/>
+              <a:gd name="connsiteX4" fmla="*/ 0 w 16538"/>
+              <a:gd name="connsiteY4" fmla="*/ 0 h 2858"/>
+            </a:gdLst>
+            <a:ahLst/>
+            <a:cxnLst>
+              <a:cxn ang="0">
+                <a:pos x="connsiteX0" y="connsiteY0"/>
+              </a:cxn>
+              <a:cxn ang="0">
+                <a:pos x="connsiteX1" y="connsiteY1"/>
+              </a:cxn>
+              <a:cxn ang="0">
+                <a:pos x="connsiteX2" y="connsiteY2"/>
+              </a:cxn>
+              <a:cxn ang="0">
+                <a:pos x="connsiteX3" y="connsiteY3"/>
+              </a:cxn>
+              <a:cxn ang="0">
+                <a:pos x="connsiteX4" y="connsiteY4"/>
+              </a:cxn>
+            </a:cxnLst>
+            <a:rect l="l" t="t" r="r" b="b"/>
+            <a:pathLst>
+              <a:path w="16538" h="2858">
+                <a:moveTo>
+                  <a:pt x="16538" y="0"/>
+                </a:moveTo>
+                <a:lnTo>
+                  <a:pt x="16500" y="33"/>
+                </a:lnTo>
+                <a:cubicBezTo>
+                  <a:pt x="14393" y="1778"/>
+                  <a:pt x="11483" y="2858"/>
+                  <a:pt x="8269" y="2858"/>
+                </a:cubicBezTo>
+                <a:cubicBezTo>
+                  <a:pt x="5055" y="2858"/>
+                  <a:pt x="2145" y="1778"/>
+                  <a:pt x="39" y="33"/>
+                </a:cubicBezTo>
+                <a:lnTo>
+                  <a:pt x="0" y="0"/>
+                </a:lnTo>
+              </a:path>
+            </a:pathLst>
+          </a:custGeom>
+          <a:ln w="123825">
+            <a:gradFill>
+              <a:gsLst>
+                <a:gs pos="88000">
+                  <a:srgbClr val="FF0000"/>
+                </a:gs>
+                <a:gs pos="0">
+                  <a:schemeClr val="accent1">
+                    <a:lumMod val="5000"/>
+                    <a:lumOff val="95000"/>
+                    <a:alpha val="0"/>
+                  </a:schemeClr>
+                </a:gs>
+                <a:gs pos="0">
+                  <a:srgbClr val="FFC000"/>
+                </a:gs>
+              </a:gsLst>
+              <a:lin ang="0" scaled="1"/>
+            </a:gradFill>
+            <a:headEnd type="triangle"/>
+          </a:ln>
+        </p:spPr>
+        <p:style>
+          <a:lnRef idx="1">
+            <a:schemeClr val="accent1"/>
+          </a:lnRef>
+          <a:fillRef idx="0">
+            <a:schemeClr val="accent1"/>
+          </a:fillRef>
+          <a:effectRef idx="0">
+            <a:schemeClr val="accent1"/>
+          </a:effectRef>
+          <a:fontRef idx="minor">
+            <a:schemeClr val="tx1"/>
+          </a:fontRef>
+        </p:style>
+        <p:txBody>
+          <a:bodyPr vertOverflow="overflow" horzOverflow="overflow" vert="horz" wrap="square" numCol="1" spcCol="0" rtlCol="0" fromWordArt="0" anchor="ctr" anchorCtr="0" forceAA="0" compatLnSpc="1">
+            <a:normAutofit/>
+          </a:bodyPr>
+          <a:lstStyle/>
+          <a:p>
+            <a:pPr lvl="0" algn="ctr">
+              <a:buClrTx/>
+              <a:buSzTx/>
+              <a:buFontTx/>
+            </a:pPr>
+            <a:endParaRPr lang="zh-CN" altLang="en-US">
+              <a:sym typeface="+mn-ea"/>
+            </a:endParaRPr>
+          </a:p>
+        </p:txBody>
+      </p:sp>
+      <p:pic>
+        <p:nvPicPr>
+          <p:cNvPr id="17" name="图片 16"/>
+          <p:cNvPicPr>
+            <a:picLocks noChangeAspect="1"/>
+          </p:cNvPicPr>
+          <p:nvPr/>
+        </p:nvPicPr>
+        <p:blipFill>
+          <a:blip r:embed="rId7"/>
+          <a:stretch>
+            <a:fillRect/>
+          </a:stretch>
+        </p:blipFill>
+        <p:spPr>
+          <a:xfrm>
+            <a:off x="790575" y="2241550"/>
+            <a:ext cx="3914140" cy="3094990"/>
+          </a:xfrm>
+          <a:prstGeom prst="rect">
+            <a:avLst/>
+          </a:prstGeom>
+        </p:spPr>
+      </p:pic>
+      <p:sp>
+        <p:nvSpPr>
+          <p:cNvPr id="2" name="文本框 1"/>
+          <p:cNvSpPr txBox="1"/>
+          <p:nvPr/>
+        </p:nvSpPr>
+        <p:spPr>
+          <a:xfrm>
+            <a:off x="4517390" y="5831205"/>
+            <a:ext cx="3015615" cy="368300"/>
+          </a:xfrm>
+          <a:prstGeom prst="rect">
+            <a:avLst/>
+          </a:prstGeom>
+          <a:noFill/>
+        </p:spPr>
+        <p:txBody>
+          <a:bodyPr wrap="square" rtlCol="0" anchor="t">
+            <a:spAutoFit/>
+          </a:bodyPr>
+          <a:p>
+            <a:r>
+              <a:rPr lang="zh-CN" altLang="en-US">
+                <a:solidFill>
+                  <a:schemeClr val="bg2"/>
+                </a:solidFill>
+                <a:effectLst>
+                  <a:innerShdw blurRad="63500" dist="50800" dir="13500000">
+                    <a:srgbClr val="000000">
+                      <a:alpha val="50000"/>
+                    </a:srgbClr>
+                  </a:innerShdw>
+                </a:effectLst>
+              </a:rPr>
+              <a:t>新闻搜索引擎：</a:t>
+            </a:r>
+            <a:r>
+              <a:rPr lang="zh-CN" altLang="en-US">
+                <a:solidFill>
+                  <a:schemeClr val="bg2"/>
+                </a:solidFill>
+                <a:effectLst>
+                  <a:innerShdw blurRad="63500" dist="50800" dir="13500000">
+                    <a:srgbClr val="000000">
+                      <a:alpha val="50000"/>
+                    </a:srgbClr>
+                  </a:innerShdw>
+                </a:effectLst>
+                <a:hlinkClick r:id="rId8" action="ppaction://hlinkfile"/>
+              </a:rPr>
+              <a:t>dam.accr.cc</a:t>
+            </a:r>
+            <a:endParaRPr lang="zh-CN" altLang="en-US">
+              <a:solidFill>
+                <a:schemeClr val="bg2"/>
+              </a:solidFill>
+              <a:effectLst>
+                <a:innerShdw blurRad="63500" dist="50800" dir="13500000">
+                  <a:srgbClr val="000000">
+                    <a:alpha val="50000"/>
+                  </a:srgbClr>
+                </a:innerShdw>
+              </a:effectLst>
+              <a:hlinkClick r:id="rId8" action="ppaction://hlinkfile"/>
+            </a:endParaRPr>
+          </a:p>
+        </p:txBody>
+      </p:sp>
+    </p:spTree>
+  </p:cSld>
+  <p:clrMapOvr>
+    <a:masterClrMapping/>
+  </p:clrMapOvr>
+  <p:transition>
+    <p:push dir="u"/>
+  </p:transition>
+</p:sld>
+</file>
+
+<file path=ppt/slides/slide16.xml><?xml version="1.0" encoding="utf-8"?>
+<p:sld xmlns:a="http://schemas.openxmlformats.org/drawingml/2006/main" xmlns:r="http://schemas.openxmlformats.org/officeDocument/2006/relationships" xmlns:p="http://schemas.openxmlformats.org/presentationml/2006/main">
+  <p:cSld>
+    <p:spTree>
+      <p:nvGrpSpPr>
+        <p:cNvPr id="1" name=""/>
+        <p:cNvGrpSpPr/>
+        <p:nvPr/>
+      </p:nvGrpSpPr>
+      <p:grpSpPr>
+        <a:xfrm>
+          <a:off x="0" y="0"/>
+          <a:ext cx="0" cy="0"/>
+          <a:chOff x="0" y="0"/>
+          <a:chExt cx="0" cy="0"/>
+        </a:xfrm>
+      </p:grpSpPr>
+      <p:pic>
+        <p:nvPicPr>
+          <p:cNvPr id="30" name="图形 29"/>
+          <p:cNvPicPr>
+            <a:picLocks noChangeAspect="1"/>
+          </p:cNvPicPr>
+          <p:nvPr/>
+        </p:nvPicPr>
+        <p:blipFill>
+          <a:blip r:embed="rId1"/>
+          <a:stretch>
+            <a:fillRect/>
+          </a:stretch>
+        </p:blipFill>
+        <p:spPr>
+          <a:xfrm>
+            <a:off x="0" y="-1"/>
+            <a:ext cx="12192000" cy="6859051"/>
+          </a:xfrm>
+          <a:prstGeom prst="rect">
+            <a:avLst/>
+          </a:prstGeom>
+        </p:spPr>
+      </p:pic>
+      <p:pic>
+        <p:nvPicPr>
+          <p:cNvPr id="32" name="图形 31"/>
+          <p:cNvPicPr>
+            <a:picLocks noChangeAspect="1"/>
+          </p:cNvPicPr>
+          <p:nvPr/>
+        </p:nvPicPr>
+        <p:blipFill>
+          <a:blip r:embed="rId2"/>
           <a:stretch>
             <a:fillRect/>
           </a:stretch>
@@ -8821,7 +9386,7 @@
           <p:nvPr/>
         </p:nvPicPr>
         <p:blipFill>
-          <a:blip r:embed="rId5"/>
+          <a:blip r:embed="rId3"/>
           <a:stretch>
             <a:fillRect/>
           </a:stretch>
@@ -8845,7 +9410,7 @@
           <p:nvPr/>
         </p:nvPicPr>
         <p:blipFill>
-          <a:blip r:embed="rId6"/>
+          <a:blip r:embed="rId4"/>
           <a:stretch>
             <a:fillRect/>
           </a:stretch>
@@ -8929,6 +9494,14 @@
               </a:rPr>
               <a:t>谢谢老师 期待您的指正</a:t>
             </a:r>
+            <a:endParaRPr lang="zh-CN" altLang="en-US" sz="5200" b="1" dirty="0">
+              <a:solidFill>
+                <a:srgbClr val="003462"/>
+              </a:solidFill>
+              <a:latin typeface="楷体" panose="02010609060101010101" charset="-122"/>
+              <a:ea typeface="楷体" panose="02010609060101010101" charset="-122"/>
+              <a:cs typeface="楷体" panose="02010609060101010101" charset="-122"/>
+            </a:endParaRPr>
           </a:p>
         </p:txBody>
       </p:sp>
@@ -8977,12 +9550,12 @@
           </p:cNvPicPr>
           <p:nvPr>
             <p:custDataLst>
-              <p:tags r:id="rId1"/>
+              <p:tags r:id="rId5"/>
             </p:custDataLst>
           </p:nvPr>
         </p:nvPicPr>
         <p:blipFill>
-          <a:blip r:embed="rId7" cstate="print">
+          <a:blip r:embed="rId6" cstate="print">
             <a:extLst>
               <a:ext uri="{28A0092B-C50C-407E-A947-70E740481C1C}">
                 <a14:useLocalDpi xmlns:a14="http://schemas.microsoft.com/office/drawing/2010/main" val="0"/>
@@ -9008,18 +9581,9 @@
   <p:clrMapOvr>
     <a:masterClrMapping/>
   </p:clrMapOvr>
-  <mc:AlternateContent xmlns:mc="http://schemas.openxmlformats.org/markup-compatibility/2006" xmlns:p14="http://schemas.microsoft.com/office/powerpoint/2010/main">
-    <mc:Choice Requires="p14">
-      <p:transition>
-        <p:push dir="u"/>
-      </p:transition>
-    </mc:Choice>
-    <mc:Fallback xmlns="">
-      <p:transition>
-        <p:push dir="u"/>
-      </p:transition>
-    </mc:Fallback>
-  </mc:AlternateContent>
+  <p:transition>
+    <p:push dir="u"/>
+  </p:transition>
 </p:sld>
 </file>
 
@@ -9049,10 +9613,10 @@
           <p:nvPr/>
         </p:nvPicPr>
         <p:blipFill>
-          <a:blip r:embed="rId14">
+          <a:blip r:embed="rId1">
             <a:extLst>
               <a:ext uri="{96DAC541-7B7A-43D3-8B79-37D633B846F1}">
-                <asvg:svgBlip xmlns:asvg="http://schemas.microsoft.com/office/drawing/2016/SVG/main" r:embed="rId15"/>
+                <asvg:svgBlip xmlns:asvg="http://schemas.microsoft.com/office/drawing/2016/SVG/main" r:embed="rId2"/>
               </a:ext>
             </a:extLst>
           </a:blip>
@@ -9079,10 +9643,10 @@
           <p:nvPr/>
         </p:nvPicPr>
         <p:blipFill>
-          <a:blip r:embed="rId16">
+          <a:blip r:embed="rId3">
             <a:extLst>
               <a:ext uri="{96DAC541-7B7A-43D3-8B79-37D633B846F1}">
-                <asvg:svgBlip xmlns:asvg="http://schemas.microsoft.com/office/drawing/2016/SVG/main" r:embed="rId17"/>
+                <asvg:svgBlip xmlns:asvg="http://schemas.microsoft.com/office/drawing/2016/SVG/main" r:embed="rId4"/>
               </a:ext>
             </a:extLst>
           </a:blip>
@@ -9109,10 +9673,10 @@
           <p:nvPr/>
         </p:nvPicPr>
         <p:blipFill>
-          <a:blip r:embed="rId18">
+          <a:blip r:embed="rId5">
             <a:extLst>
               <a:ext uri="{96DAC541-7B7A-43D3-8B79-37D633B846F1}">
-                <asvg:svgBlip xmlns:asvg="http://schemas.microsoft.com/office/drawing/2016/SVG/main" r:embed="rId19"/>
+                <asvg:svgBlip xmlns:asvg="http://schemas.microsoft.com/office/drawing/2016/SVG/main" r:embed="rId6"/>
               </a:ext>
             </a:extLst>
           </a:blip>
@@ -9139,10 +9703,10 @@
           <p:nvPr/>
         </p:nvPicPr>
         <p:blipFill>
-          <a:blip r:embed="rId20">
+          <a:blip r:embed="rId7">
             <a:extLst>
               <a:ext uri="{96DAC541-7B7A-43D3-8B79-37D633B846F1}">
-                <asvg:svgBlip xmlns:asvg="http://schemas.microsoft.com/office/drawing/2016/SVG/main" r:embed="rId21"/>
+                <asvg:svgBlip xmlns:asvg="http://schemas.microsoft.com/office/drawing/2016/SVG/main" r:embed="rId8"/>
               </a:ext>
             </a:extLst>
           </a:blip>
@@ -9207,6 +9771,13 @@
                 </a:rPr>
                 <a:t>目录</a:t>
               </a:r>
+              <a:endParaRPr lang="zh-CN" altLang="en-US" sz="6000" b="1" dirty="0">
+                <a:solidFill>
+                  <a:srgbClr val="003F76"/>
+                </a:solidFill>
+                <a:latin typeface="宋体" panose="02010600030101010101" pitchFamily="2" charset="-122"/>
+                <a:ea typeface="宋体" panose="02010600030101010101" pitchFamily="2" charset="-122"/>
+              </a:endParaRPr>
             </a:p>
           </p:txBody>
         </p:sp>
@@ -9252,7 +9823,7 @@
           <p:cNvSpPr/>
           <p:nvPr>
             <p:custDataLst>
-              <p:tags r:id="rId1"/>
+              <p:tags r:id="rId9"/>
             </p:custDataLst>
           </p:nvPr>
         </p:nvSpPr>
@@ -9303,7 +9874,7 @@
           <p:cNvSpPr txBox="1"/>
           <p:nvPr>
             <p:custDataLst>
-              <p:tags r:id="rId2"/>
+              <p:tags r:id="rId10"/>
             </p:custDataLst>
           </p:nvPr>
         </p:nvSpPr>
@@ -9335,6 +9906,14 @@
               </a:rPr>
               <a:t>01</a:t>
             </a:r>
+            <a:endParaRPr lang="en-US" altLang="zh-CN" sz="2600" b="1" dirty="0">
+              <a:solidFill>
+                <a:schemeClr val="bg1"/>
+              </a:solidFill>
+              <a:latin typeface="Times New Roman" panose="02020603050405020304" charset="0"/>
+              <a:ea typeface="宋体" panose="02010600030101010101" pitchFamily="2" charset="-122"/>
+              <a:cs typeface="Times New Roman" panose="02020603050405020304" charset="0"/>
+            </a:endParaRPr>
           </a:p>
         </p:txBody>
       </p:sp>
@@ -9344,7 +9923,7 @@
           <p:cNvSpPr txBox="1"/>
           <p:nvPr>
             <p:custDataLst>
-              <p:tags r:id="rId3"/>
+              <p:tags r:id="rId11"/>
             </p:custDataLst>
           </p:nvPr>
         </p:nvSpPr>
@@ -9371,6 +9950,10 @@
               </a:rPr>
               <a:t>选题的背景与意义</a:t>
             </a:r>
+            <a:endParaRPr lang="zh-CN" altLang="en-US" sz="2800" b="1" dirty="0">
+              <a:latin typeface="Times New Roman" panose="02020603050405020304" charset="0"/>
+              <a:ea typeface="宋体" panose="02010600030101010101" pitchFamily="2" charset="-122"/>
+            </a:endParaRPr>
           </a:p>
         </p:txBody>
       </p:sp>
@@ -9380,7 +9963,7 @@
           <p:cNvSpPr txBox="1"/>
           <p:nvPr>
             <p:custDataLst>
-              <p:tags r:id="rId4"/>
+              <p:tags r:id="rId12"/>
             </p:custDataLst>
           </p:nvPr>
         </p:nvSpPr>
@@ -9416,6 +9999,11 @@
               </a:rPr>
               <a:t>the project</a:t>
             </a:r>
+            <a:endParaRPr lang="en-US" altLang="zh-CN" sz="1600" b="1" dirty="0">
+              <a:latin typeface="Times New Roman" panose="02020603050405020304" charset="0"/>
+              <a:ea typeface="宋体" panose="02010600030101010101" pitchFamily="2" charset="-122"/>
+              <a:cs typeface="Times New Roman" panose="02020603050405020304" charset="0"/>
+            </a:endParaRPr>
           </a:p>
         </p:txBody>
       </p:sp>
@@ -9425,7 +10013,7 @@
           <p:cNvSpPr/>
           <p:nvPr>
             <p:custDataLst>
-              <p:tags r:id="rId5"/>
+              <p:tags r:id="rId13"/>
             </p:custDataLst>
           </p:nvPr>
         </p:nvSpPr>
@@ -9476,7 +10064,7 @@
           <p:cNvSpPr txBox="1"/>
           <p:nvPr>
             <p:custDataLst>
-              <p:tags r:id="rId6"/>
+              <p:tags r:id="rId14"/>
             </p:custDataLst>
           </p:nvPr>
         </p:nvSpPr>
@@ -9516,6 +10104,11 @@
               </a:rPr>
               <a:t>02</a:t>
             </a:r>
+            <a:endParaRPr lang="en-US" altLang="zh-CN" dirty="0">
+              <a:latin typeface="Times New Roman" panose="02020603050405020304" charset="0"/>
+              <a:ea typeface="宋体" panose="02010600030101010101" pitchFamily="2" charset="-122"/>
+              <a:cs typeface="Times New Roman" panose="02020603050405020304" charset="0"/>
+            </a:endParaRPr>
           </a:p>
         </p:txBody>
       </p:sp>
@@ -9525,7 +10118,7 @@
           <p:cNvSpPr txBox="1"/>
           <p:nvPr>
             <p:custDataLst>
-              <p:tags r:id="rId7"/>
+              <p:tags r:id="rId15"/>
             </p:custDataLst>
           </p:nvPr>
         </p:nvSpPr>
@@ -9552,6 +10145,10 @@
               </a:rPr>
               <a:t>技术路线</a:t>
             </a:r>
+            <a:endParaRPr lang="zh-CN" altLang="en-US" sz="2800" b="1" dirty="0">
+              <a:latin typeface="Times New Roman" panose="02020603050405020304" charset="0"/>
+              <a:ea typeface="宋体" panose="02010600030101010101" pitchFamily="2" charset="-122"/>
+            </a:endParaRPr>
           </a:p>
         </p:txBody>
       </p:sp>
@@ -9561,7 +10158,7 @@
           <p:cNvSpPr txBox="1"/>
           <p:nvPr>
             <p:custDataLst>
-              <p:tags r:id="rId8"/>
+              <p:tags r:id="rId16"/>
             </p:custDataLst>
           </p:nvPr>
         </p:nvSpPr>
@@ -9589,6 +10186,11 @@
               </a:rPr>
               <a:t>Technology roadmap</a:t>
             </a:r>
+            <a:endParaRPr lang="en-US" altLang="zh-CN" sz="1600" b="1" dirty="0">
+              <a:latin typeface="Times New Roman" panose="02020603050405020304" charset="0"/>
+              <a:ea typeface="宋体" panose="02010600030101010101" pitchFamily="2" charset="-122"/>
+              <a:cs typeface="Times New Roman" panose="02020603050405020304" charset="0"/>
+            </a:endParaRPr>
           </a:p>
         </p:txBody>
       </p:sp>
@@ -9598,7 +10200,7 @@
           <p:cNvSpPr/>
           <p:nvPr>
             <p:custDataLst>
-              <p:tags r:id="rId9"/>
+              <p:tags r:id="rId17"/>
             </p:custDataLst>
           </p:nvPr>
         </p:nvSpPr>
@@ -9649,7 +10251,7 @@
           <p:cNvSpPr txBox="1"/>
           <p:nvPr>
             <p:custDataLst>
-              <p:tags r:id="rId10"/>
+              <p:tags r:id="rId18"/>
             </p:custDataLst>
           </p:nvPr>
         </p:nvSpPr>
@@ -9689,6 +10291,11 @@
               </a:rPr>
               <a:t>03</a:t>
             </a:r>
+            <a:endParaRPr lang="en-US" altLang="zh-CN" dirty="0">
+              <a:latin typeface="Times New Roman" panose="02020603050405020304" charset="0"/>
+              <a:ea typeface="宋体" panose="02010600030101010101" pitchFamily="2" charset="-122"/>
+              <a:cs typeface="Times New Roman" panose="02020603050405020304" charset="0"/>
+            </a:endParaRPr>
           </a:p>
         </p:txBody>
       </p:sp>
@@ -9698,7 +10305,7 @@
           <p:cNvSpPr txBox="1"/>
           <p:nvPr>
             <p:custDataLst>
-              <p:tags r:id="rId11"/>
+              <p:tags r:id="rId19"/>
             </p:custDataLst>
           </p:nvPr>
         </p:nvSpPr>
@@ -9725,6 +10332,10 @@
               </a:rPr>
               <a:t>结果展示</a:t>
             </a:r>
+            <a:endParaRPr lang="zh-CN" altLang="en-US" sz="2800" b="1" dirty="0">
+              <a:latin typeface="Times New Roman" panose="02020603050405020304" charset="0"/>
+              <a:ea typeface="宋体" panose="02010600030101010101" pitchFamily="2" charset="-122"/>
+            </a:endParaRPr>
           </a:p>
         </p:txBody>
       </p:sp>
@@ -9734,7 +10345,7 @@
           <p:cNvSpPr txBox="1"/>
           <p:nvPr>
             <p:custDataLst>
-              <p:tags r:id="rId12"/>
+              <p:tags r:id="rId20"/>
             </p:custDataLst>
           </p:nvPr>
         </p:nvSpPr>
@@ -9762,6 +10373,11 @@
               </a:rPr>
               <a:t>Result display</a:t>
             </a:r>
+            <a:endParaRPr lang="en-US" altLang="zh-CN" sz="1600" b="1" dirty="0">
+              <a:latin typeface="Times New Roman" panose="02020603050405020304" charset="0"/>
+              <a:ea typeface="宋体" panose="02010600030101010101" pitchFamily="2" charset="-122"/>
+              <a:cs typeface="Times New Roman" panose="02020603050405020304" charset="0"/>
+            </a:endParaRPr>
           </a:p>
         </p:txBody>
       </p:sp>
@@ -9877,18 +10493,9 @@
   <p:clrMapOvr>
     <a:masterClrMapping/>
   </p:clrMapOvr>
-  <mc:AlternateContent xmlns:mc="http://schemas.openxmlformats.org/markup-compatibility/2006" xmlns:p14="http://schemas.microsoft.com/office/powerpoint/2010/main">
-    <mc:Choice Requires="p14">
-      <p:transition>
-        <p:push dir="u"/>
-      </p:transition>
-    </mc:Choice>
-    <mc:Fallback xmlns="">
-      <p:transition>
-        <p:push dir="u"/>
-      </p:transition>
-    </mc:Fallback>
-  </mc:AlternateContent>
+  <p:transition>
+    <p:push dir="u"/>
+  </p:transition>
 </p:sld>
 </file>
 
@@ -9918,10 +10525,10 @@
           <p:nvPr/>
         </p:nvPicPr>
         <p:blipFill>
-          <a:blip r:embed="rId2">
+          <a:blip r:embed="rId1">
             <a:extLst>
               <a:ext uri="{96DAC541-7B7A-43D3-8B79-37D633B846F1}">
-                <asvg:svgBlip xmlns:asvg="http://schemas.microsoft.com/office/drawing/2016/SVG/main" r:embed="rId3"/>
+                <asvg:svgBlip xmlns:asvg="http://schemas.microsoft.com/office/drawing/2016/SVG/main" r:embed="rId2"/>
               </a:ext>
             </a:extLst>
           </a:blip>
@@ -9948,10 +10555,10 @@
           <p:nvPr/>
         </p:nvPicPr>
         <p:blipFill>
-          <a:blip r:embed="rId4">
+          <a:blip r:embed="rId3">
             <a:extLst>
               <a:ext uri="{96DAC541-7B7A-43D3-8B79-37D633B846F1}">
-                <asvg:svgBlip xmlns:asvg="http://schemas.microsoft.com/office/drawing/2016/SVG/main" r:embed="rId5"/>
+                <asvg:svgBlip xmlns:asvg="http://schemas.microsoft.com/office/drawing/2016/SVG/main" r:embed="rId4"/>
               </a:ext>
             </a:extLst>
           </a:blip>
@@ -9978,10 +10585,10 @@
           <p:nvPr/>
         </p:nvPicPr>
         <p:blipFill>
-          <a:blip r:embed="rId6">
+          <a:blip r:embed="rId5">
             <a:extLst>
               <a:ext uri="{96DAC541-7B7A-43D3-8B79-37D633B846F1}">
-                <asvg:svgBlip xmlns:asvg="http://schemas.microsoft.com/office/drawing/2016/SVG/main" r:embed="rId7"/>
+                <asvg:svgBlip xmlns:asvg="http://schemas.microsoft.com/office/drawing/2016/SVG/main" r:embed="rId6"/>
               </a:ext>
             </a:extLst>
           </a:blip>
@@ -10008,10 +10615,10 @@
           <p:nvPr/>
         </p:nvPicPr>
         <p:blipFill>
-          <a:blip r:embed="rId8">
+          <a:blip r:embed="rId7">
             <a:extLst>
               <a:ext uri="{96DAC541-7B7A-43D3-8B79-37D633B846F1}">
-                <asvg:svgBlip xmlns:asvg="http://schemas.microsoft.com/office/drawing/2016/SVG/main" r:embed="rId9"/>
+                <asvg:svgBlip xmlns:asvg="http://schemas.microsoft.com/office/drawing/2016/SVG/main" r:embed="rId8"/>
               </a:ext>
             </a:extLst>
           </a:blip>
@@ -11404,6 +12011,10 @@
               </a:rPr>
               <a:t>项目背景和意义</a:t>
             </a:r>
+            <a:endParaRPr lang="zh-CN" altLang="en-US" sz="5400" b="1" dirty="0">
+              <a:latin typeface="楷体" panose="02010609060101010101" charset="-122"/>
+              <a:ea typeface="楷体" panose="02010609060101010101" charset="-122"/>
+            </a:endParaRPr>
           </a:p>
         </p:txBody>
       </p:sp>
@@ -11454,6 +12065,10 @@
               </a:rPr>
               <a:t>project</a:t>
             </a:r>
+            <a:endParaRPr lang="en-US" altLang="zh-CN" sz="1800" b="1" dirty="0">
+              <a:latin typeface="Times New Roman" panose="02020603050405020304" charset="0"/>
+              <a:cs typeface="Times New Roman" panose="02020603050405020304" charset="0"/>
+            </a:endParaRPr>
           </a:p>
         </p:txBody>
       </p:sp>
@@ -11604,18 +12219,9 @@
   <p:clrMapOvr>
     <a:masterClrMapping/>
   </p:clrMapOvr>
-  <mc:AlternateContent xmlns:mc="http://schemas.openxmlformats.org/markup-compatibility/2006" xmlns:p14="http://schemas.microsoft.com/office/powerpoint/2010/main">
-    <mc:Choice Requires="p14">
-      <p:transition>
-        <p:push dir="u"/>
-      </p:transition>
-    </mc:Choice>
-    <mc:Fallback xmlns="">
-      <p:transition>
-        <p:push dir="u"/>
-      </p:transition>
-    </mc:Fallback>
-  </mc:AlternateContent>
+  <p:transition>
+    <p:push dir="u"/>
+  </p:transition>
 </p:sld>
 </file>
 
@@ -11645,10 +12251,10 @@
           <p:nvPr/>
         </p:nvPicPr>
         <p:blipFill>
-          <a:blip r:embed="rId2">
+          <a:blip r:embed="rId1">
             <a:extLst>
               <a:ext uri="{96DAC541-7B7A-43D3-8B79-37D633B846F1}">
-                <asvg:svgBlip xmlns:asvg="http://schemas.microsoft.com/office/drawing/2016/SVG/main" r:embed="rId3"/>
+                <asvg:svgBlip xmlns:asvg="http://schemas.microsoft.com/office/drawing/2016/SVG/main" r:embed="rId2"/>
               </a:ext>
             </a:extLst>
           </a:blip>
@@ -11675,10 +12281,10 @@
           <p:nvPr/>
         </p:nvPicPr>
         <p:blipFill>
-          <a:blip r:embed="rId4">
+          <a:blip r:embed="rId3">
             <a:extLst>
               <a:ext uri="{96DAC541-7B7A-43D3-8B79-37D633B846F1}">
-                <asvg:svgBlip xmlns:asvg="http://schemas.microsoft.com/office/drawing/2016/SVG/main" r:embed="rId5"/>
+                <asvg:svgBlip xmlns:asvg="http://schemas.microsoft.com/office/drawing/2016/SVG/main" r:embed="rId4"/>
               </a:ext>
             </a:extLst>
           </a:blip>
@@ -11705,10 +12311,10 @@
           <p:nvPr/>
         </p:nvPicPr>
         <p:blipFill>
-          <a:blip r:embed="rId6">
+          <a:blip r:embed="rId5">
             <a:extLst>
               <a:ext uri="{96DAC541-7B7A-43D3-8B79-37D633B846F1}">
-                <asvg:svgBlip xmlns:asvg="http://schemas.microsoft.com/office/drawing/2016/SVG/main" r:embed="rId7"/>
+                <asvg:svgBlip xmlns:asvg="http://schemas.microsoft.com/office/drawing/2016/SVG/main" r:embed="rId6"/>
               </a:ext>
             </a:extLst>
           </a:blip>
@@ -11735,10 +12341,10 @@
           <p:nvPr/>
         </p:nvPicPr>
         <p:blipFill>
-          <a:blip r:embed="rId8">
+          <a:blip r:embed="rId7">
             <a:extLst>
               <a:ext uri="{96DAC541-7B7A-43D3-8B79-37D633B846F1}">
-                <asvg:svgBlip xmlns:asvg="http://schemas.microsoft.com/office/drawing/2016/SVG/main" r:embed="rId9"/>
+                <asvg:svgBlip xmlns:asvg="http://schemas.microsoft.com/office/drawing/2016/SVG/main" r:embed="rId8"/>
               </a:ext>
             </a:extLst>
           </a:blip>
@@ -11799,6 +12405,13 @@
               </a:rPr>
               <a:t>项目背景</a:t>
             </a:r>
+            <a:endParaRPr lang="zh-CN" altLang="en-US" sz="4800" dirty="0">
+              <a:solidFill>
+                <a:srgbClr val="003462"/>
+              </a:solidFill>
+              <a:latin typeface="楷体" panose="02010609060101010101" charset="-122"/>
+              <a:ea typeface="楷体" panose="02010609060101010101" charset="-122"/>
+            </a:endParaRPr>
           </a:p>
         </p:txBody>
       </p:sp>
@@ -11839,6 +12452,14 @@
               </a:rPr>
               <a:t>1. 数据量激增：随着数据量的指数级增长，特别是在新闻行业，对有效管理和利用这些信息的需求日益增加。知识图谱作为一种组织复杂数据关系的方法，可以帮助更好地理解和利用这些数据。</a:t>
             </a:r>
+            <a:endParaRPr dirty="0">
+              <a:solidFill>
+                <a:srgbClr val="003462"/>
+              </a:solidFill>
+              <a:latin typeface="楷体" panose="02010609060101010101" charset="-122"/>
+              <a:ea typeface="楷体" panose="02010609060101010101" charset="-122"/>
+              <a:cs typeface="楷体" panose="02010609060101010101" charset="-122"/>
+            </a:endParaRPr>
           </a:p>
           <a:p>
             <a:pPr>
@@ -11857,6 +12478,14 @@
               </a:rPr>
               <a:t>2. 信息提取与组织需求：新闻文本包含丰富的信息，如事件、人物、地点和时间等。通过自动化技术提取这些信息并有效组织成图谱，可以加速信息检索和分析过程，支持更深入的数据洞察。</a:t>
             </a:r>
+            <a:endParaRPr dirty="0">
+              <a:solidFill>
+                <a:srgbClr val="003462"/>
+              </a:solidFill>
+              <a:latin typeface="楷体" panose="02010609060101010101" charset="-122"/>
+              <a:ea typeface="楷体" panose="02010609060101010101" charset="-122"/>
+              <a:cs typeface="楷体" panose="02010609060101010101" charset="-122"/>
+            </a:endParaRPr>
           </a:p>
           <a:p>
             <a:pPr>
@@ -11908,6 +12537,14 @@
               </a:rPr>
               <a:t>。</a:t>
             </a:r>
+            <a:endParaRPr sz="1600" dirty="0">
+              <a:solidFill>
+                <a:srgbClr val="003462"/>
+              </a:solidFill>
+              <a:latin typeface="楷体" panose="02010609060101010101" charset="-122"/>
+              <a:ea typeface="楷体" panose="02010609060101010101" charset="-122"/>
+              <a:cs typeface="楷体" panose="02010609060101010101" charset="-122"/>
+            </a:endParaRPr>
           </a:p>
         </p:txBody>
       </p:sp>
@@ -12023,18 +12660,9 @@
   <p:clrMapOvr>
     <a:masterClrMapping/>
   </p:clrMapOvr>
-  <mc:AlternateContent xmlns:mc="http://schemas.openxmlformats.org/markup-compatibility/2006" xmlns:p14="http://schemas.microsoft.com/office/powerpoint/2010/main">
-    <mc:Choice Requires="p14">
-      <p:transition>
-        <p:push dir="u"/>
-      </p:transition>
-    </mc:Choice>
-    <mc:Fallback xmlns="">
-      <p:transition>
-        <p:push dir="u"/>
-      </p:transition>
-    </mc:Fallback>
-  </mc:AlternateContent>
+  <p:transition>
+    <p:push dir="u"/>
+  </p:transition>
 </p:sld>
 </file>
 
@@ -12064,7 +12692,7 @@
           <p:nvPr/>
         </p:nvPicPr>
         <p:blipFill>
-          <a:blip r:embed="rId41"/>
+          <a:blip r:embed="rId1"/>
           <a:stretch>
             <a:fillRect/>
           </a:stretch>
@@ -12088,7 +12716,7 @@
           <p:nvPr/>
         </p:nvPicPr>
         <p:blipFill>
-          <a:blip r:embed="rId42"/>
+          <a:blip r:embed="rId2"/>
           <a:stretch>
             <a:fillRect/>
           </a:stretch>
@@ -12109,7 +12737,7 @@
           <p:cNvSpPr/>
           <p:nvPr>
             <p:custDataLst>
-              <p:tags r:id="rId1"/>
+              <p:tags r:id="rId3"/>
             </p:custDataLst>
           </p:nvPr>
         </p:nvSpPr>
@@ -12356,9 +12984,7 @@
             <a:noAutofit/>
           </a:bodyPr>
           <a:lstStyle/>
-          <a:p>
-            <a:endParaRPr/>
-          </a:p>
+          <a:p/>
         </p:txBody>
       </p:sp>
       <p:sp>
@@ -12367,7 +12993,7 @@
           <p:cNvSpPr/>
           <p:nvPr>
             <p:custDataLst>
-              <p:tags r:id="rId2"/>
+              <p:tags r:id="rId4"/>
             </p:custDataLst>
           </p:nvPr>
         </p:nvSpPr>
@@ -12651,7 +13277,7 @@
           <p:cNvSpPr/>
           <p:nvPr>
             <p:custDataLst>
-              <p:tags r:id="rId3"/>
+              <p:tags r:id="rId5"/>
             </p:custDataLst>
           </p:nvPr>
         </p:nvSpPr>
@@ -12806,7 +13432,7 @@
           <p:cNvSpPr/>
           <p:nvPr>
             <p:custDataLst>
-              <p:tags r:id="rId4"/>
+              <p:tags r:id="rId6"/>
             </p:custDataLst>
           </p:nvPr>
         </p:nvSpPr>
@@ -13092,7 +13718,7 @@
           <p:cNvSpPr/>
           <p:nvPr>
             <p:custDataLst>
-              <p:tags r:id="rId5"/>
+              <p:tags r:id="rId7"/>
             </p:custDataLst>
           </p:nvPr>
         </p:nvSpPr>
@@ -13247,7 +13873,7 @@
           <p:cNvSpPr/>
           <p:nvPr>
             <p:custDataLst>
-              <p:tags r:id="rId6"/>
+              <p:tags r:id="rId8"/>
             </p:custDataLst>
           </p:nvPr>
         </p:nvSpPr>
@@ -13531,7 +14157,7 @@
           <p:cNvSpPr/>
           <p:nvPr>
             <p:custDataLst>
-              <p:tags r:id="rId7"/>
+              <p:tags r:id="rId9"/>
             </p:custDataLst>
           </p:nvPr>
         </p:nvSpPr>
@@ -13686,7 +14312,7 @@
           <p:cNvSpPr/>
           <p:nvPr>
             <p:custDataLst>
-              <p:tags r:id="rId8"/>
+              <p:tags r:id="rId10"/>
             </p:custDataLst>
           </p:nvPr>
         </p:nvSpPr>
@@ -13970,7 +14596,7 @@
           <p:cNvSpPr/>
           <p:nvPr>
             <p:custDataLst>
-              <p:tags r:id="rId9"/>
+              <p:tags r:id="rId11"/>
             </p:custDataLst>
           </p:nvPr>
         </p:nvSpPr>
@@ -14125,7 +14751,7 @@
           <p:cNvGrpSpPr/>
           <p:nvPr>
             <p:custDataLst>
-              <p:tags r:id="rId10"/>
+              <p:tags r:id="rId12"/>
             </p:custDataLst>
           </p:nvPr>
         </p:nvGrpSpPr>
@@ -14146,7 +14772,7 @@
             <p:cNvSpPr/>
             <p:nvPr>
               <p:custDataLst>
-                <p:tags r:id="rId38"/>
+                <p:tags r:id="rId13"/>
               </p:custDataLst>
             </p:nvPr>
           </p:nvSpPr>
@@ -14230,7 +14856,7 @@
             <p:cNvSpPr/>
             <p:nvPr>
               <p:custDataLst>
-                <p:tags r:id="rId39"/>
+                <p:tags r:id="rId14"/>
               </p:custDataLst>
             </p:nvPr>
           </p:nvSpPr>
@@ -14312,7 +14938,7 @@
           <p:cNvGrpSpPr/>
           <p:nvPr>
             <p:custDataLst>
-              <p:tags r:id="rId11"/>
+              <p:tags r:id="rId15"/>
             </p:custDataLst>
           </p:nvPr>
         </p:nvGrpSpPr>
@@ -14333,7 +14959,7 @@
             <p:cNvSpPr/>
             <p:nvPr>
               <p:custDataLst>
-                <p:tags r:id="rId36"/>
+                <p:tags r:id="rId16"/>
               </p:custDataLst>
             </p:nvPr>
           </p:nvSpPr>
@@ -14443,7 +15069,7 @@
             <p:cNvSpPr/>
             <p:nvPr>
               <p:custDataLst>
-                <p:tags r:id="rId37"/>
+                <p:tags r:id="rId17"/>
               </p:custDataLst>
             </p:nvPr>
           </p:nvSpPr>
@@ -14629,7 +15255,7 @@
           <p:cNvGrpSpPr/>
           <p:nvPr>
             <p:custDataLst>
-              <p:tags r:id="rId12"/>
+              <p:tags r:id="rId18"/>
             </p:custDataLst>
           </p:nvPr>
         </p:nvGrpSpPr>
@@ -14650,7 +15276,7 @@
             <p:cNvSpPr/>
             <p:nvPr>
               <p:custDataLst>
-                <p:tags r:id="rId34"/>
+                <p:tags r:id="rId19"/>
               </p:custDataLst>
             </p:nvPr>
           </p:nvSpPr>
@@ -14745,7 +15371,7 @@
             <p:cNvSpPr/>
             <p:nvPr>
               <p:custDataLst>
-                <p:tags r:id="rId35"/>
+                <p:tags r:id="rId20"/>
               </p:custDataLst>
             </p:nvPr>
           </p:nvSpPr>
@@ -14911,7 +15537,7 @@
           <p:cNvGrpSpPr/>
           <p:nvPr>
             <p:custDataLst>
-              <p:tags r:id="rId13"/>
+              <p:tags r:id="rId21"/>
             </p:custDataLst>
           </p:nvPr>
         </p:nvGrpSpPr>
@@ -14932,7 +15558,7 @@
             <p:cNvSpPr/>
             <p:nvPr>
               <p:custDataLst>
-                <p:tags r:id="rId30"/>
+                <p:tags r:id="rId22"/>
               </p:custDataLst>
             </p:nvPr>
           </p:nvSpPr>
@@ -14967,7 +15593,7 @@
             <p:cNvSpPr/>
             <p:nvPr>
               <p:custDataLst>
-                <p:tags r:id="rId31"/>
+                <p:tags r:id="rId23"/>
               </p:custDataLst>
             </p:nvPr>
           </p:nvSpPr>
@@ -15002,7 +15628,7 @@
             <p:cNvSpPr/>
             <p:nvPr>
               <p:custDataLst>
-                <p:tags r:id="rId32"/>
+                <p:tags r:id="rId24"/>
               </p:custDataLst>
             </p:nvPr>
           </p:nvSpPr>
@@ -15037,7 +15663,7 @@
             <p:cNvSpPr/>
             <p:nvPr>
               <p:custDataLst>
-                <p:tags r:id="rId33"/>
+                <p:tags r:id="rId25"/>
               </p:custDataLst>
             </p:nvPr>
           </p:nvSpPr>
@@ -15144,7 +15770,7 @@
           <p:cNvGrpSpPr/>
           <p:nvPr>
             <p:custDataLst>
-              <p:tags r:id="rId14"/>
+              <p:tags r:id="rId26"/>
             </p:custDataLst>
           </p:nvPr>
         </p:nvGrpSpPr>
@@ -15340,6 +15966,13 @@
                   </a:rPr>
                   <a:t>提高信息处理效率</a:t>
                 </a:r>
+                <a:endParaRPr lang="zh-CN" altLang="en-US" b="1" dirty="0">
+                  <a:solidFill>
+                    <a:srgbClr val="003F76"/>
+                  </a:solidFill>
+                  <a:ea typeface="+mn-lt"/>
+                  <a:cs typeface="文泉驿等宽微米黑" panose="020B0606030804020204" pitchFamily="34" charset="-122"/>
+                </a:endParaRPr>
               </a:p>
             </p:txBody>
           </p:sp>
@@ -15398,6 +16031,17 @@
                   </a:rPr>
                   <a:t>构建知识图谱，可以快速从大量新闻文本中提取关键信息，提高了数据处理的速度和效率，用户能够更快获得和利用信息</a:t>
                 </a:r>
+                <a:endParaRPr lang="zh-CN" altLang="en-US" sz="1400" dirty="0">
+                  <a:solidFill>
+                    <a:schemeClr val="tx1">
+                      <a:lumMod val="85000"/>
+                      <a:lumOff val="15000"/>
+                    </a:schemeClr>
+                  </a:solidFill>
+                  <a:latin typeface="楷体" panose="02010609060101010101" charset="-122"/>
+                  <a:ea typeface="楷体" panose="02010609060101010101" charset="-122"/>
+                  <a:cs typeface="文泉驿等宽微米黑" panose="020B0606030804020204" pitchFamily="34" charset="-122"/>
+                </a:endParaRPr>
               </a:p>
             </p:txBody>
           </p:sp>
@@ -15409,7 +16053,7 @@
           <p:cNvGrpSpPr/>
           <p:nvPr>
             <p:custDataLst>
-              <p:tags r:id="rId15"/>
+              <p:tags r:id="rId30"/>
             </p:custDataLst>
           </p:nvPr>
         </p:nvGrpSpPr>
@@ -15427,7 +16071,7 @@
             <p:cNvCxnSpPr/>
             <p:nvPr>
               <p:custDataLst>
-                <p:tags r:id="rId24"/>
+                <p:tags r:id="rId31"/>
               </p:custDataLst>
             </p:nvPr>
           </p:nvCxnSpPr>
@@ -15480,7 +16124,7 @@
               <p:cNvSpPr txBox="1"/>
               <p:nvPr>
                 <p:custDataLst>
-                  <p:tags r:id="rId25"/>
+                  <p:tags r:id="rId32"/>
                 </p:custDataLst>
               </p:nvPr>
             </p:nvSpPr>
@@ -15605,6 +16249,13 @@
                   </a:rPr>
                   <a:t>增强数据可查询性</a:t>
                 </a:r>
+                <a:endParaRPr lang="zh-CN" altLang="en-US" b="1" dirty="0">
+                  <a:solidFill>
+                    <a:srgbClr val="003F76"/>
+                  </a:solidFill>
+                  <a:latin typeface="+mn-ea"/>
+                  <a:cs typeface="文泉驿等宽微米黑" panose="020B0606030804020204" pitchFamily="34" charset="-122"/>
+                </a:endParaRPr>
               </a:p>
             </p:txBody>
           </p:sp>
@@ -15614,7 +16265,7 @@
               <p:cNvSpPr txBox="1"/>
               <p:nvPr>
                 <p:custDataLst>
-                  <p:tags r:id="rId26"/>
+                  <p:tags r:id="rId33"/>
                 </p:custDataLst>
               </p:nvPr>
             </p:nvSpPr>
@@ -15663,6 +16314,17 @@
                   </a:rPr>
                   <a:t>知识图谱通过将信息以结构化的形式呈现，便于机器和人类理解，且易于进行复杂查询和数据分析</a:t>
                 </a:r>
+                <a:endParaRPr lang="zh-CN" altLang="en-US" sz="1400" dirty="0">
+                  <a:solidFill>
+                    <a:schemeClr val="tx1">
+                      <a:lumMod val="85000"/>
+                      <a:lumOff val="15000"/>
+                    </a:schemeClr>
+                  </a:solidFill>
+                  <a:latin typeface="楷体" panose="02010609060101010101" charset="-122"/>
+                  <a:ea typeface="楷体" panose="02010609060101010101" charset="-122"/>
+                  <a:cs typeface="文泉驿等宽微米黑" panose="020B0606030804020204" pitchFamily="34" charset="-122"/>
+                </a:endParaRPr>
               </a:p>
             </p:txBody>
           </p:sp>
@@ -15674,7 +16336,7 @@
           <p:cNvGrpSpPr/>
           <p:nvPr>
             <p:custDataLst>
-              <p:tags r:id="rId16"/>
+              <p:tags r:id="rId34"/>
             </p:custDataLst>
           </p:nvPr>
         </p:nvGrpSpPr>
@@ -15692,7 +16354,7 @@
             <p:cNvCxnSpPr/>
             <p:nvPr>
               <p:custDataLst>
-                <p:tags r:id="rId21"/>
+                <p:tags r:id="rId35"/>
               </p:custDataLst>
             </p:nvPr>
           </p:nvCxnSpPr>
@@ -15745,7 +16407,7 @@
               <p:cNvSpPr txBox="1"/>
               <p:nvPr>
                 <p:custDataLst>
-                  <p:tags r:id="rId22"/>
+                  <p:tags r:id="rId36"/>
                 </p:custDataLst>
               </p:nvPr>
             </p:nvSpPr>
@@ -15870,6 +16532,13 @@
                   </a:rPr>
                   <a:t>支持智能化决策应用</a:t>
                 </a:r>
+                <a:endParaRPr lang="zh-CN" altLang="en-US" b="1" dirty="0">
+                  <a:solidFill>
+                    <a:srgbClr val="003F76"/>
+                  </a:solidFill>
+                  <a:latin typeface="+mn-ea"/>
+                  <a:cs typeface="文泉驿等宽微米黑" panose="020B0606030804020204" pitchFamily="34" charset="-122"/>
+                </a:endParaRPr>
               </a:p>
             </p:txBody>
           </p:sp>
@@ -15879,7 +16548,7 @@
               <p:cNvSpPr txBox="1"/>
               <p:nvPr>
                 <p:custDataLst>
-                  <p:tags r:id="rId23"/>
+                  <p:tags r:id="rId37"/>
                 </p:custDataLst>
               </p:nvPr>
             </p:nvSpPr>
@@ -15928,6 +16597,17 @@
                   </a:rPr>
                   <a:t>构建的知识图谱可以作为智能搜索引擎、推荐系统等系统的基础。通过理解新闻事件的背景和联系，这些应用可以提供更精准的服务</a:t>
                 </a:r>
+                <a:endParaRPr lang="zh-CN" altLang="en-US" sz="1400" dirty="0">
+                  <a:solidFill>
+                    <a:schemeClr val="tx1">
+                      <a:lumMod val="85000"/>
+                      <a:lumOff val="15000"/>
+                    </a:schemeClr>
+                  </a:solidFill>
+                  <a:latin typeface="楷体" panose="02010609060101010101" charset="-122"/>
+                  <a:ea typeface="楷体" panose="02010609060101010101" charset="-122"/>
+                  <a:cs typeface="文泉驿等宽微米黑" panose="020B0606030804020204" pitchFamily="34" charset="-122"/>
+                </a:endParaRPr>
               </a:p>
             </p:txBody>
           </p:sp>
@@ -15939,7 +16619,7 @@
           <p:cNvGrpSpPr/>
           <p:nvPr>
             <p:custDataLst>
-              <p:tags r:id="rId17"/>
+              <p:tags r:id="rId38"/>
             </p:custDataLst>
           </p:nvPr>
         </p:nvGrpSpPr>
@@ -15957,7 +16637,7 @@
             <p:cNvCxnSpPr/>
             <p:nvPr>
               <p:custDataLst>
-                <p:tags r:id="rId18"/>
+                <p:tags r:id="rId39"/>
               </p:custDataLst>
             </p:nvPr>
           </p:nvCxnSpPr>
@@ -16010,7 +16690,7 @@
               <p:cNvSpPr txBox="1"/>
               <p:nvPr>
                 <p:custDataLst>
-                  <p:tags r:id="rId19"/>
+                  <p:tags r:id="rId40"/>
                 </p:custDataLst>
               </p:nvPr>
             </p:nvSpPr>
@@ -16155,6 +16835,13 @@
                   </a:rPr>
                   <a:t>技术的发展</a:t>
                 </a:r>
+                <a:endParaRPr lang="zh-CN" altLang="en-US" b="1" dirty="0">
+                  <a:solidFill>
+                    <a:srgbClr val="003F76"/>
+                  </a:solidFill>
+                  <a:latin typeface="Times New Roman" panose="02020603050405020304" charset="0"/>
+                  <a:cs typeface="Times New Roman" panose="02020603050405020304" charset="0"/>
+                </a:endParaRPr>
               </a:p>
             </p:txBody>
           </p:sp>
@@ -16164,7 +16851,7 @@
               <p:cNvSpPr txBox="1"/>
               <p:nvPr>
                 <p:custDataLst>
-                  <p:tags r:id="rId20"/>
+                  <p:tags r:id="rId41"/>
                 </p:custDataLst>
               </p:nvPr>
             </p:nvSpPr>
@@ -16213,6 +16900,17 @@
                   </a:rPr>
                   <a:t>通过在实际项目中应用HanLP等先进的自然语言处理技术，可以促进这些技术的进一步优化和创新</a:t>
                 </a:r>
+                <a:endParaRPr lang="zh-CN" altLang="en-US" sz="1400" dirty="0">
+                  <a:solidFill>
+                    <a:schemeClr val="tx1">
+                      <a:lumMod val="85000"/>
+                      <a:lumOff val="15000"/>
+                    </a:schemeClr>
+                  </a:solidFill>
+                  <a:latin typeface="楷体" panose="02010609060101010101" charset="-122"/>
+                  <a:ea typeface="楷体" panose="02010609060101010101" charset="-122"/>
+                  <a:cs typeface="楷体" panose="02010609060101010101" charset="-122"/>
+                </a:endParaRPr>
               </a:p>
             </p:txBody>
           </p:sp>
@@ -16261,6 +16959,13 @@
               </a:rPr>
               <a:t>项目意义</a:t>
             </a:r>
+            <a:endParaRPr lang="zh-CN" altLang="en-US" sz="4800" dirty="0">
+              <a:solidFill>
+                <a:srgbClr val="003462"/>
+              </a:solidFill>
+              <a:latin typeface="楷体" panose="02010609060101010101" charset="-122"/>
+              <a:ea typeface="楷体" panose="02010609060101010101" charset="-122"/>
+            </a:endParaRPr>
           </a:p>
         </p:txBody>
       </p:sp>
@@ -16269,18 +16974,9 @@
   <p:clrMapOvr>
     <a:masterClrMapping/>
   </p:clrMapOvr>
-  <mc:AlternateContent xmlns:mc="http://schemas.openxmlformats.org/markup-compatibility/2006" xmlns:p14="http://schemas.microsoft.com/office/powerpoint/2010/main">
-    <mc:Choice Requires="p14">
-      <p:transition>
-        <p:push dir="u"/>
-      </p:transition>
-    </mc:Choice>
-    <mc:Fallback xmlns="">
-      <p:transition>
-        <p:push dir="u"/>
-      </p:transition>
-    </mc:Fallback>
-  </mc:AlternateContent>
+  <p:transition>
+    <p:push dir="u"/>
+  </p:transition>
 </p:sld>
 </file>
 
@@ -16310,10 +17006,10 @@
           <p:nvPr/>
         </p:nvPicPr>
         <p:blipFill>
-          <a:blip r:embed="rId2">
+          <a:blip r:embed="rId1">
             <a:extLst>
               <a:ext uri="{96DAC541-7B7A-43D3-8B79-37D633B846F1}">
-                <asvg:svgBlip xmlns:asvg="http://schemas.microsoft.com/office/drawing/2016/SVG/main" r:embed="rId3"/>
+                <asvg:svgBlip xmlns:asvg="http://schemas.microsoft.com/office/drawing/2016/SVG/main" r:embed="rId2"/>
               </a:ext>
             </a:extLst>
           </a:blip>
@@ -16340,10 +17036,10 @@
           <p:nvPr/>
         </p:nvPicPr>
         <p:blipFill>
-          <a:blip r:embed="rId4">
+          <a:blip r:embed="rId3">
             <a:extLst>
               <a:ext uri="{96DAC541-7B7A-43D3-8B79-37D633B846F1}">
-                <asvg:svgBlip xmlns:asvg="http://schemas.microsoft.com/office/drawing/2016/SVG/main" r:embed="rId5"/>
+                <asvg:svgBlip xmlns:asvg="http://schemas.microsoft.com/office/drawing/2016/SVG/main" r:embed="rId4"/>
               </a:ext>
             </a:extLst>
           </a:blip>
@@ -16370,10 +17066,10 @@
           <p:nvPr/>
         </p:nvPicPr>
         <p:blipFill>
-          <a:blip r:embed="rId6">
+          <a:blip r:embed="rId5">
             <a:extLst>
               <a:ext uri="{96DAC541-7B7A-43D3-8B79-37D633B846F1}">
-                <asvg:svgBlip xmlns:asvg="http://schemas.microsoft.com/office/drawing/2016/SVG/main" r:embed="rId7"/>
+                <asvg:svgBlip xmlns:asvg="http://schemas.microsoft.com/office/drawing/2016/SVG/main" r:embed="rId6"/>
               </a:ext>
             </a:extLst>
           </a:blip>
@@ -16400,10 +17096,10 @@
           <p:nvPr/>
         </p:nvPicPr>
         <p:blipFill>
-          <a:blip r:embed="rId8">
+          <a:blip r:embed="rId7">
             <a:extLst>
               <a:ext uri="{96DAC541-7B7A-43D3-8B79-37D633B846F1}">
-                <asvg:svgBlip xmlns:asvg="http://schemas.microsoft.com/office/drawing/2016/SVG/main" r:embed="rId9"/>
+                <asvg:svgBlip xmlns:asvg="http://schemas.microsoft.com/office/drawing/2016/SVG/main" r:embed="rId8"/>
               </a:ext>
             </a:extLst>
           </a:blip>
@@ -17796,6 +18492,10 @@
               </a:rPr>
               <a:t>技术路线</a:t>
             </a:r>
+            <a:endParaRPr lang="zh-CN" altLang="en-US" sz="5400" b="1" dirty="0">
+              <a:latin typeface="楷体" panose="02010609060101010101" charset="-122"/>
+              <a:ea typeface="楷体" panose="02010609060101010101" charset="-122"/>
+            </a:endParaRPr>
           </a:p>
         </p:txBody>
       </p:sp>
@@ -17841,6 +18541,12 @@
               </a:rPr>
               <a:t>Technology roadmap</a:t>
             </a:r>
+            <a:endParaRPr lang="en-US" altLang="zh-CN" b="1" dirty="0">
+              <a:latin typeface="Times New Roman" panose="02020603050405020304" charset="0"/>
+              <a:ea typeface="宋体" panose="02010600030101010101" pitchFamily="2" charset="-122"/>
+              <a:cs typeface="Times New Roman" panose="02020603050405020304" charset="0"/>
+              <a:sym typeface="+mn-ea"/>
+            </a:endParaRPr>
           </a:p>
         </p:txBody>
       </p:sp>
@@ -17991,18 +18697,9 @@
   <p:clrMapOvr>
     <a:masterClrMapping/>
   </p:clrMapOvr>
-  <mc:AlternateContent xmlns:mc="http://schemas.openxmlformats.org/markup-compatibility/2006" xmlns:p14="http://schemas.microsoft.com/office/powerpoint/2010/main">
-    <mc:Choice Requires="p14">
-      <p:transition>
-        <p:push dir="u"/>
-      </p:transition>
-    </mc:Choice>
-    <mc:Fallback xmlns="">
-      <p:transition>
-        <p:push dir="u"/>
-      </p:transition>
-    </mc:Fallback>
-  </mc:AlternateContent>
+  <p:transition>
+    <p:push dir="u"/>
+  </p:transition>
 </p:sld>
 </file>
 
@@ -18032,7 +18729,7 @@
           <p:nvPr/>
         </p:nvPicPr>
         <p:blipFill>
-          <a:blip r:embed="rId2"/>
+          <a:blip r:embed="rId1"/>
           <a:stretch>
             <a:fillRect/>
           </a:stretch>
@@ -18056,7 +18753,7 @@
           <p:nvPr/>
         </p:nvPicPr>
         <p:blipFill>
-          <a:blip r:embed="rId3"/>
+          <a:blip r:embed="rId2"/>
           <a:stretch>
             <a:fillRect/>
           </a:stretch>
@@ -18439,9 +19136,7 @@
                 <a:noAutofit/>
               </a:bodyPr>
               <a:lstStyle/>
-              <a:p>
-                <a:endParaRPr/>
-              </a:p>
+              <a:p/>
             </p:txBody>
           </p:sp>
           <p:grpSp>
@@ -19208,9 +19903,7 @@
                 <a:noAutofit/>
               </a:bodyPr>
               <a:lstStyle/>
-              <a:p>
-                <a:endParaRPr/>
-              </a:p>
+              <a:p/>
             </p:txBody>
           </p:sp>
           <p:grpSp>
@@ -19977,9 +20670,7 @@
                 <a:noAutofit/>
               </a:bodyPr>
               <a:lstStyle/>
-              <a:p>
-                <a:endParaRPr/>
-              </a:p>
+              <a:p/>
             </p:txBody>
           </p:sp>
           <p:grpSp>
@@ -20817,6 +21508,17 @@
                 </a:rPr>
                 <a:t>故选择了它进行文本分析。</a:t>
               </a:r>
+              <a:endParaRPr lang="zh-CN" altLang="en-US" dirty="0">
+                <a:solidFill>
+                  <a:schemeClr val="tx1">
+                    <a:lumMod val="85000"/>
+                    <a:lumOff val="15000"/>
+                  </a:schemeClr>
+                </a:solidFill>
+                <a:latin typeface="Times New Roman" panose="02020603050405020304" charset="0"/>
+                <a:ea typeface="楷体" panose="02010609060101010101" charset="-122"/>
+                <a:cs typeface="Times New Roman" panose="02020603050405020304" charset="0"/>
+              </a:endParaRPr>
             </a:p>
             <a:p>
               <a:pPr algn="l">
@@ -20866,6 +21568,17 @@
                 </a:rPr>
                 <a:t>大语言模型，通过自定义提示和对话系统来实现更精确的信息校验和反馈，提高知识图谱的质量和准确性</a:t>
               </a:r>
+              <a:endParaRPr lang="zh-CN" altLang="en-US" dirty="0">
+                <a:solidFill>
+                  <a:schemeClr val="tx1">
+                    <a:lumMod val="85000"/>
+                    <a:lumOff val="15000"/>
+                  </a:schemeClr>
+                </a:solidFill>
+                <a:latin typeface="Times New Roman" panose="02020603050405020304" charset="0"/>
+                <a:ea typeface="楷体" panose="02010609060101010101" charset="-122"/>
+                <a:cs typeface="Times New Roman" panose="02020603050405020304" charset="0"/>
+              </a:endParaRPr>
             </a:p>
           </p:txBody>
         </p:sp>
@@ -20913,6 +21626,13 @@
               </a:rPr>
               <a:t>技术要求</a:t>
             </a:r>
+            <a:endParaRPr lang="zh-CN" altLang="en-US" sz="4800" dirty="0">
+              <a:solidFill>
+                <a:srgbClr val="003462"/>
+              </a:solidFill>
+              <a:latin typeface="楷体" panose="02010609060101010101" charset="-122"/>
+              <a:ea typeface="楷体" panose="02010609060101010101" charset="-122"/>
+            </a:endParaRPr>
           </a:p>
         </p:txBody>
       </p:sp>
@@ -20967,18 +21687,9 @@
   <p:clrMapOvr>
     <a:masterClrMapping/>
   </p:clrMapOvr>
-  <mc:AlternateContent xmlns:mc="http://schemas.openxmlformats.org/markup-compatibility/2006" xmlns:p14="http://schemas.microsoft.com/office/powerpoint/2010/main">
-    <mc:Choice Requires="p14">
-      <p:transition>
-        <p:push dir="u"/>
-      </p:transition>
-    </mc:Choice>
-    <mc:Fallback xmlns="">
-      <p:transition>
-        <p:push dir="u"/>
-      </p:transition>
-    </mc:Fallback>
-  </mc:AlternateContent>
+  <p:transition>
+    <p:push dir="u"/>
+  </p:transition>
 </p:sld>
 </file>
 
@@ -21008,10 +21719,10 @@
           <p:nvPr/>
         </p:nvPicPr>
         <p:blipFill>
-          <a:blip r:embed="rId6">
+          <a:blip r:embed="rId1">
             <a:extLst>
               <a:ext uri="{96DAC541-7B7A-43D3-8B79-37D633B846F1}">
-                <asvg:svgBlip xmlns:asvg="http://schemas.microsoft.com/office/drawing/2016/SVG/main" r:embed="rId7"/>
+                <asvg:svgBlip xmlns:asvg="http://schemas.microsoft.com/office/drawing/2016/SVG/main" r:embed="rId2"/>
               </a:ext>
             </a:extLst>
           </a:blip>
@@ -21038,10 +21749,10 @@
           <p:nvPr/>
         </p:nvPicPr>
         <p:blipFill>
-          <a:blip r:embed="rId8">
+          <a:blip r:embed="rId3">
             <a:extLst>
               <a:ext uri="{96DAC541-7B7A-43D3-8B79-37D633B846F1}">
-                <asvg:svgBlip xmlns:asvg="http://schemas.microsoft.com/office/drawing/2016/SVG/main" r:embed="rId9"/>
+                <asvg:svgBlip xmlns:asvg="http://schemas.microsoft.com/office/drawing/2016/SVG/main" r:embed="rId4"/>
               </a:ext>
             </a:extLst>
           </a:blip>
@@ -21065,7 +21776,7 @@
           <p:cNvSpPr/>
           <p:nvPr>
             <p:custDataLst>
-              <p:tags r:id="rId1"/>
+              <p:tags r:id="rId5"/>
             </p:custDataLst>
           </p:nvPr>
         </p:nvSpPr>
@@ -21122,7 +21833,7 @@
           <p:cNvGrpSpPr/>
           <p:nvPr>
             <p:custDataLst>
-              <p:tags r:id="rId2"/>
+              <p:tags r:id="rId6"/>
             </p:custDataLst>
           </p:nvPr>
         </p:nvGrpSpPr>
@@ -21140,7 +21851,7 @@
             <p:cNvSpPr txBox="1"/>
             <p:nvPr>
               <p:custDataLst>
-                <p:tags r:id="rId3"/>
+                <p:tags r:id="rId7"/>
               </p:custDataLst>
             </p:nvPr>
           </p:nvSpPr>
@@ -21282,6 +21993,17 @@
                 </a:rPr>
                 <a:t>模型</a:t>
               </a:r>
+              <a:endParaRPr lang="zh-CN" altLang="en-US" b="1" dirty="0">
+                <a:solidFill>
+                  <a:schemeClr val="tx1">
+                    <a:lumMod val="85000"/>
+                    <a:lumOff val="15000"/>
+                  </a:schemeClr>
+                </a:solidFill>
+                <a:latin typeface="仿宋" panose="02010609060101010101" charset="-122"/>
+                <a:ea typeface="仿宋" panose="02010609060101010101" charset="-122"/>
+                <a:cs typeface="仿宋" panose="02010609060101010101" charset="-122"/>
+              </a:endParaRPr>
             </a:p>
           </p:txBody>
         </p:sp>
@@ -21291,7 +22013,7 @@
             <p:cNvSpPr txBox="1"/>
             <p:nvPr>
               <p:custDataLst>
-                <p:tags r:id="rId4"/>
+                <p:tags r:id="rId8"/>
               </p:custDataLst>
             </p:nvPr>
           </p:nvSpPr>
@@ -21434,6 +22156,17 @@
                 </a:rPr>
                 <a:t>模型</a:t>
               </a:r>
+              <a:endParaRPr lang="zh-CN" altLang="en-US" b="1" dirty="0">
+                <a:solidFill>
+                  <a:schemeClr val="tx1">
+                    <a:lumMod val="85000"/>
+                    <a:lumOff val="15000"/>
+                  </a:schemeClr>
+                </a:solidFill>
+                <a:latin typeface="仿宋" panose="02010609060101010101" charset="-122"/>
+                <a:ea typeface="仿宋" panose="02010609060101010101" charset="-122"/>
+                <a:cs typeface="仿宋" panose="02010609060101010101" charset="-122"/>
+              </a:endParaRPr>
             </a:p>
           </p:txBody>
         </p:sp>
@@ -21481,6 +22214,13 @@
               </a:rPr>
               <a:t>技术对比</a:t>
             </a:r>
+            <a:endParaRPr lang="zh-CN" altLang="en-US" sz="4800" dirty="0">
+              <a:solidFill>
+                <a:srgbClr val="003462"/>
+              </a:solidFill>
+              <a:latin typeface="楷体" panose="02010609060101010101" charset="-122"/>
+              <a:ea typeface="楷体" panose="02010609060101010101" charset="-122"/>
+            </a:endParaRPr>
           </a:p>
         </p:txBody>
       </p:sp>
@@ -21515,6 +22255,7 @@
               <a:rPr lang="zh-CN" altLang="en-US" sz="1600"/>
               <a:t>Word: ['中共', '中央', '组织部', '日前', '下发', '通知', '，', '任命', '辛锋', '同志', '为', '中国', '核工业', '集团', '有限', '公司', '党组', '成员', '、', '副总经理', '。'], POS: ['NR', 'NN', 'NN', 'NT', 'VV', 'NN', 'PU', 'VV', 'NR', 'NN', 'VV', 'NR', 'NN', 'NN', 'JJ', 'NN', 'NN', 'NN', 'PU', 'NN', 'PU'], NER: [['中共中央组织部', 'ORGANIZATION', 0, 3], ['辛锋', 'PERSON', 8, 9], ['中国核工业集团有限公司', 'ORGANIZATION', 11, 16], ['党组', 'ORGANIZATION', 16, 17]]</a:t>
             </a:r>
+            <a:endParaRPr lang="zh-CN" altLang="en-US" sz="1600"/>
           </a:p>
         </p:txBody>
       </p:sp>
@@ -21548,6 +22289,11 @@
               </a:rPr>
               <a:t>text = "中共中央组织部日前下发通知，任命辛锋同志为中国核工业集团有限公司党组成员、副总经理。"</a:t>
             </a:r>
+            <a:endParaRPr lang="zh-CN" altLang="en-US">
+              <a:solidFill>
+                <a:srgbClr val="00B0F0"/>
+              </a:solidFill>
+            </a:endParaRPr>
           </a:p>
         </p:txBody>
       </p:sp>
@@ -21613,72 +22359,84 @@
               <a:rPr lang="en-US" altLang="zh-CN" sz="1600"/>
               <a:t>......</a:t>
             </a:r>
+            <a:endParaRPr lang="en-US" altLang="zh-CN" sz="1600"/>
           </a:p>
           <a:p>
             <a:r>
               <a:rPr lang="en-US" altLang="zh-CN" sz="1600"/>
               <a:t>Word: 为, POS: AUX</a:t>
             </a:r>
+            <a:endParaRPr lang="en-US" altLang="zh-CN" sz="1600"/>
           </a:p>
           <a:p>
             <a:r>
               <a:rPr lang="en-US" altLang="zh-CN" sz="1600"/>
               <a:t>Word: 中国, POS: PROPN</a:t>
             </a:r>
+            <a:endParaRPr lang="en-US" altLang="zh-CN" sz="1600"/>
           </a:p>
           <a:p>
             <a:r>
               <a:rPr lang="en-US" altLang="zh-CN" sz="1600"/>
               <a:t>Word: 核工, POS: NOUN</a:t>
             </a:r>
+            <a:endParaRPr lang="en-US" altLang="zh-CN" sz="1600"/>
           </a:p>
           <a:p>
             <a:r>
               <a:rPr lang="en-US" altLang="zh-CN" sz="1600"/>
               <a:t>Word: 业, POS: PART</a:t>
             </a:r>
+            <a:endParaRPr lang="en-US" altLang="zh-CN" sz="1600"/>
           </a:p>
           <a:p>
             <a:r>
               <a:rPr lang="en-US" altLang="zh-CN" sz="1600"/>
               <a:t>Word: 集团, POS: NOUN</a:t>
             </a:r>
+            <a:endParaRPr lang="en-US" altLang="zh-CN" sz="1600"/>
           </a:p>
           <a:p>
             <a:r>
               <a:rPr lang="en-US" altLang="zh-CN" sz="1600"/>
               <a:t>Word: 有限, POS: ADJ</a:t>
             </a:r>
+            <a:endParaRPr lang="en-US" altLang="zh-CN" sz="1600"/>
           </a:p>
           <a:p>
             <a:r>
               <a:rPr lang="en-US" altLang="zh-CN" sz="1600"/>
               <a:t>Word: 公司, POS: NOUN</a:t>
             </a:r>
+            <a:endParaRPr lang="en-US" altLang="zh-CN" sz="1600"/>
           </a:p>
           <a:p>
             <a:r>
               <a:rPr lang="en-US" altLang="zh-CN" sz="1600"/>
               <a:t>Word: 党, POS: NOUN</a:t>
             </a:r>
+            <a:endParaRPr lang="en-US" altLang="zh-CN" sz="1600"/>
           </a:p>
           <a:p>
             <a:r>
               <a:rPr lang="en-US" altLang="zh-CN" sz="1600"/>
               <a:t>Word: 组成, POS: VERB</a:t>
             </a:r>
+            <a:endParaRPr lang="en-US" altLang="zh-CN" sz="1600"/>
           </a:p>
           <a:p>
             <a:r>
               <a:rPr lang="en-US" altLang="zh-CN" sz="1600"/>
               <a:t>Word: 员, POS: PART</a:t>
             </a:r>
+            <a:endParaRPr lang="en-US" altLang="zh-CN" sz="1600"/>
           </a:p>
           <a:p>
             <a:r>
               <a:rPr lang="en-US" altLang="zh-CN" sz="1600"/>
               <a:t>......</a:t>
             </a:r>
+            <a:endParaRPr lang="en-US" altLang="zh-CN" sz="1600"/>
           </a:p>
         </p:txBody>
       </p:sp>
@@ -21860,6 +22618,11 @@
               </a:rPr>
               <a:t>模型对中文识别效果更好</a:t>
             </a:r>
+            <a:endParaRPr lang="zh-CN" altLang="en-US" b="1">
+              <a:solidFill>
+                <a:srgbClr val="FF0000"/>
+              </a:solidFill>
+            </a:endParaRPr>
           </a:p>
         </p:txBody>
       </p:sp>
@@ -22286,18 +23049,9 @@
   <p:clrMapOvr>
     <a:masterClrMapping/>
   </p:clrMapOvr>
-  <mc:AlternateContent xmlns:mc="http://schemas.openxmlformats.org/markup-compatibility/2006" xmlns:p14="http://schemas.microsoft.com/office/powerpoint/2010/main">
-    <mc:Choice Requires="p14">
-      <p:transition>
-        <p:push dir="u"/>
-      </p:transition>
-    </mc:Choice>
-    <mc:Fallback xmlns="">
-      <p:transition>
-        <p:push dir="u"/>
-      </p:transition>
-    </mc:Fallback>
-  </mc:AlternateContent>
+  <p:transition>
+    <p:push dir="u"/>
+  </p:transition>
 </p:sld>
 </file>
 
@@ -22327,7 +23081,7 @@
           <p:nvPr/>
         </p:nvPicPr>
         <p:blipFill>
-          <a:blip r:embed="rId2"/>
+          <a:blip r:embed="rId1"/>
           <a:stretch>
             <a:fillRect/>
           </a:stretch>
@@ -22351,7 +23105,7 @@
           <p:nvPr/>
         </p:nvPicPr>
         <p:blipFill>
-          <a:blip r:embed="rId3"/>
+          <a:blip r:embed="rId2"/>
           <a:stretch>
             <a:fillRect/>
           </a:stretch>
@@ -22569,6 +23323,16 @@
                   </a:rPr>
                   <a:t>高效的数据管理工具</a:t>
                 </a:r>
+                <a:endParaRPr lang="zh-CN" altLang="en-US" sz="2000" b="1" dirty="0">
+                  <a:solidFill>
+                    <a:schemeClr val="tx1">
+                      <a:lumMod val="85000"/>
+                      <a:lumOff val="15000"/>
+                    </a:schemeClr>
+                  </a:solidFill>
+                  <a:latin typeface="+mn-ea"/>
+                  <a:cs typeface="文泉驿等宽微米黑" panose="020B0606030804020204" pitchFamily="34" charset="-122"/>
+                </a:endParaRPr>
               </a:p>
             </p:txBody>
           </p:sp>
@@ -22623,6 +23387,17 @@
                   </a:rPr>
                   <a:t>团队对比多种图数据库工具（如Neo4j、ArangoDB、OrientDB等），最终选用Neo4j图数据库，Neo4j提供的图查询语言Cypher，是为图数据结构定制的，能高效处理复杂的图查询和图算法，同时，Neo4j的图数据库架构支持高并发读写操作，适合处理大规模数据，并能随着数据量增加保持稳定的性能。</a:t>
                 </a:r>
+                <a:endParaRPr lang="zh-CN" altLang="en-US" dirty="0">
+                  <a:solidFill>
+                    <a:schemeClr val="tx1">
+                      <a:lumMod val="85000"/>
+                      <a:lumOff val="15000"/>
+                    </a:schemeClr>
+                  </a:solidFill>
+                  <a:latin typeface="Times New Roman" panose="02020603050405020304" charset="0"/>
+                  <a:ea typeface="楷体" panose="02010609060101010101" charset="-122"/>
+                  <a:cs typeface="Times New Roman" panose="02020603050405020304" charset="0"/>
+                </a:endParaRPr>
               </a:p>
             </p:txBody>
           </p:sp>
@@ -22671,6 +23446,13 @@
               </a:rPr>
               <a:t>技术要求</a:t>
             </a:r>
+            <a:endParaRPr lang="zh-CN" altLang="en-US" sz="4800" dirty="0">
+              <a:solidFill>
+                <a:srgbClr val="003462"/>
+              </a:solidFill>
+              <a:latin typeface="楷体" panose="02010609060101010101" charset="-122"/>
+              <a:ea typeface="楷体" panose="02010609060101010101" charset="-122"/>
+            </a:endParaRPr>
           </a:p>
         </p:txBody>
       </p:sp>
@@ -23042,9 +23824,7 @@
                 <a:noAutofit/>
               </a:bodyPr>
               <a:lstStyle/>
-              <a:p>
-                <a:endParaRPr/>
-              </a:p>
+              <a:p/>
             </p:txBody>
           </p:sp>
           <p:grpSp>
@@ -23811,9 +24591,7 @@
                 <a:noAutofit/>
               </a:bodyPr>
               <a:lstStyle/>
-              <a:p>
-                <a:endParaRPr/>
-              </a:p>
+              <a:p/>
             </p:txBody>
           </p:sp>
           <p:grpSp>
@@ -24580,9 +25358,7 @@
                 <a:noAutofit/>
               </a:bodyPr>
               <a:lstStyle/>
-              <a:p>
-                <a:endParaRPr/>
-              </a:p>
+              <a:p/>
             </p:txBody>
           </p:sp>
           <p:grpSp>
@@ -25148,349 +25924,407 @@
   <p:clrMapOvr>
     <a:masterClrMapping/>
   </p:clrMapOvr>
-  <mc:AlternateContent xmlns:mc="http://schemas.openxmlformats.org/markup-compatibility/2006" xmlns:p14="http://schemas.microsoft.com/office/powerpoint/2010/main">
-    <mc:Choice Requires="p14">
-      <p:transition>
-        <p:push dir="u"/>
-      </p:transition>
-    </mc:Choice>
-    <mc:Fallback xmlns="">
-      <p:transition>
-        <p:push dir="u"/>
-      </p:transition>
-    </mc:Fallback>
-  </mc:AlternateContent>
+  <p:transition>
+    <p:push dir="u"/>
+  </p:transition>
 </p:sld>
 </file>
 
 <file path=ppt/tags/tag1.xml><?xml version="1.0" encoding="utf-8"?>
-<p:tagLst xmlns:a="http://schemas.openxmlformats.org/drawingml/2006/main" xmlns:r="http://schemas.openxmlformats.org/officeDocument/2006/relationships" xmlns:p="http://schemas.openxmlformats.org/presentationml/2006/main">
-  <p:tag name="RESOURCE_RECORD_KEY" val="{&quot;70&quot;:[3312343,3312296,3312129]}"/>
-  <p:tag name="COMMONDATA" val="eyJjb3VudCI6MywiaGRpZCI6IjcwZGRhY2U1MjQwODQ4NzA0ZmM5N2M2MDE4N2M3OGE3IiwidXNlckNvdW50IjozfQ=="/>
+<p:tagLst xmlns:p="http://schemas.openxmlformats.org/presentationml/2006/main">
+  <p:tag name="KSO_WM_BEAUTIFY_FLAG" val=""/>
 </p:tagLst>
 </file>
 
 <file path=ppt/tags/tag10.xml><?xml version="1.0" encoding="utf-8"?>
-<p:tagLst xmlns:a="http://schemas.openxmlformats.org/drawingml/2006/main" xmlns:r="http://schemas.openxmlformats.org/officeDocument/2006/relationships" xmlns:p="http://schemas.openxmlformats.org/presentationml/2006/main">
+<p:tagLst xmlns:p="http://schemas.openxmlformats.org/presentationml/2006/main">
   <p:tag name="KSO_WM_DIAGRAM_VIRTUALLY_FRAME" val="{&quot;height&quot;:345.1151181102362,&quot;left&quot;:400.0302362204723,&quot;top&quot;:110.9804724409449,&quot;width&quot;:475.54204724409453}"/>
 </p:tagLst>
 </file>
 
 <file path=ppt/tags/tag11.xml><?xml version="1.0" encoding="utf-8"?>
-<p:tagLst xmlns:a="http://schemas.openxmlformats.org/drawingml/2006/main" xmlns:r="http://schemas.openxmlformats.org/officeDocument/2006/relationships" xmlns:p="http://schemas.openxmlformats.org/presentationml/2006/main">
+<p:tagLst xmlns:p="http://schemas.openxmlformats.org/presentationml/2006/main">
   <p:tag name="KSO_WM_DIAGRAM_VIRTUALLY_FRAME" val="{&quot;height&quot;:345.1151181102362,&quot;left&quot;:400.0302362204723,&quot;top&quot;:110.9804724409449,&quot;width&quot;:475.54204724409453}"/>
 </p:tagLst>
 </file>
 
 <file path=ppt/tags/tag12.xml><?xml version="1.0" encoding="utf-8"?>
-<p:tagLst xmlns:a="http://schemas.openxmlformats.org/drawingml/2006/main" xmlns:r="http://schemas.openxmlformats.org/officeDocument/2006/relationships" xmlns:p="http://schemas.openxmlformats.org/presentationml/2006/main">
+<p:tagLst xmlns:p="http://schemas.openxmlformats.org/presentationml/2006/main">
   <p:tag name="KSO_WM_DIAGRAM_VIRTUALLY_FRAME" val="{&quot;height&quot;:345.1151181102362,&quot;left&quot;:400.0302362204723,&quot;top&quot;:110.9804724409449,&quot;width&quot;:475.54204724409453}"/>
 </p:tagLst>
 </file>
 
 <file path=ppt/tags/tag13.xml><?xml version="1.0" encoding="utf-8"?>
-<p:tagLst xmlns:a="http://schemas.openxmlformats.org/drawingml/2006/main" xmlns:r="http://schemas.openxmlformats.org/officeDocument/2006/relationships" xmlns:p="http://schemas.openxmlformats.org/presentationml/2006/main">
+<p:tagLst xmlns:p="http://schemas.openxmlformats.org/presentationml/2006/main">
   <p:tag name="KSO_WM_DIAGRAM_VIRTUALLY_FRAME" val="{&quot;height&quot;:345.1151181102362,&quot;left&quot;:400.0302362204723,&quot;top&quot;:110.9804724409449,&quot;width&quot;:475.54204724409453}"/>
 </p:tagLst>
 </file>
 
 <file path=ppt/tags/tag14.xml><?xml version="1.0" encoding="utf-8"?>
-<p:tagLst xmlns:a="http://schemas.openxmlformats.org/drawingml/2006/main" xmlns:r="http://schemas.openxmlformats.org/officeDocument/2006/relationships" xmlns:p="http://schemas.openxmlformats.org/presentationml/2006/main">
+<p:tagLst xmlns:p="http://schemas.openxmlformats.org/presentationml/2006/main">
   <p:tag name="KSO_WM_DIAGRAM_VIRTUALLY_FRAME" val="{&quot;height&quot;:345.1151181102362,&quot;left&quot;:400.0302362204723,&quot;top&quot;:110.9804724409449,&quot;width&quot;:475.54204724409453}"/>
 </p:tagLst>
 </file>
 
 <file path=ppt/tags/tag15.xml><?xml version="1.0" encoding="utf-8"?>
-<p:tagLst xmlns:a="http://schemas.openxmlformats.org/drawingml/2006/main" xmlns:r="http://schemas.openxmlformats.org/officeDocument/2006/relationships" xmlns:p="http://schemas.openxmlformats.org/presentationml/2006/main">
-  <p:tag name="KSO_WM_DIAGRAM_VIRTUALLY_FRAME" val="{&quot;height&quot;:345.1151181102362,&quot;left&quot;:400.0302362204723,&quot;top&quot;:110.9804724409449,&quot;width&quot;:475.54204724409453}"/>
+<p:tagLst xmlns:p="http://schemas.openxmlformats.org/presentationml/2006/main">
+  <p:tag name="KSO_WM_DIAGRAM_VIRTUALLY_FRAME" val="{&quot;height&quot;:340.3515748031496,&quot;left&quot;:51.80291338582678,&quot;top&quot;:164.64842519685038,&quot;width&quot;:857.5992125984251}"/>
 </p:tagLst>
 </file>
 
 <file path=ppt/tags/tag16.xml><?xml version="1.0" encoding="utf-8"?>
-<p:tagLst xmlns:a="http://schemas.openxmlformats.org/drawingml/2006/main" xmlns:r="http://schemas.openxmlformats.org/officeDocument/2006/relationships" xmlns:p="http://schemas.openxmlformats.org/presentationml/2006/main">
+<p:tagLst xmlns:p="http://schemas.openxmlformats.org/presentationml/2006/main">
   <p:tag name="KSO_WM_DIAGRAM_VIRTUALLY_FRAME" val="{&quot;height&quot;:340.3515748031496,&quot;left&quot;:51.80291338582678,&quot;top&quot;:164.64842519685038,&quot;width&quot;:857.5992125984251}"/>
 </p:tagLst>
 </file>
 
 <file path=ppt/tags/tag17.xml><?xml version="1.0" encoding="utf-8"?>
-<p:tagLst xmlns:a="http://schemas.openxmlformats.org/drawingml/2006/main" xmlns:r="http://schemas.openxmlformats.org/officeDocument/2006/relationships" xmlns:p="http://schemas.openxmlformats.org/presentationml/2006/main">
+<p:tagLst xmlns:p="http://schemas.openxmlformats.org/presentationml/2006/main">
   <p:tag name="KSO_WM_DIAGRAM_VIRTUALLY_FRAME" val="{&quot;height&quot;:340.3515748031496,&quot;left&quot;:51.80291338582678,&quot;top&quot;:164.64842519685038,&quot;width&quot;:857.5992125984251}"/>
 </p:tagLst>
 </file>
 
 <file path=ppt/tags/tag18.xml><?xml version="1.0" encoding="utf-8"?>
-<p:tagLst xmlns:a="http://schemas.openxmlformats.org/drawingml/2006/main" xmlns:r="http://schemas.openxmlformats.org/officeDocument/2006/relationships" xmlns:p="http://schemas.openxmlformats.org/presentationml/2006/main">
+<p:tagLst xmlns:p="http://schemas.openxmlformats.org/presentationml/2006/main">
   <p:tag name="KSO_WM_DIAGRAM_VIRTUALLY_FRAME" val="{&quot;height&quot;:340.3515748031496,&quot;left&quot;:51.80291338582678,&quot;top&quot;:164.64842519685038,&quot;width&quot;:857.5992125984251}"/>
 </p:tagLst>
 </file>
 
 <file path=ppt/tags/tag19.xml><?xml version="1.0" encoding="utf-8"?>
-<p:tagLst xmlns:a="http://schemas.openxmlformats.org/drawingml/2006/main" xmlns:r="http://schemas.openxmlformats.org/officeDocument/2006/relationships" xmlns:p="http://schemas.openxmlformats.org/presentationml/2006/main">
+<p:tagLst xmlns:p="http://schemas.openxmlformats.org/presentationml/2006/main">
   <p:tag name="KSO_WM_DIAGRAM_VIRTUALLY_FRAME" val="{&quot;height&quot;:340.3515748031496,&quot;left&quot;:51.80291338582678,&quot;top&quot;:164.64842519685038,&quot;width&quot;:857.5992125984251}"/>
 </p:tagLst>
 </file>
 
 <file path=ppt/tags/tag2.xml><?xml version="1.0" encoding="utf-8"?>
-<p:tagLst xmlns:a="http://schemas.openxmlformats.org/drawingml/2006/main" xmlns:r="http://schemas.openxmlformats.org/officeDocument/2006/relationships" xmlns:p="http://schemas.openxmlformats.org/presentationml/2006/main">
-  <p:tag name="KSO_WM_BEAUTIFY_FLAG" val=""/>
+<p:tagLst xmlns:p="http://schemas.openxmlformats.org/presentationml/2006/main">
+  <p:tag name="TABLE_ENDDRAG_ORIGIN_RECT" val="446*80"/>
+  <p:tag name="TABLE_ENDDRAG_RECT" val="367*367*446*80"/>
 </p:tagLst>
 </file>
 
 <file path=ppt/tags/tag20.xml><?xml version="1.0" encoding="utf-8"?>
-<p:tagLst xmlns:a="http://schemas.openxmlformats.org/drawingml/2006/main" xmlns:r="http://schemas.openxmlformats.org/officeDocument/2006/relationships" xmlns:p="http://schemas.openxmlformats.org/presentationml/2006/main">
+<p:tagLst xmlns:p="http://schemas.openxmlformats.org/presentationml/2006/main">
   <p:tag name="KSO_WM_DIAGRAM_VIRTUALLY_FRAME" val="{&quot;height&quot;:340.3515748031496,&quot;left&quot;:51.80291338582678,&quot;top&quot;:164.64842519685038,&quot;width&quot;:857.5992125984251}"/>
 </p:tagLst>
 </file>
 
 <file path=ppt/tags/tag21.xml><?xml version="1.0" encoding="utf-8"?>
-<p:tagLst xmlns:a="http://schemas.openxmlformats.org/drawingml/2006/main" xmlns:r="http://schemas.openxmlformats.org/officeDocument/2006/relationships" xmlns:p="http://schemas.openxmlformats.org/presentationml/2006/main">
+<p:tagLst xmlns:p="http://schemas.openxmlformats.org/presentationml/2006/main">
   <p:tag name="KSO_WM_DIAGRAM_VIRTUALLY_FRAME" val="{&quot;height&quot;:340.3515748031496,&quot;left&quot;:51.80291338582678,&quot;top&quot;:164.64842519685038,&quot;width&quot;:857.5992125984251}"/>
 </p:tagLst>
 </file>
 
 <file path=ppt/tags/tag22.xml><?xml version="1.0" encoding="utf-8"?>
-<p:tagLst xmlns:a="http://schemas.openxmlformats.org/drawingml/2006/main" xmlns:r="http://schemas.openxmlformats.org/officeDocument/2006/relationships" xmlns:p="http://schemas.openxmlformats.org/presentationml/2006/main">
+<p:tagLst xmlns:p="http://schemas.openxmlformats.org/presentationml/2006/main">
   <p:tag name="KSO_WM_DIAGRAM_VIRTUALLY_FRAME" val="{&quot;height&quot;:340.3515748031496,&quot;left&quot;:51.80291338582678,&quot;top&quot;:164.64842519685038,&quot;width&quot;:857.5992125984251}"/>
 </p:tagLst>
 </file>
 
 <file path=ppt/tags/tag23.xml><?xml version="1.0" encoding="utf-8"?>
-<p:tagLst xmlns:a="http://schemas.openxmlformats.org/drawingml/2006/main" xmlns:r="http://schemas.openxmlformats.org/officeDocument/2006/relationships" xmlns:p="http://schemas.openxmlformats.org/presentationml/2006/main">
+<p:tagLst xmlns:p="http://schemas.openxmlformats.org/presentationml/2006/main">
   <p:tag name="KSO_WM_DIAGRAM_VIRTUALLY_FRAME" val="{&quot;height&quot;:340.3515748031496,&quot;left&quot;:51.80291338582678,&quot;top&quot;:164.64842519685038,&quot;width&quot;:857.5992125984251}"/>
 </p:tagLst>
 </file>
 
 <file path=ppt/tags/tag24.xml><?xml version="1.0" encoding="utf-8"?>
-<p:tagLst xmlns:a="http://schemas.openxmlformats.org/drawingml/2006/main" xmlns:r="http://schemas.openxmlformats.org/officeDocument/2006/relationships" xmlns:p="http://schemas.openxmlformats.org/presentationml/2006/main">
+<p:tagLst xmlns:p="http://schemas.openxmlformats.org/presentationml/2006/main">
   <p:tag name="KSO_WM_DIAGRAM_VIRTUALLY_FRAME" val="{&quot;height&quot;:340.3515748031496,&quot;left&quot;:51.80291338582678,&quot;top&quot;:164.64842519685038,&quot;width&quot;:857.5992125984251}"/>
 </p:tagLst>
 </file>
 
 <file path=ppt/tags/tag25.xml><?xml version="1.0" encoding="utf-8"?>
-<p:tagLst xmlns:a="http://schemas.openxmlformats.org/drawingml/2006/main" xmlns:r="http://schemas.openxmlformats.org/officeDocument/2006/relationships" xmlns:p="http://schemas.openxmlformats.org/presentationml/2006/main">
+<p:tagLst xmlns:p="http://schemas.openxmlformats.org/presentationml/2006/main">
   <p:tag name="KSO_WM_DIAGRAM_VIRTUALLY_FRAME" val="{&quot;height&quot;:340.3515748031496,&quot;left&quot;:51.80291338582678,&quot;top&quot;:164.64842519685038,&quot;width&quot;:857.5992125984251}"/>
 </p:tagLst>
 </file>
 
 <file path=ppt/tags/tag26.xml><?xml version="1.0" encoding="utf-8"?>
-<p:tagLst xmlns:a="http://schemas.openxmlformats.org/drawingml/2006/main" xmlns:r="http://schemas.openxmlformats.org/officeDocument/2006/relationships" xmlns:p="http://schemas.openxmlformats.org/presentationml/2006/main">
+<p:tagLst xmlns:p="http://schemas.openxmlformats.org/presentationml/2006/main">
   <p:tag name="KSO_WM_DIAGRAM_VIRTUALLY_FRAME" val="{&quot;height&quot;:340.3515748031496,&quot;left&quot;:51.80291338582678,&quot;top&quot;:164.64842519685038,&quot;width&quot;:857.5992125984251}"/>
 </p:tagLst>
 </file>
 
 <file path=ppt/tags/tag27.xml><?xml version="1.0" encoding="utf-8"?>
-<p:tagLst xmlns:a="http://schemas.openxmlformats.org/drawingml/2006/main" xmlns:r="http://schemas.openxmlformats.org/officeDocument/2006/relationships" xmlns:p="http://schemas.openxmlformats.org/presentationml/2006/main">
+<p:tagLst xmlns:p="http://schemas.openxmlformats.org/presentationml/2006/main">
   <p:tag name="KSO_WM_DIAGRAM_VIRTUALLY_FRAME" val="{&quot;height&quot;:340.3515748031496,&quot;left&quot;:51.80291338582678,&quot;top&quot;:164.64842519685038,&quot;width&quot;:857.5992125984251}"/>
 </p:tagLst>
 </file>
 
 <file path=ppt/tags/tag28.xml><?xml version="1.0" encoding="utf-8"?>
-<p:tagLst xmlns:a="http://schemas.openxmlformats.org/drawingml/2006/main" xmlns:r="http://schemas.openxmlformats.org/officeDocument/2006/relationships" xmlns:p="http://schemas.openxmlformats.org/presentationml/2006/main">
+<p:tagLst xmlns:p="http://schemas.openxmlformats.org/presentationml/2006/main">
   <p:tag name="KSO_WM_DIAGRAM_VIRTUALLY_FRAME" val="{&quot;height&quot;:340.3515748031496,&quot;left&quot;:51.80291338582678,&quot;top&quot;:164.64842519685038,&quot;width&quot;:857.5992125984251}"/>
 </p:tagLst>
 </file>
 
 <file path=ppt/tags/tag29.xml><?xml version="1.0" encoding="utf-8"?>
-<p:tagLst xmlns:a="http://schemas.openxmlformats.org/drawingml/2006/main" xmlns:r="http://schemas.openxmlformats.org/officeDocument/2006/relationships" xmlns:p="http://schemas.openxmlformats.org/presentationml/2006/main">
+<p:tagLst xmlns:p="http://schemas.openxmlformats.org/presentationml/2006/main">
   <p:tag name="KSO_WM_DIAGRAM_VIRTUALLY_FRAME" val="{&quot;height&quot;:340.3515748031496,&quot;left&quot;:51.80291338582678,&quot;top&quot;:164.64842519685038,&quot;width&quot;:857.5992125984251}"/>
 </p:tagLst>
 </file>
 
 <file path=ppt/tags/tag3.xml><?xml version="1.0" encoding="utf-8"?>
-<p:tagLst xmlns:a="http://schemas.openxmlformats.org/drawingml/2006/main" xmlns:r="http://schemas.openxmlformats.org/officeDocument/2006/relationships" xmlns:p="http://schemas.openxmlformats.org/presentationml/2006/main">
-  <p:tag name="TABLE_ENDDRAG_ORIGIN_RECT" val="446*80"/>
-  <p:tag name="TABLE_ENDDRAG_RECT" val="367*367*446*80"/>
+<p:tagLst xmlns:p="http://schemas.openxmlformats.org/presentationml/2006/main">
+  <p:tag name="KSO_WM_DIAGRAM_VIRTUALLY_FRAME" val="{&quot;height&quot;:345.1151181102362,&quot;left&quot;:400.0302362204723,&quot;top&quot;:110.9804724409449,&quot;width&quot;:475.54204724409453}"/>
 </p:tagLst>
 </file>
 
 <file path=ppt/tags/tag30.xml><?xml version="1.0" encoding="utf-8"?>
-<p:tagLst xmlns:a="http://schemas.openxmlformats.org/drawingml/2006/main" xmlns:r="http://schemas.openxmlformats.org/officeDocument/2006/relationships" xmlns:p="http://schemas.openxmlformats.org/presentationml/2006/main">
+<p:tagLst xmlns:p="http://schemas.openxmlformats.org/presentationml/2006/main">
   <p:tag name="KSO_WM_DIAGRAM_VIRTUALLY_FRAME" val="{&quot;height&quot;:340.3515748031496,&quot;left&quot;:51.80291338582678,&quot;top&quot;:164.64842519685038,&quot;width&quot;:857.5992125984251}"/>
 </p:tagLst>
 </file>
 
 <file path=ppt/tags/tag31.xml><?xml version="1.0" encoding="utf-8"?>
-<p:tagLst xmlns:a="http://schemas.openxmlformats.org/drawingml/2006/main" xmlns:r="http://schemas.openxmlformats.org/officeDocument/2006/relationships" xmlns:p="http://schemas.openxmlformats.org/presentationml/2006/main">
+<p:tagLst xmlns:p="http://schemas.openxmlformats.org/presentationml/2006/main">
   <p:tag name="KSO_WM_DIAGRAM_VIRTUALLY_FRAME" val="{&quot;height&quot;:340.3515748031496,&quot;left&quot;:51.80291338582678,&quot;top&quot;:164.64842519685038,&quot;width&quot;:857.5992125984251}"/>
 </p:tagLst>
 </file>
 
 <file path=ppt/tags/tag32.xml><?xml version="1.0" encoding="utf-8"?>
-<p:tagLst xmlns:a="http://schemas.openxmlformats.org/drawingml/2006/main" xmlns:r="http://schemas.openxmlformats.org/officeDocument/2006/relationships" xmlns:p="http://schemas.openxmlformats.org/presentationml/2006/main">
+<p:tagLst xmlns:p="http://schemas.openxmlformats.org/presentationml/2006/main">
   <p:tag name="KSO_WM_DIAGRAM_VIRTUALLY_FRAME" val="{&quot;height&quot;:340.3515748031496,&quot;left&quot;:51.80291338582678,&quot;top&quot;:164.64842519685038,&quot;width&quot;:857.5992125984251}"/>
 </p:tagLst>
 </file>
 
 <file path=ppt/tags/tag33.xml><?xml version="1.0" encoding="utf-8"?>
-<p:tagLst xmlns:a="http://schemas.openxmlformats.org/drawingml/2006/main" xmlns:r="http://schemas.openxmlformats.org/officeDocument/2006/relationships" xmlns:p="http://schemas.openxmlformats.org/presentationml/2006/main">
+<p:tagLst xmlns:p="http://schemas.openxmlformats.org/presentationml/2006/main">
   <p:tag name="KSO_WM_DIAGRAM_VIRTUALLY_FRAME" val="{&quot;height&quot;:340.3515748031496,&quot;left&quot;:51.80291338582678,&quot;top&quot;:164.64842519685038,&quot;width&quot;:857.5992125984251}"/>
 </p:tagLst>
 </file>
 
 <file path=ppt/tags/tag34.xml><?xml version="1.0" encoding="utf-8"?>
-<p:tagLst xmlns:a="http://schemas.openxmlformats.org/drawingml/2006/main" xmlns:r="http://schemas.openxmlformats.org/officeDocument/2006/relationships" xmlns:p="http://schemas.openxmlformats.org/presentationml/2006/main">
+<p:tagLst xmlns:p="http://schemas.openxmlformats.org/presentationml/2006/main">
   <p:tag name="KSO_WM_DIAGRAM_VIRTUALLY_FRAME" val="{&quot;height&quot;:340.3515748031496,&quot;left&quot;:51.80291338582678,&quot;top&quot;:164.64842519685038,&quot;width&quot;:857.5992125984251}"/>
 </p:tagLst>
 </file>
 
 <file path=ppt/tags/tag35.xml><?xml version="1.0" encoding="utf-8"?>
-<p:tagLst xmlns:a="http://schemas.openxmlformats.org/drawingml/2006/main" xmlns:r="http://schemas.openxmlformats.org/officeDocument/2006/relationships" xmlns:p="http://schemas.openxmlformats.org/presentationml/2006/main">
+<p:tagLst xmlns:p="http://schemas.openxmlformats.org/presentationml/2006/main">
   <p:tag name="KSO_WM_DIAGRAM_VIRTUALLY_FRAME" val="{&quot;height&quot;:340.3515748031496,&quot;left&quot;:51.80291338582678,&quot;top&quot;:164.64842519685038,&quot;width&quot;:857.5992125984251}"/>
 </p:tagLst>
 </file>
 
 <file path=ppt/tags/tag36.xml><?xml version="1.0" encoding="utf-8"?>
-<p:tagLst xmlns:a="http://schemas.openxmlformats.org/drawingml/2006/main" xmlns:r="http://schemas.openxmlformats.org/officeDocument/2006/relationships" xmlns:p="http://schemas.openxmlformats.org/presentationml/2006/main">
+<p:tagLst xmlns:p="http://schemas.openxmlformats.org/presentationml/2006/main">
   <p:tag name="KSO_WM_DIAGRAM_VIRTUALLY_FRAME" val="{&quot;height&quot;:340.3515748031496,&quot;left&quot;:51.80291338582678,&quot;top&quot;:164.64842519685038,&quot;width&quot;:857.5992125984251}"/>
 </p:tagLst>
 </file>
 
 <file path=ppt/tags/tag37.xml><?xml version="1.0" encoding="utf-8"?>
-<p:tagLst xmlns:a="http://schemas.openxmlformats.org/drawingml/2006/main" xmlns:r="http://schemas.openxmlformats.org/officeDocument/2006/relationships" xmlns:p="http://schemas.openxmlformats.org/presentationml/2006/main">
+<p:tagLst xmlns:p="http://schemas.openxmlformats.org/presentationml/2006/main">
   <p:tag name="KSO_WM_DIAGRAM_VIRTUALLY_FRAME" val="{&quot;height&quot;:340.3515748031496,&quot;left&quot;:51.80291338582678,&quot;top&quot;:164.64842519685038,&quot;width&quot;:857.5992125984251}"/>
 </p:tagLst>
 </file>
 
 <file path=ppt/tags/tag38.xml><?xml version="1.0" encoding="utf-8"?>
-<p:tagLst xmlns:a="http://schemas.openxmlformats.org/drawingml/2006/main" xmlns:r="http://schemas.openxmlformats.org/officeDocument/2006/relationships" xmlns:p="http://schemas.openxmlformats.org/presentationml/2006/main">
+<p:tagLst xmlns:p="http://schemas.openxmlformats.org/presentationml/2006/main">
   <p:tag name="KSO_WM_DIAGRAM_VIRTUALLY_FRAME" val="{&quot;height&quot;:340.3515748031496,&quot;left&quot;:51.80291338582678,&quot;top&quot;:164.64842519685038,&quot;width&quot;:857.5992125984251}"/>
 </p:tagLst>
 </file>
 
 <file path=ppt/tags/tag39.xml><?xml version="1.0" encoding="utf-8"?>
-<p:tagLst xmlns:a="http://schemas.openxmlformats.org/drawingml/2006/main" xmlns:r="http://schemas.openxmlformats.org/officeDocument/2006/relationships" xmlns:p="http://schemas.openxmlformats.org/presentationml/2006/main">
+<p:tagLst xmlns:p="http://schemas.openxmlformats.org/presentationml/2006/main">
   <p:tag name="KSO_WM_DIAGRAM_VIRTUALLY_FRAME" val="{&quot;height&quot;:340.3515748031496,&quot;left&quot;:51.80291338582678,&quot;top&quot;:164.64842519685038,&quot;width&quot;:857.5992125984251}"/>
 </p:tagLst>
 </file>
 
 <file path=ppt/tags/tag4.xml><?xml version="1.0" encoding="utf-8"?>
-<p:tagLst xmlns:a="http://schemas.openxmlformats.org/drawingml/2006/main" xmlns:r="http://schemas.openxmlformats.org/officeDocument/2006/relationships" xmlns:p="http://schemas.openxmlformats.org/presentationml/2006/main">
+<p:tagLst xmlns:p="http://schemas.openxmlformats.org/presentationml/2006/main">
   <p:tag name="KSO_WM_DIAGRAM_VIRTUALLY_FRAME" val="{&quot;height&quot;:345.1151181102362,&quot;left&quot;:400.0302362204723,&quot;top&quot;:110.9804724409449,&quot;width&quot;:475.54204724409453}"/>
 </p:tagLst>
 </file>
 
 <file path=ppt/tags/tag40.xml><?xml version="1.0" encoding="utf-8"?>
-<p:tagLst xmlns:a="http://schemas.openxmlformats.org/drawingml/2006/main" xmlns:r="http://schemas.openxmlformats.org/officeDocument/2006/relationships" xmlns:p="http://schemas.openxmlformats.org/presentationml/2006/main">
+<p:tagLst xmlns:p="http://schemas.openxmlformats.org/presentationml/2006/main">
   <p:tag name="KSO_WM_DIAGRAM_VIRTUALLY_FRAME" val="{&quot;height&quot;:340.3515748031496,&quot;left&quot;:51.80291338582678,&quot;top&quot;:164.64842519685038,&quot;width&quot;:857.5992125984251}"/>
 </p:tagLst>
 </file>
 
 <file path=ppt/tags/tag41.xml><?xml version="1.0" encoding="utf-8"?>
-<p:tagLst xmlns:a="http://schemas.openxmlformats.org/drawingml/2006/main" xmlns:r="http://schemas.openxmlformats.org/officeDocument/2006/relationships" xmlns:p="http://schemas.openxmlformats.org/presentationml/2006/main">
+<p:tagLst xmlns:p="http://schemas.openxmlformats.org/presentationml/2006/main">
   <p:tag name="KSO_WM_DIAGRAM_VIRTUALLY_FRAME" val="{&quot;height&quot;:340.3515748031496,&quot;left&quot;:51.80291338582678,&quot;top&quot;:164.64842519685038,&quot;width&quot;:857.5992125984251}"/>
 </p:tagLst>
 </file>
 
 <file path=ppt/tags/tag42.xml><?xml version="1.0" encoding="utf-8"?>
-<p:tagLst xmlns:a="http://schemas.openxmlformats.org/drawingml/2006/main" xmlns:r="http://schemas.openxmlformats.org/officeDocument/2006/relationships" xmlns:p="http://schemas.openxmlformats.org/presentationml/2006/main">
+<p:tagLst xmlns:p="http://schemas.openxmlformats.org/presentationml/2006/main">
   <p:tag name="KSO_WM_DIAGRAM_VIRTUALLY_FRAME" val="{&quot;height&quot;:340.3515748031496,&quot;left&quot;:51.80291338582678,&quot;top&quot;:164.64842519685038,&quot;width&quot;:857.5992125984251}"/>
 </p:tagLst>
 </file>
 
 <file path=ppt/tags/tag43.xml><?xml version="1.0" encoding="utf-8"?>
-<p:tagLst xmlns:a="http://schemas.openxmlformats.org/drawingml/2006/main" xmlns:r="http://schemas.openxmlformats.org/officeDocument/2006/relationships" xmlns:p="http://schemas.openxmlformats.org/presentationml/2006/main">
+<p:tagLst xmlns:p="http://schemas.openxmlformats.org/presentationml/2006/main">
   <p:tag name="KSO_WM_DIAGRAM_VIRTUALLY_FRAME" val="{&quot;height&quot;:340.3515748031496,&quot;left&quot;:51.80291338582678,&quot;top&quot;:164.64842519685038,&quot;width&quot;:857.5992125984251}"/>
 </p:tagLst>
 </file>
 
 <file path=ppt/tags/tag44.xml><?xml version="1.0" encoding="utf-8"?>
-<p:tagLst xmlns:a="http://schemas.openxmlformats.org/drawingml/2006/main" xmlns:r="http://schemas.openxmlformats.org/officeDocument/2006/relationships" xmlns:p="http://schemas.openxmlformats.org/presentationml/2006/main">
+<p:tagLst xmlns:p="http://schemas.openxmlformats.org/presentationml/2006/main">
   <p:tag name="KSO_WM_DIAGRAM_VIRTUALLY_FRAME" val="{&quot;height&quot;:340.3515748031496,&quot;left&quot;:51.80291338582678,&quot;top&quot;:164.64842519685038,&quot;width&quot;:857.5992125984251}"/>
 </p:tagLst>
 </file>
 
 <file path=ppt/tags/tag45.xml><?xml version="1.0" encoding="utf-8"?>
-<p:tagLst xmlns:a="http://schemas.openxmlformats.org/drawingml/2006/main" xmlns:r="http://schemas.openxmlformats.org/officeDocument/2006/relationships" xmlns:p="http://schemas.openxmlformats.org/presentationml/2006/main">
+<p:tagLst xmlns:p="http://schemas.openxmlformats.org/presentationml/2006/main">
   <p:tag name="KSO_WM_DIAGRAM_VIRTUALLY_FRAME" val="{&quot;height&quot;:340.3515748031496,&quot;left&quot;:51.80291338582678,&quot;top&quot;:164.64842519685038,&quot;width&quot;:857.5992125984251}"/>
 </p:tagLst>
 </file>
 
 <file path=ppt/tags/tag46.xml><?xml version="1.0" encoding="utf-8"?>
-<p:tagLst xmlns:a="http://schemas.openxmlformats.org/drawingml/2006/main" xmlns:r="http://schemas.openxmlformats.org/officeDocument/2006/relationships" xmlns:p="http://schemas.openxmlformats.org/presentationml/2006/main">
+<p:tagLst xmlns:p="http://schemas.openxmlformats.org/presentationml/2006/main">
   <p:tag name="KSO_WM_DIAGRAM_VIRTUALLY_FRAME" val="{&quot;height&quot;:340.3515748031496,&quot;left&quot;:51.80291338582678,&quot;top&quot;:164.64842519685038,&quot;width&quot;:857.5992125984251}"/>
 </p:tagLst>
 </file>
 
 <file path=ppt/tags/tag47.xml><?xml version="1.0" encoding="utf-8"?>
-<p:tagLst xmlns:a="http://schemas.openxmlformats.org/drawingml/2006/main" xmlns:r="http://schemas.openxmlformats.org/officeDocument/2006/relationships" xmlns:p="http://schemas.openxmlformats.org/presentationml/2006/main">
+<p:tagLst xmlns:p="http://schemas.openxmlformats.org/presentationml/2006/main">
   <p:tag name="KSO_WM_DIAGRAM_VIRTUALLY_FRAME" val="{&quot;height&quot;:340.3515748031496,&quot;left&quot;:51.80291338582678,&quot;top&quot;:164.64842519685038,&quot;width&quot;:857.5992125984251}"/>
 </p:tagLst>
 </file>
 
 <file path=ppt/tags/tag48.xml><?xml version="1.0" encoding="utf-8"?>
-<p:tagLst xmlns:a="http://schemas.openxmlformats.org/drawingml/2006/main" xmlns:r="http://schemas.openxmlformats.org/officeDocument/2006/relationships" xmlns:p="http://schemas.openxmlformats.org/presentationml/2006/main">
+<p:tagLst xmlns:p="http://schemas.openxmlformats.org/presentationml/2006/main">
   <p:tag name="KSO_WM_DIAGRAM_VIRTUALLY_FRAME" val="{&quot;height&quot;:340.3515748031496,&quot;left&quot;:51.80291338582678,&quot;top&quot;:164.64842519685038,&quot;width&quot;:857.5992125984251}"/>
 </p:tagLst>
 </file>
 
 <file path=ppt/tags/tag49.xml><?xml version="1.0" encoding="utf-8"?>
-<p:tagLst xmlns:a="http://schemas.openxmlformats.org/drawingml/2006/main" xmlns:r="http://schemas.openxmlformats.org/officeDocument/2006/relationships" xmlns:p="http://schemas.openxmlformats.org/presentationml/2006/main">
+<p:tagLst xmlns:p="http://schemas.openxmlformats.org/presentationml/2006/main">
   <p:tag name="KSO_WM_DIAGRAM_VIRTUALLY_FRAME" val="{&quot;height&quot;:340.3515748031496,&quot;left&quot;:51.80291338582678,&quot;top&quot;:164.64842519685038,&quot;width&quot;:857.5992125984251}"/>
 </p:tagLst>
 </file>
 
 <file path=ppt/tags/tag5.xml><?xml version="1.0" encoding="utf-8"?>
-<p:tagLst xmlns:a="http://schemas.openxmlformats.org/drawingml/2006/main" xmlns:r="http://schemas.openxmlformats.org/officeDocument/2006/relationships" xmlns:p="http://schemas.openxmlformats.org/presentationml/2006/main">
+<p:tagLst xmlns:p="http://schemas.openxmlformats.org/presentationml/2006/main">
   <p:tag name="KSO_WM_DIAGRAM_VIRTUALLY_FRAME" val="{&quot;height&quot;:345.1151181102362,&quot;left&quot;:400.0302362204723,&quot;top&quot;:110.9804724409449,&quot;width&quot;:475.54204724409453}"/>
 </p:tagLst>
 </file>
 
 <file path=ppt/tags/tag50.xml><?xml version="1.0" encoding="utf-8"?>
-<p:tagLst xmlns:a="http://schemas.openxmlformats.org/drawingml/2006/main" xmlns:r="http://schemas.openxmlformats.org/officeDocument/2006/relationships" xmlns:p="http://schemas.openxmlformats.org/presentationml/2006/main">
+<p:tagLst xmlns:p="http://schemas.openxmlformats.org/presentationml/2006/main">
   <p:tag name="KSO_WM_DIAGRAM_VIRTUALLY_FRAME" val="{&quot;height&quot;:340.3515748031496,&quot;left&quot;:51.80291338582678,&quot;top&quot;:164.64842519685038,&quot;width&quot;:857.5992125984251}"/>
 </p:tagLst>
 </file>
 
 <file path=ppt/tags/tag51.xml><?xml version="1.0" encoding="utf-8"?>
-<p:tagLst xmlns:a="http://schemas.openxmlformats.org/drawingml/2006/main" xmlns:r="http://schemas.openxmlformats.org/officeDocument/2006/relationships" xmlns:p="http://schemas.openxmlformats.org/presentationml/2006/main">
+<p:tagLst xmlns:p="http://schemas.openxmlformats.org/presentationml/2006/main">
   <p:tag name="KSO_WM_DIAGRAM_VIRTUALLY_FRAME" val="{&quot;height&quot;:340.3515748031496,&quot;left&quot;:51.80291338582678,&quot;top&quot;:164.64842519685038,&quot;width&quot;:857.5992125984251}"/>
 </p:tagLst>
 </file>
 
 <file path=ppt/tags/tag52.xml><?xml version="1.0" encoding="utf-8"?>
-<p:tagLst xmlns:a="http://schemas.openxmlformats.org/drawingml/2006/main" xmlns:r="http://schemas.openxmlformats.org/officeDocument/2006/relationships" xmlns:p="http://schemas.openxmlformats.org/presentationml/2006/main">
+<p:tagLst xmlns:p="http://schemas.openxmlformats.org/presentationml/2006/main">
   <p:tag name="KSO_WM_DIAGRAM_VIRTUALLY_FRAME" val="{&quot;height&quot;:340.3515748031496,&quot;left&quot;:51.80291338582678,&quot;top&quot;:164.64842519685038,&quot;width&quot;:857.5992125984251}"/>
 </p:tagLst>
 </file>
 
 <file path=ppt/tags/tag53.xml><?xml version="1.0" encoding="utf-8"?>
-<p:tagLst xmlns:a="http://schemas.openxmlformats.org/drawingml/2006/main" xmlns:r="http://schemas.openxmlformats.org/officeDocument/2006/relationships" xmlns:p="http://schemas.openxmlformats.org/presentationml/2006/main">
+<p:tagLst xmlns:p="http://schemas.openxmlformats.org/presentationml/2006/main">
   <p:tag name="KSO_WM_DIAGRAM_VIRTUALLY_FRAME" val="{&quot;height&quot;:340.3515748031496,&quot;left&quot;:51.80291338582678,&quot;top&quot;:164.64842519685038,&quot;width&quot;:857.5992125984251}"/>
 </p:tagLst>
 </file>
 
 <file path=ppt/tags/tag54.xml><?xml version="1.0" encoding="utf-8"?>
-<p:tagLst xmlns:a="http://schemas.openxmlformats.org/drawingml/2006/main" xmlns:r="http://schemas.openxmlformats.org/officeDocument/2006/relationships" xmlns:p="http://schemas.openxmlformats.org/presentationml/2006/main">
-  <p:tag name="KSO_WM_DIAGRAM_VIRTUALLY_FRAME" val="{&quot;height&quot;:340.3515748031496,&quot;left&quot;:51.80291338582678,&quot;top&quot;:164.64842519685038,&quot;width&quot;:857.5992125984251}"/>
+<p:tagLst xmlns:p="http://schemas.openxmlformats.org/presentationml/2006/main">
+  <p:tag name="KSO_WM_DIAGRAM_VIRTUALLY_FRAME" val="{&quot;height&quot;:214.60118110236226,&quot;left&quot;:56.01905511811019,&quot;top&quot;:94.57913385826771,&quot;width&quot;:853.7056692913386}"/>
 </p:tagLst>
 </file>
 
 <file path=ppt/tags/tag55.xml><?xml version="1.0" encoding="utf-8"?>
-<p:tagLst xmlns:a="http://schemas.openxmlformats.org/drawingml/2006/main" xmlns:r="http://schemas.openxmlformats.org/officeDocument/2006/relationships" xmlns:p="http://schemas.openxmlformats.org/presentationml/2006/main">
+<p:tagLst xmlns:p="http://schemas.openxmlformats.org/presentationml/2006/main">
+  <p:tag name="KSO_WM_DIAGRAM_VIRTUALLY_FRAME" val="{&quot;height&quot;:168.95118110236223,&quot;left&quot;:57.15322834645669,&quot;top&quot;:140.22913385826772,&quot;width&quot;:852.5714960629921}"/>
+</p:tagLst>
+</file>
+
+<file path=ppt/tags/tag56.xml><?xml version="1.0" encoding="utf-8"?>
+<p:tagLst xmlns:p="http://schemas.openxmlformats.org/presentationml/2006/main">
   <p:tag name="KSO_WM_DIAGRAM_VIRTUALLY_FRAME" val="{&quot;height&quot;:214.60118110236226,&quot;left&quot;:56.01905511811019,&quot;top&quot;:94.57913385826771,&quot;width&quot;:853.7056692913386}"/>
 </p:tagLst>
 </file>
 
-<file path=ppt/tags/tag56.xml><?xml version="1.0" encoding="utf-8"?>
-<p:tagLst xmlns:a="http://schemas.openxmlformats.org/drawingml/2006/main" xmlns:r="http://schemas.openxmlformats.org/officeDocument/2006/relationships" xmlns:p="http://schemas.openxmlformats.org/presentationml/2006/main">
-  <p:tag name="KSO_WM_DIAGRAM_VIRTUALLY_FRAME" val="{&quot;height&quot;:168.95118110236223,&quot;left&quot;:57.15322834645669,&quot;top&quot;:140.22913385826772,&quot;width&quot;:852.5714960629921}"/>
-</p:tagLst>
-</file>
-
 <file path=ppt/tags/tag57.xml><?xml version="1.0" encoding="utf-8"?>
-<p:tagLst xmlns:a="http://schemas.openxmlformats.org/drawingml/2006/main" xmlns:r="http://schemas.openxmlformats.org/officeDocument/2006/relationships" xmlns:p="http://schemas.openxmlformats.org/presentationml/2006/main">
+<p:tagLst xmlns:p="http://schemas.openxmlformats.org/presentationml/2006/main">
   <p:tag name="KSO_WM_DIAGRAM_VIRTUALLY_FRAME" val="{&quot;height&quot;:214.60118110236226,&quot;left&quot;:56.01905511811019,&quot;top&quot;:94.57913385826771,&quot;width&quot;:853.7056692913386}"/>
 </p:tagLst>
 </file>
 
 <file path=ppt/tags/tag58.xml><?xml version="1.0" encoding="utf-8"?>
-<p:tagLst xmlns:a="http://schemas.openxmlformats.org/drawingml/2006/main" xmlns:r="http://schemas.openxmlformats.org/officeDocument/2006/relationships" xmlns:p="http://schemas.openxmlformats.org/presentationml/2006/main">
-  <p:tag name="KSO_WM_DIAGRAM_VIRTUALLY_FRAME" val="{&quot;height&quot;:214.60118110236226,&quot;left&quot;:56.01905511811019,&quot;top&quot;:94.57913385826771,&quot;width&quot;:853.7056692913386}"/>
+<p:tagLst xmlns:p="http://schemas.openxmlformats.org/presentationml/2006/main">
+  <p:tag name="KSO_WM_UNIT_FILL_FORE_SCHEMECOLOR_INDEX_1_BRIGHTNESS" val="0.6"/>
+  <p:tag name="KSO_WM_UNIT_FILL_FORE_SCHEMECOLOR_INDEX_1" val="5"/>
+  <p:tag name="KSO_WM_UNIT_FILL_FORE_SCHEMECOLOR_INDEX_1_POS" val="0"/>
+  <p:tag name="KSO_WM_UNIT_FILL_FORE_SCHEMECOLOR_INDEX_1_TRANS" val="0"/>
+  <p:tag name="KSO_WM_UNIT_FILL_FORE_SCHEMECOLOR_INDEX_2_BRIGHTNESS" val="0"/>
+  <p:tag name="KSO_WM_UNIT_FILL_FORE_SCHEMECOLOR_INDEX_2" val="5"/>
+  <p:tag name="KSO_WM_UNIT_FILL_FORE_SCHEMECOLOR_INDEX_2_POS" val="0.44"/>
+  <p:tag name="KSO_WM_UNIT_FILL_FORE_SCHEMECOLOR_INDEX_2_TRANS" val="0"/>
+  <p:tag name="KSO_WM_UNIT_FILL_FORE_SCHEMECOLOR_INDEX_3_BRIGHTNESS" val="0"/>
+  <p:tag name="KSO_WM_UNIT_FILL_FORE_SCHEMECOLOR_INDEX_3" val="5"/>
+  <p:tag name="KSO_WM_UNIT_FILL_FORE_SCHEMECOLOR_INDEX_3_POS" val="0.66"/>
+  <p:tag name="KSO_WM_UNIT_FILL_FORE_SCHEMECOLOR_INDEX_3_TRANS" val="0"/>
+  <p:tag name="KSO_WM_UNIT_FILL_FORE_SCHEMECOLOR_INDEX_4_BRIGHTNESS" val="0"/>
+  <p:tag name="KSO_WM_UNIT_FILL_FORE_SCHEMECOLOR_INDEX_4" val="5"/>
+  <p:tag name="KSO_WM_UNIT_FILL_FORE_SCHEMECOLOR_INDEX_4_POS" val="1"/>
+  <p:tag name="KSO_WM_UNIT_FILL_FORE_SCHEMECOLOR_INDEX_4_TRANS" val="0"/>
+  <p:tag name="KSO_WM_UNIT_FILL_GRADIENT_TYPE" val="2"/>
+  <p:tag name="KSO_WM_UNIT_FILL_GRADIENT_ANGLE" val="0"/>
+  <p:tag name="KSO_WM_UNIT_FILL_GRADIENT_DIRECTION" val="12"/>
+  <p:tag name="KSO_WM_UNIT_LINE_FORE_SCHEMECOLOR_INDEX_1_BRIGHTNESS" val="0.55"/>
+  <p:tag name="KSO_WM_UNIT_LINE_FORE_SCHEMECOLOR_INDEX_1" val="5"/>
+  <p:tag name="KSO_WM_UNIT_LINE_FORE_SCHEMECOLOR_INDEX_1_POS" val="0"/>
+  <p:tag name="KSO_WM_UNIT_LINE_FORE_SCHEMECOLOR_INDEX_1_TRANS" val="0"/>
+  <p:tag name="KSO_WM_UNIT_LINE_FORE_SCHEMECOLOR_INDEX_2_BRIGHTNESS" val="0.95"/>
+  <p:tag name="KSO_WM_UNIT_LINE_FORE_SCHEMECOLOR_INDEX_2" val="5"/>
+  <p:tag name="KSO_WM_UNIT_LINE_FORE_SCHEMECOLOR_INDEX_2_POS" val="0.37"/>
+  <p:tag name="KSO_WM_UNIT_LINE_FORE_SCHEMECOLOR_INDEX_2_TRANS" val="0"/>
+  <p:tag name="KSO_WM_UNIT_LINE_FORE_SCHEMECOLOR_INDEX_3_BRIGHTNESS" val="0.7"/>
+  <p:tag name="KSO_WM_UNIT_LINE_FORE_SCHEMECOLOR_INDEX_3" val="5"/>
+  <p:tag name="KSO_WM_UNIT_LINE_FORE_SCHEMECOLOR_INDEX_3_POS" val="0.71"/>
+  <p:tag name="KSO_WM_UNIT_LINE_FORE_SCHEMECOLOR_INDEX_3_TRANS" val="0"/>
+  <p:tag name="KSO_WM_UNIT_LINE_FORE_SCHEMECOLOR_INDEX_4_BRIGHTNESS" val="0"/>
+  <p:tag name="KSO_WM_UNIT_LINE_FORE_SCHEMECOLOR_INDEX_4" val="14"/>
+  <p:tag name="KSO_WM_UNIT_LINE_FORE_SCHEMECOLOR_INDEX_4_POS" val="1"/>
+  <p:tag name="KSO_WM_UNIT_LINE_FORE_SCHEMECOLOR_INDEX_4_TRANS" val="0"/>
+  <p:tag name="KSO_WM_UNIT_LINE_GRADIENT_TYPE" val="0"/>
+  <p:tag name="KSO_WM_UNIT_LINE_GRADIENT_ANGLE" val="270"/>
+  <p:tag name="KSO_WM_UNIT_LINE_GRADIENT_DIRECTION" val="6"/>
+  <p:tag name="KSO_WM_UNIT_LINE_FILL_TYPE" val="5"/>
+  <p:tag name="KSO_WM_UNIT_SHADOW_SCHEMECOLOR_INDEX_BRIGHTNESS" val="0"/>
+  <p:tag name="KSO_WM_UNIT_SHADOW_SCHEMECOLOR_INDEX" val="5"/>
+  <p:tag name="KSO_WM_UNIT_TEXT_FILL_FORE_SCHEMECOLOR_INDEX_BRIGHTNESS" val="0"/>
+  <p:tag name="KSO_WM_UNIT_TEXT_FILL_TYPE" val="1"/>
+  <p:tag name="KSO_WM_UNIT_HIGHLIGHT" val="0"/>
+  <p:tag name="KSO_WM_UNIT_COMPATIBLE" val="0"/>
+  <p:tag name="KSO_WM_UNIT_DIAGRAM_ISNUMVISUAL" val="0"/>
+  <p:tag name="KSO_WM_UNIT_DIAGRAM_ISREFERUNIT" val="0"/>
+  <p:tag name="KSO_WM_DIAGRAM_GROUP_CODE" val="m1-1"/>
+  <p:tag name="KSO_WM_UNIT_ID" val="diagram20230931_4*m_h_a*1_1_1"/>
+  <p:tag name="KSO_WM_TEMPLATE_CATEGORY" val="diagram"/>
+  <p:tag name="KSO_WM_TEMPLATE_INDEX" val="20230931"/>
+  <p:tag name="KSO_WM_UNIT_LAYERLEVEL" val="1_1_1"/>
+  <p:tag name="KSO_WM_TAG_VERSION" val="3.0"/>
+  <p:tag name="KSO_WM_UNIT_ISCONTENTSTITLE" val="0"/>
+  <p:tag name="KSO_WM_UNIT_ISNUMDGMTITLE" val="0"/>
+  <p:tag name="KSO_WM_UNIT_NOCLEAR" val="0"/>
+  <p:tag name="KSO_WM_UNIT_VALUE" val="14"/>
+  <p:tag name="KSO_WM_UNIT_TYPE" val="m_h_a"/>
+  <p:tag name="KSO_WM_UNIT_INDEX" val="1_1_1"/>
+  <p:tag name="KSO_WM_DIAGRAM_VERSION" val="3"/>
+  <p:tag name="KSO_WM_DIAGRAM_COLOR_TRICK" val="2"/>
+  <p:tag name="KSO_WM_DIAGRAM_COLOR_TEXT_CAN_REMOVE" val="n"/>
+  <p:tag name="KSO_WM_DIAGRAM_MAX_ITEMCNT" val="6"/>
+  <p:tag name="KSO_WM_DIAGRAM_MIN_ITEMCNT" val="2"/>
+  <p:tag name="KSO_WM_DIAGRAM_VIRTUALLY_FRAME" val="{&quot;height&quot;:384.1991271972656,&quot;left&quot;:28.3,&quot;top&quot;:77.95047577144597,&quot;width&quot;:903.501968503937}"/>
+  <p:tag name="KSO_WM_DIAGRAM_COLOR_MATCH_VALUE" val="{&quot;shape&quot;:{&quot;fill&quot;:{&quot;gradient&quot;:[{&quot;brightness&quot;:0.800000011920929,&quot;colorType&quot;:1,&quot;foreColorIndex&quot;:5,&quot;pos&quot;:0,&quot;transparency&quot;:0},{&quot;brightness&quot;:0,&quot;colorType&quot;:1,&quot;foreColorIndex&quot;:5,&quot;pos&quot;:0.4399999976158142,&quot;transparency&quot;:0}],&quot;type&quot;:3},&quot;glow&quot;:{&quot;colorType&quot;:0},&quot;line&quot;:{&quot;gradient&quot;:[{&quot;brightness&quot;:0.550000011920929,&quot;colorType&quot;:2,&quot;pos&quot;:0,&quot;rgb&quot;:&quot;#dbe5ff&quot;,&quot;transparency&quot;:0},{&quot;brightness&quot;:0.949999988079071,&quot;colorType&quot;:2,&quot;pos&quot;:0.3700000047683716,&quot;rgb&quot;:&quot;#fdfeff&quot;,&quot;transparency&quot;:0},{&quot;brightness&quot;:0.699999988079071,&quot;colorType&quot;:2,&quot;pos&quot;:0.7099999785423279,&quot;rgb&quot;:&quot;#e7eeff&quot;,&quot;transparency&quot;:0},{&quot;brightness&quot;:0,&quot;colorType&quot;:2,&quot;pos&quot;:1,&quot;rgb&quot;:&quot;#ffffff&quot;,&quot;transparency&quot;:0}],&quot;type&quot;:2},&quot;shadow&quot;:{&quot;brightness&quot;:0,&quot;colorType&quot;:1,&quot;foreColorIndex&quot;:5,&quot;transparency&quot;:0.8500000238418579},&quot;threeD&quot;:{&quot;curvedSurface&quot;:{&quot;brightness&quot;:0,&quot;colorType&quot;:2,&quot;rgb&quot;:&quot;#000000&quot;},&quot;depth&quot;:{&quot;colorType&quot;:0}}},&quot;text&quot;:{&quot;fill&quot;:{&quot;solid&quot;:{&quot;brightness&quot;:0,&quot;colorType&quot;:2,&quot;rgb&quot;:&quot;#ffffff&quot;,&quot;transparency&quot;:0},&quot;type&quot;:1},&quot;glow&quot;:{&quot;colorType&quot;:0},&quot;line&quot;:{&quot;type&quot;:0},&quot;shadow&quot;:{&quot;colorType&quot;:0},&quot;threeD&quot;:{&quot;curvedSurface&quot;:{&quot;brightness&quot;:0,&quot;colorType&quot;:2,&quot;rgb&quot;:&quot;#000000&quot;},&quot;depth&quot;:{&quot;colorType&quot;:0}}}}"/>
+  <p:tag name="KSO_WM_UNIT_FILL_TYPE" val="3"/>
+  <p:tag name="KSO_WM_UNIT_PRESET_TEXT" val="添加标题"/>
+  <p:tag name="KSO_WM_DIAGRAM_USE_COLOR_VALUE" val="{&quot;color_scheme&quot;:1,&quot;color_type&quot;:1,&quot;theme_color_indexes&quot;:[]}"/>
 </p:tagLst>
 </file>
 
 <file path=ppt/tags/tag59.xml><?xml version="1.0" encoding="utf-8"?>
-<p:tagLst xmlns:a="http://schemas.openxmlformats.org/drawingml/2006/main" xmlns:r="http://schemas.openxmlformats.org/officeDocument/2006/relationships" xmlns:p="http://schemas.openxmlformats.org/presentationml/2006/main">
+<p:tagLst xmlns:p="http://schemas.openxmlformats.org/presentationml/2006/main">
   <p:tag name="KSO_WM_UNIT_FILL_FORE_SCHEMECOLOR_INDEX_1_BRIGHTNESS" val="0.6"/>
   <p:tag name="KSO_WM_UNIT_FILL_FORE_SCHEMECOLOR_INDEX_1" val="5"/>
   <p:tag name="KSO_WM_UNIT_FILL_FORE_SCHEMECOLOR_INDEX_1_POS" val="0"/>
@@ -25564,87 +26398,39 @@
 </file>
 
 <file path=ppt/tags/tag6.xml><?xml version="1.0" encoding="utf-8"?>
-<p:tagLst xmlns:a="http://schemas.openxmlformats.org/drawingml/2006/main" xmlns:r="http://schemas.openxmlformats.org/officeDocument/2006/relationships" xmlns:p="http://schemas.openxmlformats.org/presentationml/2006/main">
+<p:tagLst xmlns:p="http://schemas.openxmlformats.org/presentationml/2006/main">
   <p:tag name="KSO_WM_DIAGRAM_VIRTUALLY_FRAME" val="{&quot;height&quot;:345.1151181102362,&quot;left&quot;:400.0302362204723,&quot;top&quot;:110.9804724409449,&quot;width&quot;:475.54204724409453}"/>
 </p:tagLst>
 </file>
 
 <file path=ppt/tags/tag60.xml><?xml version="1.0" encoding="utf-8"?>
-<p:tagLst xmlns:a="http://schemas.openxmlformats.org/drawingml/2006/main" xmlns:r="http://schemas.openxmlformats.org/officeDocument/2006/relationships" xmlns:p="http://schemas.openxmlformats.org/presentationml/2006/main">
-  <p:tag name="KSO_WM_UNIT_FILL_FORE_SCHEMECOLOR_INDEX_1_BRIGHTNESS" val="0.6"/>
-  <p:tag name="KSO_WM_UNIT_FILL_FORE_SCHEMECOLOR_INDEX_1" val="5"/>
-  <p:tag name="KSO_WM_UNIT_FILL_FORE_SCHEMECOLOR_INDEX_1_POS" val="0"/>
-  <p:tag name="KSO_WM_UNIT_FILL_FORE_SCHEMECOLOR_INDEX_1_TRANS" val="0"/>
-  <p:tag name="KSO_WM_UNIT_FILL_FORE_SCHEMECOLOR_INDEX_2_BRIGHTNESS" val="0"/>
-  <p:tag name="KSO_WM_UNIT_FILL_FORE_SCHEMECOLOR_INDEX_2" val="5"/>
-  <p:tag name="KSO_WM_UNIT_FILL_FORE_SCHEMECOLOR_INDEX_2_POS" val="0.44"/>
-  <p:tag name="KSO_WM_UNIT_FILL_FORE_SCHEMECOLOR_INDEX_2_TRANS" val="0"/>
-  <p:tag name="KSO_WM_UNIT_FILL_FORE_SCHEMECOLOR_INDEX_3_BRIGHTNESS" val="0"/>
-  <p:tag name="KSO_WM_UNIT_FILL_FORE_SCHEMECOLOR_INDEX_3" val="5"/>
-  <p:tag name="KSO_WM_UNIT_FILL_FORE_SCHEMECOLOR_INDEX_3_POS" val="0.66"/>
-  <p:tag name="KSO_WM_UNIT_FILL_FORE_SCHEMECOLOR_INDEX_3_TRANS" val="0"/>
-  <p:tag name="KSO_WM_UNIT_FILL_FORE_SCHEMECOLOR_INDEX_4_BRIGHTNESS" val="0"/>
-  <p:tag name="KSO_WM_UNIT_FILL_FORE_SCHEMECOLOR_INDEX_4" val="5"/>
-  <p:tag name="KSO_WM_UNIT_FILL_FORE_SCHEMECOLOR_INDEX_4_POS" val="1"/>
-  <p:tag name="KSO_WM_UNIT_FILL_FORE_SCHEMECOLOR_INDEX_4_TRANS" val="0"/>
-  <p:tag name="KSO_WM_UNIT_FILL_GRADIENT_TYPE" val="2"/>
-  <p:tag name="KSO_WM_UNIT_FILL_GRADIENT_ANGLE" val="0"/>
-  <p:tag name="KSO_WM_UNIT_FILL_GRADIENT_DIRECTION" val="12"/>
-  <p:tag name="KSO_WM_UNIT_LINE_FORE_SCHEMECOLOR_INDEX_1_BRIGHTNESS" val="0.55"/>
-  <p:tag name="KSO_WM_UNIT_LINE_FORE_SCHEMECOLOR_INDEX_1" val="5"/>
-  <p:tag name="KSO_WM_UNIT_LINE_FORE_SCHEMECOLOR_INDEX_1_POS" val="0"/>
-  <p:tag name="KSO_WM_UNIT_LINE_FORE_SCHEMECOLOR_INDEX_1_TRANS" val="0"/>
-  <p:tag name="KSO_WM_UNIT_LINE_FORE_SCHEMECOLOR_INDEX_2_BRIGHTNESS" val="0.95"/>
-  <p:tag name="KSO_WM_UNIT_LINE_FORE_SCHEMECOLOR_INDEX_2" val="5"/>
-  <p:tag name="KSO_WM_UNIT_LINE_FORE_SCHEMECOLOR_INDEX_2_POS" val="0.37"/>
-  <p:tag name="KSO_WM_UNIT_LINE_FORE_SCHEMECOLOR_INDEX_2_TRANS" val="0"/>
-  <p:tag name="KSO_WM_UNIT_LINE_FORE_SCHEMECOLOR_INDEX_3_BRIGHTNESS" val="0.7"/>
-  <p:tag name="KSO_WM_UNIT_LINE_FORE_SCHEMECOLOR_INDEX_3" val="5"/>
-  <p:tag name="KSO_WM_UNIT_LINE_FORE_SCHEMECOLOR_INDEX_3_POS" val="0.71"/>
-  <p:tag name="KSO_WM_UNIT_LINE_FORE_SCHEMECOLOR_INDEX_3_TRANS" val="0"/>
-  <p:tag name="KSO_WM_UNIT_LINE_FORE_SCHEMECOLOR_INDEX_4_BRIGHTNESS" val="0"/>
-  <p:tag name="KSO_WM_UNIT_LINE_FORE_SCHEMECOLOR_INDEX_4" val="14"/>
-  <p:tag name="KSO_WM_UNIT_LINE_FORE_SCHEMECOLOR_INDEX_4_POS" val="1"/>
-  <p:tag name="KSO_WM_UNIT_LINE_FORE_SCHEMECOLOR_INDEX_4_TRANS" val="0"/>
-  <p:tag name="KSO_WM_UNIT_LINE_GRADIENT_TYPE" val="0"/>
-  <p:tag name="KSO_WM_UNIT_LINE_GRADIENT_ANGLE" val="270"/>
-  <p:tag name="KSO_WM_UNIT_LINE_GRADIENT_DIRECTION" val="6"/>
-  <p:tag name="KSO_WM_UNIT_LINE_FILL_TYPE" val="5"/>
-  <p:tag name="KSO_WM_UNIT_SHADOW_SCHEMECOLOR_INDEX_BRIGHTNESS" val="0"/>
-  <p:tag name="KSO_WM_UNIT_SHADOW_SCHEMECOLOR_INDEX" val="5"/>
-  <p:tag name="KSO_WM_UNIT_TEXT_FILL_FORE_SCHEMECOLOR_INDEX_BRIGHTNESS" val="0"/>
-  <p:tag name="KSO_WM_UNIT_TEXT_FILL_TYPE" val="1"/>
+<p:tagLst xmlns:p="http://schemas.openxmlformats.org/presentationml/2006/main">
+  <p:tag name="KSO_WM_BEAUTIFY_FLAG" val="#wm#"/>
   <p:tag name="KSO_WM_UNIT_HIGHLIGHT" val="0"/>
   <p:tag name="KSO_WM_UNIT_COMPATIBLE" val="0"/>
   <p:tag name="KSO_WM_UNIT_DIAGRAM_ISNUMVISUAL" val="0"/>
   <p:tag name="KSO_WM_UNIT_DIAGRAM_ISREFERUNIT" val="0"/>
   <p:tag name="KSO_WM_DIAGRAM_GROUP_CODE" val="m1-1"/>
-  <p:tag name="KSO_WM_UNIT_ID" val="diagram20230931_4*m_h_a*1_1_1"/>
+  <p:tag name="KSO_WM_UNIT_ID" val="diagram20230319_2*m_i*1_1"/>
   <p:tag name="KSO_WM_TEMPLATE_CATEGORY" val="diagram"/>
-  <p:tag name="KSO_WM_TEMPLATE_INDEX" val="20230931"/>
-  <p:tag name="KSO_WM_UNIT_LAYERLEVEL" val="1_1_1"/>
+  <p:tag name="KSO_WM_TEMPLATE_INDEX" val="20230319"/>
+  <p:tag name="KSO_WM_UNIT_LAYERLEVEL" val="1_1"/>
   <p:tag name="KSO_WM_TAG_VERSION" val="3.0"/>
-  <p:tag name="KSO_WM_UNIT_ISCONTENTSTITLE" val="0"/>
-  <p:tag name="KSO_WM_UNIT_ISNUMDGMTITLE" val="0"/>
-  <p:tag name="KSO_WM_UNIT_NOCLEAR" val="0"/>
-  <p:tag name="KSO_WM_UNIT_VALUE" val="14"/>
-  <p:tag name="KSO_WM_UNIT_TYPE" val="m_h_a"/>
-  <p:tag name="KSO_WM_UNIT_INDEX" val="1_1_1"/>
   <p:tag name="KSO_WM_DIAGRAM_VERSION" val="3"/>
   <p:tag name="KSO_WM_DIAGRAM_COLOR_TRICK" val="2"/>
   <p:tag name="KSO_WM_DIAGRAM_COLOR_TEXT_CAN_REMOVE" val="n"/>
-  <p:tag name="KSO_WM_DIAGRAM_MAX_ITEMCNT" val="6"/>
+  <p:tag name="KSO_WM_UNIT_TYPE" val="m_i"/>
+  <p:tag name="KSO_WM_UNIT_INDEX" val="1_1"/>
+  <p:tag name="KSO_WM_DIAGRAM_MAX_ITEMCNT" val="8"/>
   <p:tag name="KSO_WM_DIAGRAM_MIN_ITEMCNT" val="2"/>
-  <p:tag name="KSO_WM_DIAGRAM_VIRTUALLY_FRAME" val="{&quot;height&quot;:384.1991271972656,&quot;left&quot;:28.3,&quot;top&quot;:77.95047577144597,&quot;width&quot;:903.501968503937}"/>
-  <p:tag name="KSO_WM_DIAGRAM_COLOR_MATCH_VALUE" val="{&quot;shape&quot;:{&quot;fill&quot;:{&quot;gradient&quot;:[{&quot;brightness&quot;:0.800000011920929,&quot;colorType&quot;:1,&quot;foreColorIndex&quot;:5,&quot;pos&quot;:0,&quot;transparency&quot;:0},{&quot;brightness&quot;:0,&quot;colorType&quot;:1,&quot;foreColorIndex&quot;:5,&quot;pos&quot;:0.4399999976158142,&quot;transparency&quot;:0}],&quot;type&quot;:3},&quot;glow&quot;:{&quot;colorType&quot;:0},&quot;line&quot;:{&quot;gradient&quot;:[{&quot;brightness&quot;:0.550000011920929,&quot;colorType&quot;:2,&quot;pos&quot;:0,&quot;rgb&quot;:&quot;#dbe5ff&quot;,&quot;transparency&quot;:0},{&quot;brightness&quot;:0.949999988079071,&quot;colorType&quot;:2,&quot;pos&quot;:0.3700000047683716,&quot;rgb&quot;:&quot;#fdfeff&quot;,&quot;transparency&quot;:0},{&quot;brightness&quot;:0.699999988079071,&quot;colorType&quot;:2,&quot;pos&quot;:0.7099999785423279,&quot;rgb&quot;:&quot;#e7eeff&quot;,&quot;transparency&quot;:0},{&quot;brightness&quot;:0,&quot;colorType&quot;:2,&quot;pos&quot;:1,&quot;rgb&quot;:&quot;#ffffff&quot;,&quot;transparency&quot;:0}],&quot;type&quot;:2},&quot;shadow&quot;:{&quot;brightness&quot;:0,&quot;colorType&quot;:1,&quot;foreColorIndex&quot;:5,&quot;transparency&quot;:0.8500000238418579},&quot;threeD&quot;:{&quot;curvedSurface&quot;:{&quot;brightness&quot;:0,&quot;colorType&quot;:2,&quot;rgb&quot;:&quot;#000000&quot;},&quot;depth&quot;:{&quot;colorType&quot;:0}}},&quot;text&quot;:{&quot;fill&quot;:{&quot;solid&quot;:{&quot;brightness&quot;:0,&quot;colorType&quot;:2,&quot;rgb&quot;:&quot;#ffffff&quot;,&quot;transparency&quot;:0},&quot;type&quot;:1},&quot;glow&quot;:{&quot;colorType&quot;:0},&quot;line&quot;:{&quot;type&quot;:0},&quot;shadow&quot;:{&quot;colorType&quot;:0},&quot;threeD&quot;:{&quot;curvedSurface&quot;:{&quot;brightness&quot;:0,&quot;colorType&quot;:2,&quot;rgb&quot;:&quot;#000000&quot;},&quot;depth&quot;:{&quot;colorType&quot;:0}}}}"/>
-  <p:tag name="KSO_WM_UNIT_FILL_TYPE" val="3"/>
-  <p:tag name="KSO_WM_UNIT_PRESET_TEXT" val="添加标题"/>
+  <p:tag name="KSO_WM_DIAGRAM_VIRTUALLY_FRAME" val="{&quot;height&quot;:378.3999938964844,&quot;left&quot;:56.7814175439069,&quot;top&quot;:80.82500305175782,&quot;width&quot;:846.4872436523438}"/>
+  <p:tag name="KSO_WM_DIAGRAM_COLOR_MATCH_VALUE" val="{&quot;shape&quot;:{&quot;fill&quot;:{&quot;type&quot;:0},&quot;glow&quot;:{&quot;colorType&quot;:0},&quot;line&quot;:{&quot;gradient&quot;:[{&quot;brightness&quot;:0.949999988079071,&quot;colorType&quot;:1,&quot;foreColorIndex&quot;:5,&quot;pos&quot;:0,&quot;transparency&quot;:1},{&quot;brightness&quot;:0,&quot;colorType&quot;:1,&quot;foreColorIndex&quot;:5,&quot;pos&quot;:0.6700000166893005,&quot;transparency&quot;:0}],&quot;type&quot;:2},&quot;shadow&quot;:{&quot;colorType&quot;:0},&quot;threeD&quot;:{&quot;curvedSurface&quot;:{&quot;brightness&quot;:0,&quot;colorType&quot;:2,&quot;rgb&quot;:&quot;#000000&quot;},&quot;depth&quot;:{&quot;colorType&quot;:0}}},&quot;text&quot;:{&quot;fill&quot;:{&quot;solid&quot;:{&quot;brightness&quot;:0,&quot;colorType&quot;:1,&quot;foreColorIndex&quot;:13,&quot;transparency&quot;:0},&quot;type&quot;:1},&quot;glow&quot;:{&quot;colorType&quot;:0},&quot;line&quot;:{&quot;type&quot;:0},&quot;shadow&quot;:{&quot;colorType&quot;:0},&quot;threeD&quot;:{&quot;curvedSurface&quot;:{&quot;brightness&quot;:0,&quot;colorType&quot;:2,&quot;rgb&quot;:&quot;#000000&quot;},&quot;depth&quot;:{&quot;colorType&quot;:0}}}}"/>
   <p:tag name="KSO_WM_DIAGRAM_USE_COLOR_VALUE" val="{&quot;color_scheme&quot;:1,&quot;color_type&quot;:1,&quot;theme_color_indexes&quot;:[]}"/>
 </p:tagLst>
 </file>
 
 <file path=ppt/tags/tag61.xml><?xml version="1.0" encoding="utf-8"?>
-<p:tagLst xmlns:a="http://schemas.openxmlformats.org/drawingml/2006/main" xmlns:r="http://schemas.openxmlformats.org/officeDocument/2006/relationships" xmlns:p="http://schemas.openxmlformats.org/presentationml/2006/main">
+<p:tagLst xmlns:p="http://schemas.openxmlformats.org/presentationml/2006/main">
   <p:tag name="KSO_WM_BEAUTIFY_FLAG" val="#wm#"/>
   <p:tag name="KSO_WM_UNIT_HIGHLIGHT" val="0"/>
   <p:tag name="KSO_WM_UNIT_COMPATIBLE" val="0"/>
@@ -25670,25 +26456,33 @@
 </file>
 
 <file path=ppt/tags/tag62.xml><?xml version="1.0" encoding="utf-8"?>
-<p:tagLst xmlns:a="http://schemas.openxmlformats.org/drawingml/2006/main" xmlns:r="http://schemas.openxmlformats.org/officeDocument/2006/relationships" xmlns:p="http://schemas.openxmlformats.org/presentationml/2006/main">
+<p:tagLst xmlns:p="http://schemas.openxmlformats.org/presentationml/2006/main">
   <p:tag name="KSO_WM_BEAUTIFY_FLAG" val=""/>
 </p:tagLst>
 </file>
 
+<file path=ppt/tags/tag63.xml><?xml version="1.0" encoding="utf-8"?>
+<p:tagLst xmlns:p="http://schemas.openxmlformats.org/presentationml/2006/main">
+  <p:tag name="RESOURCE_RECORD_KEY" val="{&quot;70&quot;:[3312343,3312296,3312129]}"/>
+  <p:tag name="COMMONDATA" val="eyJjb3VudCI6MywiaGRpZCI6IjcwZGRhY2U1MjQwODQ4NzA0ZmM5N2M2MDE4N2M3OGE3IiwidXNlckNvdW50IjozfQ=="/>
+  <p:tag name="commondata" val="eyJjb3VudCI6NCwiaGRpZCI6IjcwZGRhY2U1MjQwODQ4NzA0ZmM5N2M2MDE4N2M3OGE3IiwidXNlckNvdW50Ijo0fQ=="/>
+</p:tagLst>
+</file>
+
 <file path=ppt/tags/tag7.xml><?xml version="1.0" encoding="utf-8"?>
-<p:tagLst xmlns:a="http://schemas.openxmlformats.org/drawingml/2006/main" xmlns:r="http://schemas.openxmlformats.org/officeDocument/2006/relationships" xmlns:p="http://schemas.openxmlformats.org/presentationml/2006/main">
+<p:tagLst xmlns:p="http://schemas.openxmlformats.org/presentationml/2006/main">
   <p:tag name="KSO_WM_DIAGRAM_VIRTUALLY_FRAME" val="{&quot;height&quot;:345.1151181102362,&quot;left&quot;:400.0302362204723,&quot;top&quot;:110.9804724409449,&quot;width&quot;:475.54204724409453}"/>
 </p:tagLst>
 </file>
 
 <file path=ppt/tags/tag8.xml><?xml version="1.0" encoding="utf-8"?>
-<p:tagLst xmlns:a="http://schemas.openxmlformats.org/drawingml/2006/main" xmlns:r="http://schemas.openxmlformats.org/officeDocument/2006/relationships" xmlns:p="http://schemas.openxmlformats.org/presentationml/2006/main">
+<p:tagLst xmlns:p="http://schemas.openxmlformats.org/presentationml/2006/main">
   <p:tag name="KSO_WM_DIAGRAM_VIRTUALLY_FRAME" val="{&quot;height&quot;:345.1151181102362,&quot;left&quot;:400.0302362204723,&quot;top&quot;:110.9804724409449,&quot;width&quot;:475.54204724409453}"/>
 </p:tagLst>
 </file>
 
 <file path=ppt/tags/tag9.xml><?xml version="1.0" encoding="utf-8"?>
-<p:tagLst xmlns:a="http://schemas.openxmlformats.org/drawingml/2006/main" xmlns:r="http://schemas.openxmlformats.org/officeDocument/2006/relationships" xmlns:p="http://schemas.openxmlformats.org/presentationml/2006/main">
+<p:tagLst xmlns:p="http://schemas.openxmlformats.org/presentationml/2006/main">
   <p:tag name="KSO_WM_DIAGRAM_VIRTUALLY_FRAME" val="{&quot;height&quot;:345.1151181102362,&quot;left&quot;:400.0302362204723,&quot;top&quot;:110.9804724409449,&quot;width&quot;:475.54204724409453}"/>
 </p:tagLst>
 </file>
@@ -25944,8 +26738,6 @@
       </a:bgFillStyleLst>
     </a:fmtScheme>
   </a:themeElements>
-  <a:objectDefaults/>
-  <a:extraClrSchemeLst/>
   <a:extLst>
     <a:ext uri="{05A4C25C-085E-4340-85A3-A5531E510DB2}">
       <thm15:themeFamily xmlns:thm15="http://schemas.microsoft.com/office/thememl/2012/main" name="Office Theme" id="{62F939B6-93AF-4DB8-9C6B-D6C7DFDC589F}" vid="{4A3C46E8-61CC-4603-A589-7422A47A8E4A}"/>
@@ -26205,8 +26997,6 @@
       </a:bgFillStyleLst>
     </a:fmtScheme>
   </a:themeElements>
-  <a:objectDefaults/>
-  <a:extraClrSchemeLst/>
   <a:extLst>
     <a:ext uri="{05A4C25C-085E-4340-85A3-A5531E510DB2}">
       <thm15:themeFamily xmlns:thm15="http://schemas.microsoft.com/office/thememl/2012/main" name="Office Theme" id="{62F939B6-93AF-4DB8-9C6B-D6C7DFDC589F}" vid="{4A3C46E8-61CC-4603-A589-7422A47A8E4A}"/>
@@ -26466,8 +27256,6 @@
       </a:bgFillStyleLst>
     </a:fmtScheme>
   </a:themeElements>
-  <a:objectDefaults/>
-  <a:extraClrSchemeLst/>
   <a:extLst>
     <a:ext uri="{05A4C25C-085E-4340-85A3-A5531E510DB2}">
       <thm15:themeFamily xmlns:thm15="http://schemas.microsoft.com/office/thememl/2012/main" name="Office Theme" id="{62F939B6-93AF-4DB8-9C6B-D6C7DFDC589F}" vid="{4A3C46E8-61CC-4603-A589-7422A47A8E4A}"/>
